--- a/ppt meetings/March 2023/03.03.pptx
+++ b/ppt meetings/March 2023/03.03.pptx
@@ -1,26 +1,121 @@
 
 <file path=ppt/presentation.xml><?xml version="1.0" encoding="utf-8"?>
-<p:presentation xmlns:a="http://schemas.openxmlformats.org/drawingml/2006/main" xmlns:p="http://schemas.openxmlformats.org/presentationml/2006/main" xmlns:r="http://schemas.openxmlformats.org/officeDocument/2006/relationships" xmlns:p14="http://schemas.microsoft.com/office/powerpoint/2010/main" xmlns:p15="http://schemas.microsoft.com/office/powerpoint/2012/main" xmlns:mc="http://schemas.openxmlformats.org/markup-compatibility/2006">
+<p:presentation xmlns:a="http://schemas.openxmlformats.org/drawingml/2006/main" xmlns:r="http://schemas.openxmlformats.org/officeDocument/2006/relationships" xmlns:p="http://schemas.openxmlformats.org/presentationml/2006/main">
   <p:sldMasterIdLst>
-    <p:sldMasterId id="2147483648" r:id="rId2"/>
-    <p:sldMasterId id="2147483661" r:id="rId3"/>
+    <p:sldMasterId id="2147483648" r:id="rId1"/>
+    <p:sldMasterId id="2147483661" r:id="rId2"/>
   </p:sldMasterIdLst>
   <p:sldIdLst>
-    <p:sldId id="256" r:id="rId4"/>
-    <p:sldId id="257" r:id="rId5"/>
-    <p:sldId id="258" r:id="rId6"/>
-    <p:sldId id="259" r:id="rId7"/>
-    <p:sldId id="260" r:id="rId8"/>
-    <p:sldId id="261" r:id="rId9"/>
-    <p:sldId id="262" r:id="rId10"/>
+    <p:sldId id="256" r:id="rId3"/>
+    <p:sldId id="257" r:id="rId4"/>
+    <p:sldId id="258" r:id="rId5"/>
+    <p:sldId id="259" r:id="rId6"/>
+    <p:sldId id="260" r:id="rId7"/>
+    <p:sldId id="261" r:id="rId8"/>
+    <p:sldId id="262" r:id="rId9"/>
   </p:sldIdLst>
   <p:sldSz cx="12192000" cy="6858000"/>
   <p:notesSz cx="7559675" cy="10691813"/>
+  <p:defaultTextStyle>
+    <a:defPPr>
+      <a:defRPr lang="en-US"/>
+    </a:defPPr>
+    <a:lvl1pPr marL="0" algn="l" defTabSz="914400" rtl="0" eaLnBrk="1" latinLnBrk="0" hangingPunct="1">
+      <a:defRPr sz="1800" kern="1200">
+        <a:solidFill>
+          <a:schemeClr val="tx1"/>
+        </a:solidFill>
+        <a:latin typeface="+mn-lt"/>
+        <a:ea typeface="+mn-ea"/>
+        <a:cs typeface="+mn-cs"/>
+      </a:defRPr>
+    </a:lvl1pPr>
+    <a:lvl2pPr marL="457200" algn="l" defTabSz="914400" rtl="0" eaLnBrk="1" latinLnBrk="0" hangingPunct="1">
+      <a:defRPr sz="1800" kern="1200">
+        <a:solidFill>
+          <a:schemeClr val="tx1"/>
+        </a:solidFill>
+        <a:latin typeface="+mn-lt"/>
+        <a:ea typeface="+mn-ea"/>
+        <a:cs typeface="+mn-cs"/>
+      </a:defRPr>
+    </a:lvl2pPr>
+    <a:lvl3pPr marL="914400" algn="l" defTabSz="914400" rtl="0" eaLnBrk="1" latinLnBrk="0" hangingPunct="1">
+      <a:defRPr sz="1800" kern="1200">
+        <a:solidFill>
+          <a:schemeClr val="tx1"/>
+        </a:solidFill>
+        <a:latin typeface="+mn-lt"/>
+        <a:ea typeface="+mn-ea"/>
+        <a:cs typeface="+mn-cs"/>
+      </a:defRPr>
+    </a:lvl3pPr>
+    <a:lvl4pPr marL="1371600" algn="l" defTabSz="914400" rtl="0" eaLnBrk="1" latinLnBrk="0" hangingPunct="1">
+      <a:defRPr sz="1800" kern="1200">
+        <a:solidFill>
+          <a:schemeClr val="tx1"/>
+        </a:solidFill>
+        <a:latin typeface="+mn-lt"/>
+        <a:ea typeface="+mn-ea"/>
+        <a:cs typeface="+mn-cs"/>
+      </a:defRPr>
+    </a:lvl4pPr>
+    <a:lvl5pPr marL="1828800" algn="l" defTabSz="914400" rtl="0" eaLnBrk="1" latinLnBrk="0" hangingPunct="1">
+      <a:defRPr sz="1800" kern="1200">
+        <a:solidFill>
+          <a:schemeClr val="tx1"/>
+        </a:solidFill>
+        <a:latin typeface="+mn-lt"/>
+        <a:ea typeface="+mn-ea"/>
+        <a:cs typeface="+mn-cs"/>
+      </a:defRPr>
+    </a:lvl5pPr>
+    <a:lvl6pPr marL="2286000" algn="l" defTabSz="914400" rtl="0" eaLnBrk="1" latinLnBrk="0" hangingPunct="1">
+      <a:defRPr sz="1800" kern="1200">
+        <a:solidFill>
+          <a:schemeClr val="tx1"/>
+        </a:solidFill>
+        <a:latin typeface="+mn-lt"/>
+        <a:ea typeface="+mn-ea"/>
+        <a:cs typeface="+mn-cs"/>
+      </a:defRPr>
+    </a:lvl6pPr>
+    <a:lvl7pPr marL="2743200" algn="l" defTabSz="914400" rtl="0" eaLnBrk="1" latinLnBrk="0" hangingPunct="1">
+      <a:defRPr sz="1800" kern="1200">
+        <a:solidFill>
+          <a:schemeClr val="tx1"/>
+        </a:solidFill>
+        <a:latin typeface="+mn-lt"/>
+        <a:ea typeface="+mn-ea"/>
+        <a:cs typeface="+mn-cs"/>
+      </a:defRPr>
+    </a:lvl7pPr>
+    <a:lvl8pPr marL="3200400" algn="l" defTabSz="914400" rtl="0" eaLnBrk="1" latinLnBrk="0" hangingPunct="1">
+      <a:defRPr sz="1800" kern="1200">
+        <a:solidFill>
+          <a:schemeClr val="tx1"/>
+        </a:solidFill>
+        <a:latin typeface="+mn-lt"/>
+        <a:ea typeface="+mn-ea"/>
+        <a:cs typeface="+mn-cs"/>
+      </a:defRPr>
+    </a:lvl8pPr>
+    <a:lvl9pPr marL="3657600" algn="l" defTabSz="914400" rtl="0" eaLnBrk="1" latinLnBrk="0" hangingPunct="1">
+      <a:defRPr sz="1800" kern="1200">
+        <a:solidFill>
+          <a:schemeClr val="tx1"/>
+        </a:solidFill>
+        <a:latin typeface="+mn-lt"/>
+        <a:ea typeface="+mn-ea"/>
+        <a:cs typeface="+mn-cs"/>
+      </a:defRPr>
+    </a:lvl9pPr>
+  </p:defaultTextStyle>
 </p:presentation>
 </file>
 
 <file path=ppt/slideLayouts/slideLayout1.xml><?xml version="1.0" encoding="utf-8"?>
-<p:sldLayout xmlns:a="http://schemas.openxmlformats.org/drawingml/2006/main" xmlns:p="http://schemas.openxmlformats.org/presentationml/2006/main" xmlns:r="http://schemas.openxmlformats.org/officeDocument/2006/relationships" xmlns:p14="http://schemas.microsoft.com/office/powerpoint/2010/main" xmlns:p15="http://schemas.microsoft.com/office/powerpoint/2012/main" xmlns:mc="http://schemas.openxmlformats.org/markup-compatibility/2006" type="blank" preserve="1">
+<p:sldLayout xmlns:a="http://schemas.openxmlformats.org/drawingml/2006/main" xmlns:r="http://schemas.openxmlformats.org/officeDocument/2006/relationships" xmlns:p="http://schemas.openxmlformats.org/presentationml/2006/main" type="blank" preserve="1">
   <p:cSld name="Blank Slide">
     <p:spTree>
       <p:nvGrpSpPr>
@@ -49,6 +144,7 @@
         <p:spPr/>
         <p:txBody>
           <a:bodyPr/>
+          <a:lstStyle/>
           <a:p>
             <a:r>
               <a:t>Footer</a:t>
@@ -69,10 +165,12 @@
         <p:spPr/>
         <p:txBody>
           <a:bodyPr/>
+          <a:lstStyle/>
           <a:p>
             <a:fld id="{D6D05B07-03D5-4713-8200-CC2B6A03AE09}" type="slidenum">
-              <a:t>&lt;#&gt;</a:t>
+              <a:t>‹#›</a:t>
             </a:fld>
+            <a:endParaRPr/>
           </a:p>
         </p:txBody>
       </p:sp>
@@ -89,21 +187,22 @@
         <p:spPr/>
         <p:txBody>
           <a:bodyPr/>
-          <a:p>
-            <a:r>
-              <a:rPr lang="en-GB"/>
-              <a:t/>
-            </a:r>
+          <a:lstStyle/>
+          <a:p>
+            <a:endParaRPr/>
           </a:p>
         </p:txBody>
       </p:sp>
     </p:spTree>
   </p:cSld>
+  <p:clrMapOvr>
+    <a:masterClrMapping/>
+  </p:clrMapOvr>
 </p:sldLayout>
 </file>
 
 <file path=ppt/slideLayouts/slideLayout10.xml><?xml version="1.0" encoding="utf-8"?>
-<p:sldLayout xmlns:a="http://schemas.openxmlformats.org/drawingml/2006/main" xmlns:p="http://schemas.openxmlformats.org/presentationml/2006/main" xmlns:r="http://schemas.openxmlformats.org/officeDocument/2006/relationships" xmlns:p14="http://schemas.microsoft.com/office/powerpoint/2010/main" xmlns:p15="http://schemas.microsoft.com/office/powerpoint/2012/main" xmlns:mc="http://schemas.openxmlformats.org/markup-compatibility/2006" type="objOverTx" preserve="1">
+<p:sldLayout xmlns:a="http://schemas.openxmlformats.org/drawingml/2006/main" xmlns:r="http://schemas.openxmlformats.org/officeDocument/2006/relationships" xmlns:p="http://schemas.openxmlformats.org/presentationml/2006/main" type="objOverTx" preserve="1">
   <p:cSld name="Title, Content over Content">
     <p:spTree>
       <p:nvGrpSpPr>
@@ -143,14 +242,15 @@
           </a:ln>
         </p:spPr>
         <p:txBody>
-          <a:bodyPr lIns="0" rIns="0" tIns="0" bIns="0" anchor="ctr">
+          <a:bodyPr lIns="0" tIns="0" rIns="0" bIns="0" anchor="ctr">
             <a:noAutofit/>
           </a:bodyPr>
+          <a:lstStyle/>
           <a:p>
             <a:pPr algn="ctr">
               <a:buNone/>
             </a:pPr>
-            <a:endParaRPr b="0" lang="en-GB" sz="4400" spc="-1" strike="noStrike">
+            <a:endParaRPr lang="en-GB" sz="4400" b="0" strike="noStrike" spc="-1">
               <a:latin typeface="Arial"/>
             </a:endParaRPr>
           </a:p>
@@ -180,11 +280,12 @@
           </a:ln>
         </p:spPr>
         <p:txBody>
-          <a:bodyPr lIns="0" rIns="0" tIns="0" bIns="0" anchor="t">
+          <a:bodyPr lIns="0" tIns="0" rIns="0" bIns="0" anchor="t">
             <a:normAutofit/>
           </a:bodyPr>
-          <a:p>
-            <a:endParaRPr b="0" lang="en-GB" sz="3200" spc="-1" strike="noStrike">
+          <a:lstStyle/>
+          <a:p>
+            <a:endParaRPr lang="en-GB" sz="3200" b="0" strike="noStrike" spc="-1">
               <a:latin typeface="Arial"/>
             </a:endParaRPr>
           </a:p>
@@ -214,11 +315,12 @@
           </a:ln>
         </p:spPr>
         <p:txBody>
-          <a:bodyPr lIns="0" rIns="0" tIns="0" bIns="0" anchor="t">
+          <a:bodyPr lIns="0" tIns="0" rIns="0" bIns="0" anchor="t">
             <a:normAutofit/>
           </a:bodyPr>
-          <a:p>
-            <a:endParaRPr b="0" lang="en-GB" sz="3200" spc="-1" strike="noStrike">
+          <a:lstStyle/>
+          <a:p>
+            <a:endParaRPr lang="en-GB" sz="3200" b="0" strike="noStrike" spc="-1">
               <a:latin typeface="Arial"/>
             </a:endParaRPr>
           </a:p>
@@ -237,6 +339,7 @@
         <p:spPr/>
         <p:txBody>
           <a:bodyPr/>
+          <a:lstStyle/>
           <a:p>
             <a:r>
               <a:t>Footer</a:t>
@@ -257,10 +360,12 @@
         <p:spPr/>
         <p:txBody>
           <a:bodyPr/>
+          <a:lstStyle/>
           <a:p>
             <a:fld id="{35F20726-1165-403A-A73D-CAE25C7E8A9F}" type="slidenum">
-              <a:t>&lt;#&gt;</a:t>
+              <a:t>‹#›</a:t>
             </a:fld>
+            <a:endParaRPr/>
           </a:p>
         </p:txBody>
       </p:sp>
@@ -277,21 +382,22 @@
         <p:spPr/>
         <p:txBody>
           <a:bodyPr/>
-          <a:p>
-            <a:r>
-              <a:rPr lang="en-GB"/>
-              <a:t/>
-            </a:r>
+          <a:lstStyle/>
+          <a:p>
+            <a:endParaRPr/>
           </a:p>
         </p:txBody>
       </p:sp>
     </p:spTree>
   </p:cSld>
+  <p:clrMapOvr>
+    <a:masterClrMapping/>
+  </p:clrMapOvr>
 </p:sldLayout>
 </file>
 
 <file path=ppt/slideLayouts/slideLayout11.xml><?xml version="1.0" encoding="utf-8"?>
-<p:sldLayout xmlns:a="http://schemas.openxmlformats.org/drawingml/2006/main" xmlns:p="http://schemas.openxmlformats.org/presentationml/2006/main" xmlns:r="http://schemas.openxmlformats.org/officeDocument/2006/relationships" xmlns:p14="http://schemas.microsoft.com/office/powerpoint/2010/main" xmlns:p15="http://schemas.microsoft.com/office/powerpoint/2012/main" xmlns:mc="http://schemas.openxmlformats.org/markup-compatibility/2006" type="fourObj" preserve="1">
+<p:sldLayout xmlns:a="http://schemas.openxmlformats.org/drawingml/2006/main" xmlns:r="http://schemas.openxmlformats.org/officeDocument/2006/relationships" xmlns:p="http://schemas.openxmlformats.org/presentationml/2006/main" type="fourObj" preserve="1">
   <p:cSld name="Title, 4 Content">
     <p:spTree>
       <p:nvGrpSpPr>
@@ -331,14 +437,15 @@
           </a:ln>
         </p:spPr>
         <p:txBody>
-          <a:bodyPr lIns="0" rIns="0" tIns="0" bIns="0" anchor="ctr">
+          <a:bodyPr lIns="0" tIns="0" rIns="0" bIns="0" anchor="ctr">
             <a:noAutofit/>
           </a:bodyPr>
+          <a:lstStyle/>
           <a:p>
             <a:pPr algn="ctr">
               <a:buNone/>
             </a:pPr>
-            <a:endParaRPr b="0" lang="en-GB" sz="4400" spc="-1" strike="noStrike">
+            <a:endParaRPr lang="en-GB" sz="4400" b="0" strike="noStrike" spc="-1">
               <a:latin typeface="Arial"/>
             </a:endParaRPr>
           </a:p>
@@ -368,11 +475,12 @@
           </a:ln>
         </p:spPr>
         <p:txBody>
-          <a:bodyPr lIns="0" rIns="0" tIns="0" bIns="0" anchor="t">
+          <a:bodyPr lIns="0" tIns="0" rIns="0" bIns="0" anchor="t">
             <a:normAutofit/>
           </a:bodyPr>
-          <a:p>
-            <a:endParaRPr b="0" lang="en-GB" sz="3200" spc="-1" strike="noStrike">
+          <a:lstStyle/>
+          <a:p>
+            <a:endParaRPr lang="en-GB" sz="3200" b="0" strike="noStrike" spc="-1">
               <a:latin typeface="Arial"/>
             </a:endParaRPr>
           </a:p>
@@ -402,11 +510,12 @@
           </a:ln>
         </p:spPr>
         <p:txBody>
-          <a:bodyPr lIns="0" rIns="0" tIns="0" bIns="0" anchor="t">
+          <a:bodyPr lIns="0" tIns="0" rIns="0" bIns="0" anchor="t">
             <a:normAutofit/>
           </a:bodyPr>
-          <a:p>
-            <a:endParaRPr b="0" lang="en-GB" sz="3200" spc="-1" strike="noStrike">
+          <a:lstStyle/>
+          <a:p>
+            <a:endParaRPr lang="en-GB" sz="3200" b="0" strike="noStrike" spc="-1">
               <a:latin typeface="Arial"/>
             </a:endParaRPr>
           </a:p>
@@ -436,11 +545,12 @@
           </a:ln>
         </p:spPr>
         <p:txBody>
-          <a:bodyPr lIns="0" rIns="0" tIns="0" bIns="0" anchor="t">
+          <a:bodyPr lIns="0" tIns="0" rIns="0" bIns="0" anchor="t">
             <a:normAutofit/>
           </a:bodyPr>
-          <a:p>
-            <a:endParaRPr b="0" lang="en-GB" sz="3200" spc="-1" strike="noStrike">
+          <a:lstStyle/>
+          <a:p>
+            <a:endParaRPr lang="en-GB" sz="3200" b="0" strike="noStrike" spc="-1">
               <a:latin typeface="Arial"/>
             </a:endParaRPr>
           </a:p>
@@ -470,11 +580,12 @@
           </a:ln>
         </p:spPr>
         <p:txBody>
-          <a:bodyPr lIns="0" rIns="0" tIns="0" bIns="0" anchor="t">
+          <a:bodyPr lIns="0" tIns="0" rIns="0" bIns="0" anchor="t">
             <a:normAutofit/>
           </a:bodyPr>
-          <a:p>
-            <a:endParaRPr b="0" lang="en-GB" sz="3200" spc="-1" strike="noStrike">
+          <a:lstStyle/>
+          <a:p>
+            <a:endParaRPr lang="en-GB" sz="3200" b="0" strike="noStrike" spc="-1">
               <a:latin typeface="Arial"/>
             </a:endParaRPr>
           </a:p>
@@ -493,6 +604,7 @@
         <p:spPr/>
         <p:txBody>
           <a:bodyPr/>
+          <a:lstStyle/>
           <a:p>
             <a:r>
               <a:t>Footer</a:t>
@@ -513,10 +625,12 @@
         <p:spPr/>
         <p:txBody>
           <a:bodyPr/>
+          <a:lstStyle/>
           <a:p>
             <a:fld id="{874911A2-E671-4B96-83AD-808F47785B57}" type="slidenum">
-              <a:t>&lt;#&gt;</a:t>
+              <a:t>‹#›</a:t>
             </a:fld>
+            <a:endParaRPr/>
           </a:p>
         </p:txBody>
       </p:sp>
@@ -533,21 +647,22 @@
         <p:spPr/>
         <p:txBody>
           <a:bodyPr/>
-          <a:p>
-            <a:r>
-              <a:rPr lang="en-GB"/>
-              <a:t/>
-            </a:r>
+          <a:lstStyle/>
+          <a:p>
+            <a:endParaRPr/>
           </a:p>
         </p:txBody>
       </p:sp>
     </p:spTree>
   </p:cSld>
+  <p:clrMapOvr>
+    <a:masterClrMapping/>
+  </p:clrMapOvr>
 </p:sldLayout>
 </file>
 
 <file path=ppt/slideLayouts/slideLayout12.xml><?xml version="1.0" encoding="utf-8"?>
-<p:sldLayout xmlns:a="http://schemas.openxmlformats.org/drawingml/2006/main" xmlns:p="http://schemas.openxmlformats.org/presentationml/2006/main" xmlns:r="http://schemas.openxmlformats.org/officeDocument/2006/relationships" xmlns:p14="http://schemas.microsoft.com/office/powerpoint/2010/main" xmlns:p15="http://schemas.microsoft.com/office/powerpoint/2012/main" xmlns:mc="http://schemas.openxmlformats.org/markup-compatibility/2006" type="blank" preserve="1">
+<p:sldLayout xmlns:a="http://schemas.openxmlformats.org/drawingml/2006/main" xmlns:r="http://schemas.openxmlformats.org/officeDocument/2006/relationships" xmlns:p="http://schemas.openxmlformats.org/presentationml/2006/main" type="blank" preserve="1">
   <p:cSld name="Title, 6 Content">
     <p:spTree>
       <p:nvGrpSpPr>
@@ -587,14 +702,15 @@
           </a:ln>
         </p:spPr>
         <p:txBody>
-          <a:bodyPr lIns="0" rIns="0" tIns="0" bIns="0" anchor="ctr">
+          <a:bodyPr lIns="0" tIns="0" rIns="0" bIns="0" anchor="ctr">
             <a:noAutofit/>
           </a:bodyPr>
+          <a:lstStyle/>
           <a:p>
             <a:pPr algn="ctr">
               <a:buNone/>
             </a:pPr>
-            <a:endParaRPr b="0" lang="en-GB" sz="4400" spc="-1" strike="noStrike">
+            <a:endParaRPr lang="en-GB" sz="4400" b="0" strike="noStrike" spc="-1">
               <a:latin typeface="Arial"/>
             </a:endParaRPr>
           </a:p>
@@ -624,11 +740,12 @@
           </a:ln>
         </p:spPr>
         <p:txBody>
-          <a:bodyPr lIns="0" rIns="0" tIns="0" bIns="0" anchor="t">
+          <a:bodyPr lIns="0" tIns="0" rIns="0" bIns="0" anchor="t">
             <a:normAutofit/>
           </a:bodyPr>
-          <a:p>
-            <a:endParaRPr b="0" lang="en-GB" sz="3200" spc="-1" strike="noStrike">
+          <a:lstStyle/>
+          <a:p>
+            <a:endParaRPr lang="en-GB" sz="3200" b="0" strike="noStrike" spc="-1">
               <a:latin typeface="Arial"/>
             </a:endParaRPr>
           </a:p>
@@ -658,11 +775,12 @@
           </a:ln>
         </p:spPr>
         <p:txBody>
-          <a:bodyPr lIns="0" rIns="0" tIns="0" bIns="0" anchor="t">
+          <a:bodyPr lIns="0" tIns="0" rIns="0" bIns="0" anchor="t">
             <a:normAutofit/>
           </a:bodyPr>
-          <a:p>
-            <a:endParaRPr b="0" lang="en-GB" sz="3200" spc="-1" strike="noStrike">
+          <a:lstStyle/>
+          <a:p>
+            <a:endParaRPr lang="en-GB" sz="3200" b="0" strike="noStrike" spc="-1">
               <a:latin typeface="Arial"/>
             </a:endParaRPr>
           </a:p>
@@ -692,11 +810,12 @@
           </a:ln>
         </p:spPr>
         <p:txBody>
-          <a:bodyPr lIns="0" rIns="0" tIns="0" bIns="0" anchor="t">
+          <a:bodyPr lIns="0" tIns="0" rIns="0" bIns="0" anchor="t">
             <a:normAutofit/>
           </a:bodyPr>
-          <a:p>
-            <a:endParaRPr b="0" lang="en-GB" sz="3200" spc="-1" strike="noStrike">
+          <a:lstStyle/>
+          <a:p>
+            <a:endParaRPr lang="en-GB" sz="3200" b="0" strike="noStrike" spc="-1">
               <a:latin typeface="Arial"/>
             </a:endParaRPr>
           </a:p>
@@ -726,11 +845,12 @@
           </a:ln>
         </p:spPr>
         <p:txBody>
-          <a:bodyPr lIns="0" rIns="0" tIns="0" bIns="0" anchor="t">
+          <a:bodyPr lIns="0" tIns="0" rIns="0" bIns="0" anchor="t">
             <a:normAutofit/>
           </a:bodyPr>
-          <a:p>
-            <a:endParaRPr b="0" lang="en-GB" sz="3200" spc="-1" strike="noStrike">
+          <a:lstStyle/>
+          <a:p>
+            <a:endParaRPr lang="en-GB" sz="3200" b="0" strike="noStrike" spc="-1">
               <a:latin typeface="Arial"/>
             </a:endParaRPr>
           </a:p>
@@ -760,11 +880,12 @@
           </a:ln>
         </p:spPr>
         <p:txBody>
-          <a:bodyPr lIns="0" rIns="0" tIns="0" bIns="0" anchor="t">
+          <a:bodyPr lIns="0" tIns="0" rIns="0" bIns="0" anchor="t">
             <a:normAutofit/>
           </a:bodyPr>
-          <a:p>
-            <a:endParaRPr b="0" lang="en-GB" sz="3200" spc="-1" strike="noStrike">
+          <a:lstStyle/>
+          <a:p>
+            <a:endParaRPr lang="en-GB" sz="3200" b="0" strike="noStrike" spc="-1">
               <a:latin typeface="Arial"/>
             </a:endParaRPr>
           </a:p>
@@ -794,11 +915,12 @@
           </a:ln>
         </p:spPr>
         <p:txBody>
-          <a:bodyPr lIns="0" rIns="0" tIns="0" bIns="0" anchor="t">
+          <a:bodyPr lIns="0" tIns="0" rIns="0" bIns="0" anchor="t">
             <a:normAutofit/>
           </a:bodyPr>
-          <a:p>
-            <a:endParaRPr b="0" lang="en-GB" sz="3200" spc="-1" strike="noStrike">
+          <a:lstStyle/>
+          <a:p>
+            <a:endParaRPr lang="en-GB" sz="3200" b="0" strike="noStrike" spc="-1">
               <a:latin typeface="Arial"/>
             </a:endParaRPr>
           </a:p>
@@ -817,6 +939,7 @@
         <p:spPr/>
         <p:txBody>
           <a:bodyPr/>
+          <a:lstStyle/>
           <a:p>
             <a:r>
               <a:t>Footer</a:t>
@@ -837,10 +960,12 @@
         <p:spPr/>
         <p:txBody>
           <a:bodyPr/>
+          <a:lstStyle/>
           <a:p>
             <a:fld id="{A58C4C80-217E-42FB-B7F1-3BF9B54F9235}" type="slidenum">
-              <a:t>&lt;#&gt;</a:t>
+              <a:t>‹#›</a:t>
             </a:fld>
+            <a:endParaRPr/>
           </a:p>
         </p:txBody>
       </p:sp>
@@ -857,21 +982,22 @@
         <p:spPr/>
         <p:txBody>
           <a:bodyPr/>
-          <a:p>
-            <a:r>
-              <a:rPr lang="en-GB"/>
-              <a:t/>
-            </a:r>
+          <a:lstStyle/>
+          <a:p>
+            <a:endParaRPr/>
           </a:p>
         </p:txBody>
       </p:sp>
     </p:spTree>
   </p:cSld>
+  <p:clrMapOvr>
+    <a:masterClrMapping/>
+  </p:clrMapOvr>
 </p:sldLayout>
 </file>
 
 <file path=ppt/slideLayouts/slideLayout13.xml><?xml version="1.0" encoding="utf-8"?>
-<p:sldLayout xmlns:a="http://schemas.openxmlformats.org/drawingml/2006/main" xmlns:p="http://schemas.openxmlformats.org/presentationml/2006/main" xmlns:r="http://schemas.openxmlformats.org/officeDocument/2006/relationships" xmlns:p14="http://schemas.microsoft.com/office/powerpoint/2010/main" xmlns:p15="http://schemas.microsoft.com/office/powerpoint/2012/main" xmlns:mc="http://schemas.openxmlformats.org/markup-compatibility/2006" type="blank" preserve="1">
+<p:sldLayout xmlns:a="http://schemas.openxmlformats.org/drawingml/2006/main" xmlns:r="http://schemas.openxmlformats.org/officeDocument/2006/relationships" xmlns:p="http://schemas.openxmlformats.org/presentationml/2006/main" type="blank" preserve="1">
   <p:cSld name="Blank Slide">
     <p:spTree>
       <p:nvGrpSpPr>
@@ -900,6 +1026,7 @@
         <p:spPr/>
         <p:txBody>
           <a:bodyPr/>
+          <a:lstStyle/>
           <a:p>
             <a:r>
               <a:t>Footer</a:t>
@@ -920,10 +1047,12 @@
         <p:spPr/>
         <p:txBody>
           <a:bodyPr/>
+          <a:lstStyle/>
           <a:p>
             <a:fld id="{C8D6DB0D-E02D-498A-B2B0-4E241AC04068}" type="slidenum">
-              <a:t>&lt;#&gt;</a:t>
+              <a:t>‹#›</a:t>
             </a:fld>
+            <a:endParaRPr/>
           </a:p>
         </p:txBody>
       </p:sp>
@@ -940,21 +1069,22 @@
         <p:spPr/>
         <p:txBody>
           <a:bodyPr/>
-          <a:p>
-            <a:r>
-              <a:rPr lang="en-GB"/>
-              <a:t/>
-            </a:r>
+          <a:lstStyle/>
+          <a:p>
+            <a:endParaRPr/>
           </a:p>
         </p:txBody>
       </p:sp>
     </p:spTree>
   </p:cSld>
+  <p:clrMapOvr>
+    <a:masterClrMapping/>
+  </p:clrMapOvr>
 </p:sldLayout>
 </file>
 
 <file path=ppt/slideLayouts/slideLayout14.xml><?xml version="1.0" encoding="utf-8"?>
-<p:sldLayout xmlns:a="http://schemas.openxmlformats.org/drawingml/2006/main" xmlns:p="http://schemas.openxmlformats.org/presentationml/2006/main" xmlns:r="http://schemas.openxmlformats.org/officeDocument/2006/relationships" xmlns:p14="http://schemas.microsoft.com/office/powerpoint/2010/main" xmlns:p15="http://schemas.microsoft.com/office/powerpoint/2012/main" xmlns:mc="http://schemas.openxmlformats.org/markup-compatibility/2006" type="tx" preserve="1">
+<p:sldLayout xmlns:a="http://schemas.openxmlformats.org/drawingml/2006/main" xmlns:r="http://schemas.openxmlformats.org/officeDocument/2006/relationships" xmlns:p="http://schemas.openxmlformats.org/presentationml/2006/main" type="tx" preserve="1">
   <p:cSld name="Title Slide">
     <p:spTree>
       <p:nvGrpSpPr>
@@ -994,14 +1124,15 @@
           </a:ln>
         </p:spPr>
         <p:txBody>
-          <a:bodyPr lIns="0" rIns="0" tIns="0" bIns="0" anchor="ctr">
+          <a:bodyPr lIns="0" tIns="0" rIns="0" bIns="0" anchor="ctr">
             <a:noAutofit/>
           </a:bodyPr>
+          <a:lstStyle/>
           <a:p>
             <a:pPr algn="ctr">
               <a:buNone/>
             </a:pPr>
-            <a:endParaRPr b="0" lang="en-GB" sz="4400" spc="-1" strike="noStrike">
+            <a:endParaRPr lang="en-GB" sz="4400" b="0" strike="noStrike" spc="-1">
               <a:latin typeface="Arial"/>
             </a:endParaRPr>
           </a:p>
@@ -1031,14 +1162,15 @@
           </a:ln>
         </p:spPr>
         <p:txBody>
-          <a:bodyPr lIns="0" rIns="0" tIns="0" bIns="0" anchor="ctr">
+          <a:bodyPr lIns="0" tIns="0" rIns="0" bIns="0" anchor="ctr">
             <a:noAutofit/>
           </a:bodyPr>
+          <a:lstStyle/>
           <a:p>
             <a:pPr algn="ctr">
               <a:buNone/>
             </a:pPr>
-            <a:endParaRPr b="0" lang="en-GB" sz="3200" spc="-1" strike="noStrike">
+            <a:endParaRPr lang="en-GB" sz="3200" b="0" strike="noStrike" spc="-1">
               <a:latin typeface="Arial"/>
             </a:endParaRPr>
           </a:p>
@@ -1057,6 +1189,7 @@
         <p:spPr/>
         <p:txBody>
           <a:bodyPr/>
+          <a:lstStyle/>
           <a:p>
             <a:r>
               <a:t>Footer</a:t>
@@ -1077,10 +1210,12 @@
         <p:spPr/>
         <p:txBody>
           <a:bodyPr/>
+          <a:lstStyle/>
           <a:p>
             <a:fld id="{B6485999-4422-49CB-A2B4-13747CC1DE38}" type="slidenum">
-              <a:t>&lt;#&gt;</a:t>
+              <a:t>‹#›</a:t>
             </a:fld>
+            <a:endParaRPr/>
           </a:p>
         </p:txBody>
       </p:sp>
@@ -1097,21 +1232,22 @@
         <p:spPr/>
         <p:txBody>
           <a:bodyPr/>
-          <a:p>
-            <a:r>
-              <a:rPr lang="en-GB"/>
-              <a:t/>
-            </a:r>
+          <a:lstStyle/>
+          <a:p>
+            <a:endParaRPr/>
           </a:p>
         </p:txBody>
       </p:sp>
     </p:spTree>
   </p:cSld>
+  <p:clrMapOvr>
+    <a:masterClrMapping/>
+  </p:clrMapOvr>
 </p:sldLayout>
 </file>
 
 <file path=ppt/slideLayouts/slideLayout15.xml><?xml version="1.0" encoding="utf-8"?>
-<p:sldLayout xmlns:a="http://schemas.openxmlformats.org/drawingml/2006/main" xmlns:p="http://schemas.openxmlformats.org/presentationml/2006/main" xmlns:r="http://schemas.openxmlformats.org/officeDocument/2006/relationships" xmlns:p14="http://schemas.microsoft.com/office/powerpoint/2010/main" xmlns:p15="http://schemas.microsoft.com/office/powerpoint/2012/main" xmlns:mc="http://schemas.openxmlformats.org/markup-compatibility/2006" type="obj" preserve="1">
+<p:sldLayout xmlns:a="http://schemas.openxmlformats.org/drawingml/2006/main" xmlns:r="http://schemas.openxmlformats.org/officeDocument/2006/relationships" xmlns:p="http://schemas.openxmlformats.org/presentationml/2006/main" type="obj" preserve="1">
   <p:cSld name="Title, Content">
     <p:spTree>
       <p:nvGrpSpPr>
@@ -1151,14 +1287,15 @@
           </a:ln>
         </p:spPr>
         <p:txBody>
-          <a:bodyPr lIns="0" rIns="0" tIns="0" bIns="0" anchor="ctr">
+          <a:bodyPr lIns="0" tIns="0" rIns="0" bIns="0" anchor="ctr">
             <a:noAutofit/>
           </a:bodyPr>
+          <a:lstStyle/>
           <a:p>
             <a:pPr algn="ctr">
               <a:buNone/>
             </a:pPr>
-            <a:endParaRPr b="0" lang="en-GB" sz="4400" spc="-1" strike="noStrike">
+            <a:endParaRPr lang="en-GB" sz="4400" b="0" strike="noStrike" spc="-1">
               <a:latin typeface="Arial"/>
             </a:endParaRPr>
           </a:p>
@@ -1188,11 +1325,12 @@
           </a:ln>
         </p:spPr>
         <p:txBody>
-          <a:bodyPr lIns="0" rIns="0" tIns="0" bIns="0" anchor="t">
+          <a:bodyPr lIns="0" tIns="0" rIns="0" bIns="0" anchor="t">
             <a:normAutofit/>
           </a:bodyPr>
-          <a:p>
-            <a:endParaRPr b="0" lang="en-GB" sz="3200" spc="-1" strike="noStrike">
+          <a:lstStyle/>
+          <a:p>
+            <a:endParaRPr lang="en-GB" sz="3200" b="0" strike="noStrike" spc="-1">
               <a:latin typeface="Arial"/>
             </a:endParaRPr>
           </a:p>
@@ -1211,6 +1349,7 @@
         <p:spPr/>
         <p:txBody>
           <a:bodyPr/>
+          <a:lstStyle/>
           <a:p>
             <a:r>
               <a:t>Footer</a:t>
@@ -1231,10 +1370,12 @@
         <p:spPr/>
         <p:txBody>
           <a:bodyPr/>
+          <a:lstStyle/>
           <a:p>
             <a:fld id="{0616091E-711A-4900-A906-899A238ADAF5}" type="slidenum">
-              <a:t>&lt;#&gt;</a:t>
+              <a:t>‹#›</a:t>
             </a:fld>
+            <a:endParaRPr/>
           </a:p>
         </p:txBody>
       </p:sp>
@@ -1251,21 +1392,22 @@
         <p:spPr/>
         <p:txBody>
           <a:bodyPr/>
-          <a:p>
-            <a:r>
-              <a:rPr lang="en-GB"/>
-              <a:t/>
-            </a:r>
+          <a:lstStyle/>
+          <a:p>
+            <a:endParaRPr/>
           </a:p>
         </p:txBody>
       </p:sp>
     </p:spTree>
   </p:cSld>
+  <p:clrMapOvr>
+    <a:masterClrMapping/>
+  </p:clrMapOvr>
 </p:sldLayout>
 </file>
 
 <file path=ppt/slideLayouts/slideLayout16.xml><?xml version="1.0" encoding="utf-8"?>
-<p:sldLayout xmlns:a="http://schemas.openxmlformats.org/drawingml/2006/main" xmlns:p="http://schemas.openxmlformats.org/presentationml/2006/main" xmlns:r="http://schemas.openxmlformats.org/officeDocument/2006/relationships" xmlns:p14="http://schemas.microsoft.com/office/powerpoint/2010/main" xmlns:p15="http://schemas.microsoft.com/office/powerpoint/2012/main" xmlns:mc="http://schemas.openxmlformats.org/markup-compatibility/2006" type="twoObj" preserve="1">
+<p:sldLayout xmlns:a="http://schemas.openxmlformats.org/drawingml/2006/main" xmlns:r="http://schemas.openxmlformats.org/officeDocument/2006/relationships" xmlns:p="http://schemas.openxmlformats.org/presentationml/2006/main" type="twoObj" preserve="1">
   <p:cSld name="Title, 2 Content">
     <p:spTree>
       <p:nvGrpSpPr>
@@ -1305,14 +1447,15 @@
           </a:ln>
         </p:spPr>
         <p:txBody>
-          <a:bodyPr lIns="0" rIns="0" tIns="0" bIns="0" anchor="ctr">
+          <a:bodyPr lIns="0" tIns="0" rIns="0" bIns="0" anchor="ctr">
             <a:noAutofit/>
           </a:bodyPr>
+          <a:lstStyle/>
           <a:p>
             <a:pPr algn="ctr">
               <a:buNone/>
             </a:pPr>
-            <a:endParaRPr b="0" lang="en-GB" sz="4400" spc="-1" strike="noStrike">
+            <a:endParaRPr lang="en-GB" sz="4400" b="0" strike="noStrike" spc="-1">
               <a:latin typeface="Arial"/>
             </a:endParaRPr>
           </a:p>
@@ -1342,11 +1485,12 @@
           </a:ln>
         </p:spPr>
         <p:txBody>
-          <a:bodyPr lIns="0" rIns="0" tIns="0" bIns="0" anchor="t">
+          <a:bodyPr lIns="0" tIns="0" rIns="0" bIns="0" anchor="t">
             <a:normAutofit/>
           </a:bodyPr>
-          <a:p>
-            <a:endParaRPr b="0" lang="en-GB" sz="3200" spc="-1" strike="noStrike">
+          <a:lstStyle/>
+          <a:p>
+            <a:endParaRPr lang="en-GB" sz="3200" b="0" strike="noStrike" spc="-1">
               <a:latin typeface="Arial"/>
             </a:endParaRPr>
           </a:p>
@@ -1376,11 +1520,12 @@
           </a:ln>
         </p:spPr>
         <p:txBody>
-          <a:bodyPr lIns="0" rIns="0" tIns="0" bIns="0" anchor="t">
+          <a:bodyPr lIns="0" tIns="0" rIns="0" bIns="0" anchor="t">
             <a:normAutofit/>
           </a:bodyPr>
-          <a:p>
-            <a:endParaRPr b="0" lang="en-GB" sz="3200" spc="-1" strike="noStrike">
+          <a:lstStyle/>
+          <a:p>
+            <a:endParaRPr lang="en-GB" sz="3200" b="0" strike="noStrike" spc="-1">
               <a:latin typeface="Arial"/>
             </a:endParaRPr>
           </a:p>
@@ -1399,6 +1544,7 @@
         <p:spPr/>
         <p:txBody>
           <a:bodyPr/>
+          <a:lstStyle/>
           <a:p>
             <a:r>
               <a:t>Footer</a:t>
@@ -1419,10 +1565,12 @@
         <p:spPr/>
         <p:txBody>
           <a:bodyPr/>
+          <a:lstStyle/>
           <a:p>
             <a:fld id="{F9E3214F-3649-44AC-830C-94E73AD94828}" type="slidenum">
-              <a:t>&lt;#&gt;</a:t>
+              <a:t>‹#›</a:t>
             </a:fld>
+            <a:endParaRPr/>
           </a:p>
         </p:txBody>
       </p:sp>
@@ -1439,21 +1587,22 @@
         <p:spPr/>
         <p:txBody>
           <a:bodyPr/>
-          <a:p>
-            <a:r>
-              <a:rPr lang="en-GB"/>
-              <a:t/>
-            </a:r>
+          <a:lstStyle/>
+          <a:p>
+            <a:endParaRPr/>
           </a:p>
         </p:txBody>
       </p:sp>
     </p:spTree>
   </p:cSld>
+  <p:clrMapOvr>
+    <a:masterClrMapping/>
+  </p:clrMapOvr>
 </p:sldLayout>
 </file>
 
 <file path=ppt/slideLayouts/slideLayout17.xml><?xml version="1.0" encoding="utf-8"?>
-<p:sldLayout xmlns:a="http://schemas.openxmlformats.org/drawingml/2006/main" xmlns:p="http://schemas.openxmlformats.org/presentationml/2006/main" xmlns:r="http://schemas.openxmlformats.org/officeDocument/2006/relationships" xmlns:p14="http://schemas.microsoft.com/office/powerpoint/2010/main" xmlns:p15="http://schemas.microsoft.com/office/powerpoint/2012/main" xmlns:mc="http://schemas.openxmlformats.org/markup-compatibility/2006" type="titleOnly" preserve="1">
+<p:sldLayout xmlns:a="http://schemas.openxmlformats.org/drawingml/2006/main" xmlns:r="http://schemas.openxmlformats.org/officeDocument/2006/relationships" xmlns:p="http://schemas.openxmlformats.org/presentationml/2006/main" type="titleOnly" preserve="1">
   <p:cSld name="Title Only">
     <p:spTree>
       <p:nvGrpSpPr>
@@ -1493,14 +1642,15 @@
           </a:ln>
         </p:spPr>
         <p:txBody>
-          <a:bodyPr lIns="0" rIns="0" tIns="0" bIns="0" anchor="ctr">
+          <a:bodyPr lIns="0" tIns="0" rIns="0" bIns="0" anchor="ctr">
             <a:noAutofit/>
           </a:bodyPr>
+          <a:lstStyle/>
           <a:p>
             <a:pPr algn="ctr">
               <a:buNone/>
             </a:pPr>
-            <a:endParaRPr b="0" lang="en-GB" sz="4400" spc="-1" strike="noStrike">
+            <a:endParaRPr lang="en-GB" sz="4400" b="0" strike="noStrike" spc="-1">
               <a:latin typeface="Arial"/>
             </a:endParaRPr>
           </a:p>
@@ -1519,6 +1669,7 @@
         <p:spPr/>
         <p:txBody>
           <a:bodyPr/>
+          <a:lstStyle/>
           <a:p>
             <a:r>
               <a:t>Footer</a:t>
@@ -1539,10 +1690,12 @@
         <p:spPr/>
         <p:txBody>
           <a:bodyPr/>
+          <a:lstStyle/>
           <a:p>
             <a:fld id="{05E801B1-0807-473A-B91E-C210BD1DB05B}" type="slidenum">
-              <a:t>&lt;#&gt;</a:t>
+              <a:t>‹#›</a:t>
             </a:fld>
+            <a:endParaRPr/>
           </a:p>
         </p:txBody>
       </p:sp>
@@ -1559,21 +1712,22 @@
         <p:spPr/>
         <p:txBody>
           <a:bodyPr/>
-          <a:p>
-            <a:r>
-              <a:rPr lang="en-GB"/>
-              <a:t/>
-            </a:r>
+          <a:lstStyle/>
+          <a:p>
+            <a:endParaRPr/>
           </a:p>
         </p:txBody>
       </p:sp>
     </p:spTree>
   </p:cSld>
+  <p:clrMapOvr>
+    <a:masterClrMapping/>
+  </p:clrMapOvr>
 </p:sldLayout>
 </file>
 
 <file path=ppt/slideLayouts/slideLayout18.xml><?xml version="1.0" encoding="utf-8"?>
-<p:sldLayout xmlns:a="http://schemas.openxmlformats.org/drawingml/2006/main" xmlns:p="http://schemas.openxmlformats.org/presentationml/2006/main" xmlns:r="http://schemas.openxmlformats.org/officeDocument/2006/relationships" xmlns:p14="http://schemas.microsoft.com/office/powerpoint/2010/main" xmlns:p15="http://schemas.microsoft.com/office/powerpoint/2012/main" xmlns:mc="http://schemas.openxmlformats.org/markup-compatibility/2006" type="objOnly" preserve="1">
+<p:sldLayout xmlns:a="http://schemas.openxmlformats.org/drawingml/2006/main" xmlns:r="http://schemas.openxmlformats.org/officeDocument/2006/relationships" xmlns:p="http://schemas.openxmlformats.org/presentationml/2006/main" type="objOnly" preserve="1">
   <p:cSld name="Centered Text">
     <p:spTree>
       <p:nvGrpSpPr>
@@ -1613,14 +1767,15 @@
           </a:ln>
         </p:spPr>
         <p:txBody>
-          <a:bodyPr lIns="0" rIns="0" tIns="0" bIns="0" anchor="ctr">
+          <a:bodyPr lIns="0" tIns="0" rIns="0" bIns="0" anchor="ctr">
             <a:noAutofit/>
           </a:bodyPr>
+          <a:lstStyle/>
           <a:p>
             <a:pPr algn="ctr">
               <a:buNone/>
             </a:pPr>
-            <a:endParaRPr b="0" lang="en-GB" sz="3200" spc="-1" strike="noStrike">
+            <a:endParaRPr lang="en-GB" sz="3200" b="0" strike="noStrike" spc="-1">
               <a:latin typeface="Arial"/>
             </a:endParaRPr>
           </a:p>
@@ -1639,6 +1794,7 @@
         <p:spPr/>
         <p:txBody>
           <a:bodyPr/>
+          <a:lstStyle/>
           <a:p>
             <a:r>
               <a:t>Footer</a:t>
@@ -1659,10 +1815,12 @@
         <p:spPr/>
         <p:txBody>
           <a:bodyPr/>
+          <a:lstStyle/>
           <a:p>
             <a:fld id="{5649BEC2-C1A7-419D-A371-46DCEC5B82DB}" type="slidenum">
-              <a:t>&lt;#&gt;</a:t>
+              <a:t>‹#›</a:t>
             </a:fld>
+            <a:endParaRPr/>
           </a:p>
         </p:txBody>
       </p:sp>
@@ -1679,21 +1837,22 @@
         <p:spPr/>
         <p:txBody>
           <a:bodyPr/>
-          <a:p>
-            <a:r>
-              <a:rPr lang="en-GB"/>
-              <a:t/>
-            </a:r>
+          <a:lstStyle/>
+          <a:p>
+            <a:endParaRPr/>
           </a:p>
         </p:txBody>
       </p:sp>
     </p:spTree>
   </p:cSld>
+  <p:clrMapOvr>
+    <a:masterClrMapping/>
+  </p:clrMapOvr>
 </p:sldLayout>
 </file>
 
 <file path=ppt/slideLayouts/slideLayout19.xml><?xml version="1.0" encoding="utf-8"?>
-<p:sldLayout xmlns:a="http://schemas.openxmlformats.org/drawingml/2006/main" xmlns:p="http://schemas.openxmlformats.org/presentationml/2006/main" xmlns:r="http://schemas.openxmlformats.org/officeDocument/2006/relationships" xmlns:p14="http://schemas.microsoft.com/office/powerpoint/2010/main" xmlns:p15="http://schemas.microsoft.com/office/powerpoint/2012/main" xmlns:mc="http://schemas.openxmlformats.org/markup-compatibility/2006" type="twoObjAndObj" preserve="1">
+<p:sldLayout xmlns:a="http://schemas.openxmlformats.org/drawingml/2006/main" xmlns:r="http://schemas.openxmlformats.org/officeDocument/2006/relationships" xmlns:p="http://schemas.openxmlformats.org/presentationml/2006/main" type="twoObjAndObj" preserve="1">
   <p:cSld name="Title, 2 Content and Content">
     <p:spTree>
       <p:nvGrpSpPr>
@@ -1733,14 +1892,15 @@
           </a:ln>
         </p:spPr>
         <p:txBody>
-          <a:bodyPr lIns="0" rIns="0" tIns="0" bIns="0" anchor="ctr">
+          <a:bodyPr lIns="0" tIns="0" rIns="0" bIns="0" anchor="ctr">
             <a:noAutofit/>
           </a:bodyPr>
+          <a:lstStyle/>
           <a:p>
             <a:pPr algn="ctr">
               <a:buNone/>
             </a:pPr>
-            <a:endParaRPr b="0" lang="en-GB" sz="4400" spc="-1" strike="noStrike">
+            <a:endParaRPr lang="en-GB" sz="4400" b="0" strike="noStrike" spc="-1">
               <a:latin typeface="Arial"/>
             </a:endParaRPr>
           </a:p>
@@ -1770,11 +1930,12 @@
           </a:ln>
         </p:spPr>
         <p:txBody>
-          <a:bodyPr lIns="0" rIns="0" tIns="0" bIns="0" anchor="t">
+          <a:bodyPr lIns="0" tIns="0" rIns="0" bIns="0" anchor="t">
             <a:normAutofit/>
           </a:bodyPr>
-          <a:p>
-            <a:endParaRPr b="0" lang="en-GB" sz="3200" spc="-1" strike="noStrike">
+          <a:lstStyle/>
+          <a:p>
+            <a:endParaRPr lang="en-GB" sz="3200" b="0" strike="noStrike" spc="-1">
               <a:latin typeface="Arial"/>
             </a:endParaRPr>
           </a:p>
@@ -1804,11 +1965,12 @@
           </a:ln>
         </p:spPr>
         <p:txBody>
-          <a:bodyPr lIns="0" rIns="0" tIns="0" bIns="0" anchor="t">
+          <a:bodyPr lIns="0" tIns="0" rIns="0" bIns="0" anchor="t">
             <a:normAutofit/>
           </a:bodyPr>
-          <a:p>
-            <a:endParaRPr b="0" lang="en-GB" sz="3200" spc="-1" strike="noStrike">
+          <a:lstStyle/>
+          <a:p>
+            <a:endParaRPr lang="en-GB" sz="3200" b="0" strike="noStrike" spc="-1">
               <a:latin typeface="Arial"/>
             </a:endParaRPr>
           </a:p>
@@ -1838,11 +2000,12 @@
           </a:ln>
         </p:spPr>
         <p:txBody>
-          <a:bodyPr lIns="0" rIns="0" tIns="0" bIns="0" anchor="t">
+          <a:bodyPr lIns="0" tIns="0" rIns="0" bIns="0" anchor="t">
             <a:normAutofit/>
           </a:bodyPr>
-          <a:p>
-            <a:endParaRPr b="0" lang="en-GB" sz="3200" spc="-1" strike="noStrike">
+          <a:lstStyle/>
+          <a:p>
+            <a:endParaRPr lang="en-GB" sz="3200" b="0" strike="noStrike" spc="-1">
               <a:latin typeface="Arial"/>
             </a:endParaRPr>
           </a:p>
@@ -1861,6 +2024,7 @@
         <p:spPr/>
         <p:txBody>
           <a:bodyPr/>
+          <a:lstStyle/>
           <a:p>
             <a:r>
               <a:t>Footer</a:t>
@@ -1881,10 +2045,12 @@
         <p:spPr/>
         <p:txBody>
           <a:bodyPr/>
+          <a:lstStyle/>
           <a:p>
             <a:fld id="{E1C7A12C-FE44-484A-A030-D7DE1AA2606A}" type="slidenum">
-              <a:t>&lt;#&gt;</a:t>
+              <a:t>‹#›</a:t>
             </a:fld>
+            <a:endParaRPr/>
           </a:p>
         </p:txBody>
       </p:sp>
@@ -1901,21 +2067,22 @@
         <p:spPr/>
         <p:txBody>
           <a:bodyPr/>
-          <a:p>
-            <a:r>
-              <a:rPr lang="en-GB"/>
-              <a:t/>
-            </a:r>
+          <a:lstStyle/>
+          <a:p>
+            <a:endParaRPr/>
           </a:p>
         </p:txBody>
       </p:sp>
     </p:spTree>
   </p:cSld>
+  <p:clrMapOvr>
+    <a:masterClrMapping/>
+  </p:clrMapOvr>
 </p:sldLayout>
 </file>
 
 <file path=ppt/slideLayouts/slideLayout2.xml><?xml version="1.0" encoding="utf-8"?>
-<p:sldLayout xmlns:a="http://schemas.openxmlformats.org/drawingml/2006/main" xmlns:p="http://schemas.openxmlformats.org/presentationml/2006/main" xmlns:r="http://schemas.openxmlformats.org/officeDocument/2006/relationships" xmlns:p14="http://schemas.microsoft.com/office/powerpoint/2010/main" xmlns:p15="http://schemas.microsoft.com/office/powerpoint/2012/main" xmlns:mc="http://schemas.openxmlformats.org/markup-compatibility/2006" type="tx" preserve="1">
+<p:sldLayout xmlns:a="http://schemas.openxmlformats.org/drawingml/2006/main" xmlns:r="http://schemas.openxmlformats.org/officeDocument/2006/relationships" xmlns:p="http://schemas.openxmlformats.org/presentationml/2006/main" type="tx" preserve="1">
   <p:cSld name="Title Slide">
     <p:spTree>
       <p:nvGrpSpPr>
@@ -1955,14 +2122,15 @@
           </a:ln>
         </p:spPr>
         <p:txBody>
-          <a:bodyPr lIns="0" rIns="0" tIns="0" bIns="0" anchor="ctr">
+          <a:bodyPr lIns="0" tIns="0" rIns="0" bIns="0" anchor="ctr">
             <a:noAutofit/>
           </a:bodyPr>
+          <a:lstStyle/>
           <a:p>
             <a:pPr algn="ctr">
               <a:buNone/>
             </a:pPr>
-            <a:endParaRPr b="0" lang="en-GB" sz="4400" spc="-1" strike="noStrike">
+            <a:endParaRPr lang="en-GB" sz="4400" b="0" strike="noStrike" spc="-1">
               <a:latin typeface="Arial"/>
             </a:endParaRPr>
           </a:p>
@@ -1992,14 +2160,15 @@
           </a:ln>
         </p:spPr>
         <p:txBody>
-          <a:bodyPr lIns="0" rIns="0" tIns="0" bIns="0" anchor="ctr">
+          <a:bodyPr lIns="0" tIns="0" rIns="0" bIns="0" anchor="ctr">
             <a:noAutofit/>
           </a:bodyPr>
+          <a:lstStyle/>
           <a:p>
             <a:pPr algn="ctr">
               <a:buNone/>
             </a:pPr>
-            <a:endParaRPr b="0" lang="en-GB" sz="3200" spc="-1" strike="noStrike">
+            <a:endParaRPr lang="en-GB" sz="3200" b="0" strike="noStrike" spc="-1">
               <a:latin typeface="Arial"/>
             </a:endParaRPr>
           </a:p>
@@ -2018,6 +2187,7 @@
         <p:spPr/>
         <p:txBody>
           <a:bodyPr/>
+          <a:lstStyle/>
           <a:p>
             <a:r>
               <a:t>Footer</a:t>
@@ -2038,10 +2208,12 @@
         <p:spPr/>
         <p:txBody>
           <a:bodyPr/>
+          <a:lstStyle/>
           <a:p>
             <a:fld id="{C030AD8A-24FF-4EDF-BE46-674BAAA8189A}" type="slidenum">
-              <a:t>&lt;#&gt;</a:t>
+              <a:t>‹#›</a:t>
             </a:fld>
+            <a:endParaRPr/>
           </a:p>
         </p:txBody>
       </p:sp>
@@ -2058,21 +2230,22 @@
         <p:spPr/>
         <p:txBody>
           <a:bodyPr/>
-          <a:p>
-            <a:r>
-              <a:rPr lang="en-GB"/>
-              <a:t/>
-            </a:r>
+          <a:lstStyle/>
+          <a:p>
+            <a:endParaRPr/>
           </a:p>
         </p:txBody>
       </p:sp>
     </p:spTree>
   </p:cSld>
+  <p:clrMapOvr>
+    <a:masterClrMapping/>
+  </p:clrMapOvr>
 </p:sldLayout>
 </file>
 
 <file path=ppt/slideLayouts/slideLayout20.xml><?xml version="1.0" encoding="utf-8"?>
-<p:sldLayout xmlns:a="http://schemas.openxmlformats.org/drawingml/2006/main" xmlns:p="http://schemas.openxmlformats.org/presentationml/2006/main" xmlns:r="http://schemas.openxmlformats.org/officeDocument/2006/relationships" xmlns:p14="http://schemas.microsoft.com/office/powerpoint/2010/main" xmlns:p15="http://schemas.microsoft.com/office/powerpoint/2012/main" xmlns:mc="http://schemas.openxmlformats.org/markup-compatibility/2006" type="objAndTwoObj" preserve="1">
+<p:sldLayout xmlns:a="http://schemas.openxmlformats.org/drawingml/2006/main" xmlns:r="http://schemas.openxmlformats.org/officeDocument/2006/relationships" xmlns:p="http://schemas.openxmlformats.org/presentationml/2006/main" type="objAndTwoObj" preserve="1">
   <p:cSld name="Title Content and 2 Content">
     <p:spTree>
       <p:nvGrpSpPr>
@@ -2112,14 +2285,15 @@
           </a:ln>
         </p:spPr>
         <p:txBody>
-          <a:bodyPr lIns="0" rIns="0" tIns="0" bIns="0" anchor="ctr">
+          <a:bodyPr lIns="0" tIns="0" rIns="0" bIns="0" anchor="ctr">
             <a:noAutofit/>
           </a:bodyPr>
+          <a:lstStyle/>
           <a:p>
             <a:pPr algn="ctr">
               <a:buNone/>
             </a:pPr>
-            <a:endParaRPr b="0" lang="en-GB" sz="4400" spc="-1" strike="noStrike">
+            <a:endParaRPr lang="en-GB" sz="4400" b="0" strike="noStrike" spc="-1">
               <a:latin typeface="Arial"/>
             </a:endParaRPr>
           </a:p>
@@ -2149,11 +2323,12 @@
           </a:ln>
         </p:spPr>
         <p:txBody>
-          <a:bodyPr lIns="0" rIns="0" tIns="0" bIns="0" anchor="t">
+          <a:bodyPr lIns="0" tIns="0" rIns="0" bIns="0" anchor="t">
             <a:normAutofit/>
           </a:bodyPr>
-          <a:p>
-            <a:endParaRPr b="0" lang="en-GB" sz="3200" spc="-1" strike="noStrike">
+          <a:lstStyle/>
+          <a:p>
+            <a:endParaRPr lang="en-GB" sz="3200" b="0" strike="noStrike" spc="-1">
               <a:latin typeface="Arial"/>
             </a:endParaRPr>
           </a:p>
@@ -2183,11 +2358,12 @@
           </a:ln>
         </p:spPr>
         <p:txBody>
-          <a:bodyPr lIns="0" rIns="0" tIns="0" bIns="0" anchor="t">
+          <a:bodyPr lIns="0" tIns="0" rIns="0" bIns="0" anchor="t">
             <a:normAutofit/>
           </a:bodyPr>
-          <a:p>
-            <a:endParaRPr b="0" lang="en-GB" sz="3200" spc="-1" strike="noStrike">
+          <a:lstStyle/>
+          <a:p>
+            <a:endParaRPr lang="en-GB" sz="3200" b="0" strike="noStrike" spc="-1">
               <a:latin typeface="Arial"/>
             </a:endParaRPr>
           </a:p>
@@ -2217,11 +2393,12 @@
           </a:ln>
         </p:spPr>
         <p:txBody>
-          <a:bodyPr lIns="0" rIns="0" tIns="0" bIns="0" anchor="t">
+          <a:bodyPr lIns="0" tIns="0" rIns="0" bIns="0" anchor="t">
             <a:normAutofit/>
           </a:bodyPr>
-          <a:p>
-            <a:endParaRPr b="0" lang="en-GB" sz="3200" spc="-1" strike="noStrike">
+          <a:lstStyle/>
+          <a:p>
+            <a:endParaRPr lang="en-GB" sz="3200" b="0" strike="noStrike" spc="-1">
               <a:latin typeface="Arial"/>
             </a:endParaRPr>
           </a:p>
@@ -2240,6 +2417,7 @@
         <p:spPr/>
         <p:txBody>
           <a:bodyPr/>
+          <a:lstStyle/>
           <a:p>
             <a:r>
               <a:t>Footer</a:t>
@@ -2260,10 +2438,12 @@
         <p:spPr/>
         <p:txBody>
           <a:bodyPr/>
+          <a:lstStyle/>
           <a:p>
             <a:fld id="{CB750F4F-0A52-44A8-BA8D-0DCF244B88C1}" type="slidenum">
-              <a:t>&lt;#&gt;</a:t>
+              <a:t>‹#›</a:t>
             </a:fld>
+            <a:endParaRPr/>
           </a:p>
         </p:txBody>
       </p:sp>
@@ -2280,21 +2460,22 @@
         <p:spPr/>
         <p:txBody>
           <a:bodyPr/>
-          <a:p>
-            <a:r>
-              <a:rPr lang="en-GB"/>
-              <a:t/>
-            </a:r>
+          <a:lstStyle/>
+          <a:p>
+            <a:endParaRPr/>
           </a:p>
         </p:txBody>
       </p:sp>
     </p:spTree>
   </p:cSld>
+  <p:clrMapOvr>
+    <a:masterClrMapping/>
+  </p:clrMapOvr>
 </p:sldLayout>
 </file>
 
 <file path=ppt/slideLayouts/slideLayout21.xml><?xml version="1.0" encoding="utf-8"?>
-<p:sldLayout xmlns:a="http://schemas.openxmlformats.org/drawingml/2006/main" xmlns:p="http://schemas.openxmlformats.org/presentationml/2006/main" xmlns:r="http://schemas.openxmlformats.org/officeDocument/2006/relationships" xmlns:p14="http://schemas.microsoft.com/office/powerpoint/2010/main" xmlns:p15="http://schemas.microsoft.com/office/powerpoint/2012/main" xmlns:mc="http://schemas.openxmlformats.org/markup-compatibility/2006" type="twoObjOverTx" preserve="1">
+<p:sldLayout xmlns:a="http://schemas.openxmlformats.org/drawingml/2006/main" xmlns:r="http://schemas.openxmlformats.org/officeDocument/2006/relationships" xmlns:p="http://schemas.openxmlformats.org/presentationml/2006/main" type="twoObjOverTx" preserve="1">
   <p:cSld name="Title, 2 Content over Content">
     <p:spTree>
       <p:nvGrpSpPr>
@@ -2334,14 +2515,15 @@
           </a:ln>
         </p:spPr>
         <p:txBody>
-          <a:bodyPr lIns="0" rIns="0" tIns="0" bIns="0" anchor="ctr">
+          <a:bodyPr lIns="0" tIns="0" rIns="0" bIns="0" anchor="ctr">
             <a:noAutofit/>
           </a:bodyPr>
+          <a:lstStyle/>
           <a:p>
             <a:pPr algn="ctr">
               <a:buNone/>
             </a:pPr>
-            <a:endParaRPr b="0" lang="en-GB" sz="4400" spc="-1" strike="noStrike">
+            <a:endParaRPr lang="en-GB" sz="4400" b="0" strike="noStrike" spc="-1">
               <a:latin typeface="Arial"/>
             </a:endParaRPr>
           </a:p>
@@ -2371,11 +2553,12 @@
           </a:ln>
         </p:spPr>
         <p:txBody>
-          <a:bodyPr lIns="0" rIns="0" tIns="0" bIns="0" anchor="t">
+          <a:bodyPr lIns="0" tIns="0" rIns="0" bIns="0" anchor="t">
             <a:normAutofit/>
           </a:bodyPr>
-          <a:p>
-            <a:endParaRPr b="0" lang="en-GB" sz="3200" spc="-1" strike="noStrike">
+          <a:lstStyle/>
+          <a:p>
+            <a:endParaRPr lang="en-GB" sz="3200" b="0" strike="noStrike" spc="-1">
               <a:latin typeface="Arial"/>
             </a:endParaRPr>
           </a:p>
@@ -2405,11 +2588,12 @@
           </a:ln>
         </p:spPr>
         <p:txBody>
-          <a:bodyPr lIns="0" rIns="0" tIns="0" bIns="0" anchor="t">
+          <a:bodyPr lIns="0" tIns="0" rIns="0" bIns="0" anchor="t">
             <a:normAutofit/>
           </a:bodyPr>
-          <a:p>
-            <a:endParaRPr b="0" lang="en-GB" sz="3200" spc="-1" strike="noStrike">
+          <a:lstStyle/>
+          <a:p>
+            <a:endParaRPr lang="en-GB" sz="3200" b="0" strike="noStrike" spc="-1">
               <a:latin typeface="Arial"/>
             </a:endParaRPr>
           </a:p>
@@ -2439,11 +2623,12 @@
           </a:ln>
         </p:spPr>
         <p:txBody>
-          <a:bodyPr lIns="0" rIns="0" tIns="0" bIns="0" anchor="t">
+          <a:bodyPr lIns="0" tIns="0" rIns="0" bIns="0" anchor="t">
             <a:normAutofit/>
           </a:bodyPr>
-          <a:p>
-            <a:endParaRPr b="0" lang="en-GB" sz="3200" spc="-1" strike="noStrike">
+          <a:lstStyle/>
+          <a:p>
+            <a:endParaRPr lang="en-GB" sz="3200" b="0" strike="noStrike" spc="-1">
               <a:latin typeface="Arial"/>
             </a:endParaRPr>
           </a:p>
@@ -2462,6 +2647,7 @@
         <p:spPr/>
         <p:txBody>
           <a:bodyPr/>
+          <a:lstStyle/>
           <a:p>
             <a:r>
               <a:t>Footer</a:t>
@@ -2482,10 +2668,12 @@
         <p:spPr/>
         <p:txBody>
           <a:bodyPr/>
+          <a:lstStyle/>
           <a:p>
             <a:fld id="{B5C2EAB3-4E1A-4A62-8120-BB6D0354245F}" type="slidenum">
-              <a:t>&lt;#&gt;</a:t>
+              <a:t>‹#›</a:t>
             </a:fld>
+            <a:endParaRPr/>
           </a:p>
         </p:txBody>
       </p:sp>
@@ -2502,21 +2690,22 @@
         <p:spPr/>
         <p:txBody>
           <a:bodyPr/>
-          <a:p>
-            <a:r>
-              <a:rPr lang="en-GB"/>
-              <a:t/>
-            </a:r>
+          <a:lstStyle/>
+          <a:p>
+            <a:endParaRPr/>
           </a:p>
         </p:txBody>
       </p:sp>
     </p:spTree>
   </p:cSld>
+  <p:clrMapOvr>
+    <a:masterClrMapping/>
+  </p:clrMapOvr>
 </p:sldLayout>
 </file>
 
 <file path=ppt/slideLayouts/slideLayout22.xml><?xml version="1.0" encoding="utf-8"?>
-<p:sldLayout xmlns:a="http://schemas.openxmlformats.org/drawingml/2006/main" xmlns:p="http://schemas.openxmlformats.org/presentationml/2006/main" xmlns:r="http://schemas.openxmlformats.org/officeDocument/2006/relationships" xmlns:p14="http://schemas.microsoft.com/office/powerpoint/2010/main" xmlns:p15="http://schemas.microsoft.com/office/powerpoint/2012/main" xmlns:mc="http://schemas.openxmlformats.org/markup-compatibility/2006" type="objOverTx" preserve="1">
+<p:sldLayout xmlns:a="http://schemas.openxmlformats.org/drawingml/2006/main" xmlns:r="http://schemas.openxmlformats.org/officeDocument/2006/relationships" xmlns:p="http://schemas.openxmlformats.org/presentationml/2006/main" type="objOverTx" preserve="1">
   <p:cSld name="Title, Content over Content">
     <p:spTree>
       <p:nvGrpSpPr>
@@ -2556,14 +2745,15 @@
           </a:ln>
         </p:spPr>
         <p:txBody>
-          <a:bodyPr lIns="0" rIns="0" tIns="0" bIns="0" anchor="ctr">
+          <a:bodyPr lIns="0" tIns="0" rIns="0" bIns="0" anchor="ctr">
             <a:noAutofit/>
           </a:bodyPr>
+          <a:lstStyle/>
           <a:p>
             <a:pPr algn="ctr">
               <a:buNone/>
             </a:pPr>
-            <a:endParaRPr b="0" lang="en-GB" sz="4400" spc="-1" strike="noStrike">
+            <a:endParaRPr lang="en-GB" sz="4400" b="0" strike="noStrike" spc="-1">
               <a:latin typeface="Arial"/>
             </a:endParaRPr>
           </a:p>
@@ -2593,11 +2783,12 @@
           </a:ln>
         </p:spPr>
         <p:txBody>
-          <a:bodyPr lIns="0" rIns="0" tIns="0" bIns="0" anchor="t">
+          <a:bodyPr lIns="0" tIns="0" rIns="0" bIns="0" anchor="t">
             <a:normAutofit/>
           </a:bodyPr>
-          <a:p>
-            <a:endParaRPr b="0" lang="en-GB" sz="3200" spc="-1" strike="noStrike">
+          <a:lstStyle/>
+          <a:p>
+            <a:endParaRPr lang="en-GB" sz="3200" b="0" strike="noStrike" spc="-1">
               <a:latin typeface="Arial"/>
             </a:endParaRPr>
           </a:p>
@@ -2627,11 +2818,12 @@
           </a:ln>
         </p:spPr>
         <p:txBody>
-          <a:bodyPr lIns="0" rIns="0" tIns="0" bIns="0" anchor="t">
+          <a:bodyPr lIns="0" tIns="0" rIns="0" bIns="0" anchor="t">
             <a:normAutofit/>
           </a:bodyPr>
-          <a:p>
-            <a:endParaRPr b="0" lang="en-GB" sz="3200" spc="-1" strike="noStrike">
+          <a:lstStyle/>
+          <a:p>
+            <a:endParaRPr lang="en-GB" sz="3200" b="0" strike="noStrike" spc="-1">
               <a:latin typeface="Arial"/>
             </a:endParaRPr>
           </a:p>
@@ -2650,6 +2842,7 @@
         <p:spPr/>
         <p:txBody>
           <a:bodyPr/>
+          <a:lstStyle/>
           <a:p>
             <a:r>
               <a:t>Footer</a:t>
@@ -2670,10 +2863,12 @@
         <p:spPr/>
         <p:txBody>
           <a:bodyPr/>
+          <a:lstStyle/>
           <a:p>
             <a:fld id="{9E12EB4C-F583-41FE-9AB9-AC541C1C8D09}" type="slidenum">
-              <a:t>&lt;#&gt;</a:t>
+              <a:t>‹#›</a:t>
             </a:fld>
+            <a:endParaRPr/>
           </a:p>
         </p:txBody>
       </p:sp>
@@ -2690,21 +2885,22 @@
         <p:spPr/>
         <p:txBody>
           <a:bodyPr/>
-          <a:p>
-            <a:r>
-              <a:rPr lang="en-GB"/>
-              <a:t/>
-            </a:r>
+          <a:lstStyle/>
+          <a:p>
+            <a:endParaRPr/>
           </a:p>
         </p:txBody>
       </p:sp>
     </p:spTree>
   </p:cSld>
+  <p:clrMapOvr>
+    <a:masterClrMapping/>
+  </p:clrMapOvr>
 </p:sldLayout>
 </file>
 
 <file path=ppt/slideLayouts/slideLayout23.xml><?xml version="1.0" encoding="utf-8"?>
-<p:sldLayout xmlns:a="http://schemas.openxmlformats.org/drawingml/2006/main" xmlns:p="http://schemas.openxmlformats.org/presentationml/2006/main" xmlns:r="http://schemas.openxmlformats.org/officeDocument/2006/relationships" xmlns:p14="http://schemas.microsoft.com/office/powerpoint/2010/main" xmlns:p15="http://schemas.microsoft.com/office/powerpoint/2012/main" xmlns:mc="http://schemas.openxmlformats.org/markup-compatibility/2006" type="fourObj" preserve="1">
+<p:sldLayout xmlns:a="http://schemas.openxmlformats.org/drawingml/2006/main" xmlns:r="http://schemas.openxmlformats.org/officeDocument/2006/relationships" xmlns:p="http://schemas.openxmlformats.org/presentationml/2006/main" type="fourObj" preserve="1">
   <p:cSld name="Title, 4 Content">
     <p:spTree>
       <p:nvGrpSpPr>
@@ -2744,14 +2940,15 @@
           </a:ln>
         </p:spPr>
         <p:txBody>
-          <a:bodyPr lIns="0" rIns="0" tIns="0" bIns="0" anchor="ctr">
+          <a:bodyPr lIns="0" tIns="0" rIns="0" bIns="0" anchor="ctr">
             <a:noAutofit/>
           </a:bodyPr>
+          <a:lstStyle/>
           <a:p>
             <a:pPr algn="ctr">
               <a:buNone/>
             </a:pPr>
-            <a:endParaRPr b="0" lang="en-GB" sz="4400" spc="-1" strike="noStrike">
+            <a:endParaRPr lang="en-GB" sz="4400" b="0" strike="noStrike" spc="-1">
               <a:latin typeface="Arial"/>
             </a:endParaRPr>
           </a:p>
@@ -2781,11 +2978,12 @@
           </a:ln>
         </p:spPr>
         <p:txBody>
-          <a:bodyPr lIns="0" rIns="0" tIns="0" bIns="0" anchor="t">
+          <a:bodyPr lIns="0" tIns="0" rIns="0" bIns="0" anchor="t">
             <a:normAutofit/>
           </a:bodyPr>
-          <a:p>
-            <a:endParaRPr b="0" lang="en-GB" sz="3200" spc="-1" strike="noStrike">
+          <a:lstStyle/>
+          <a:p>
+            <a:endParaRPr lang="en-GB" sz="3200" b="0" strike="noStrike" spc="-1">
               <a:latin typeface="Arial"/>
             </a:endParaRPr>
           </a:p>
@@ -2815,11 +3013,12 @@
           </a:ln>
         </p:spPr>
         <p:txBody>
-          <a:bodyPr lIns="0" rIns="0" tIns="0" bIns="0" anchor="t">
+          <a:bodyPr lIns="0" tIns="0" rIns="0" bIns="0" anchor="t">
             <a:normAutofit/>
           </a:bodyPr>
-          <a:p>
-            <a:endParaRPr b="0" lang="en-GB" sz="3200" spc="-1" strike="noStrike">
+          <a:lstStyle/>
+          <a:p>
+            <a:endParaRPr lang="en-GB" sz="3200" b="0" strike="noStrike" spc="-1">
               <a:latin typeface="Arial"/>
             </a:endParaRPr>
           </a:p>
@@ -2849,11 +3048,12 @@
           </a:ln>
         </p:spPr>
         <p:txBody>
-          <a:bodyPr lIns="0" rIns="0" tIns="0" bIns="0" anchor="t">
+          <a:bodyPr lIns="0" tIns="0" rIns="0" bIns="0" anchor="t">
             <a:normAutofit/>
           </a:bodyPr>
-          <a:p>
-            <a:endParaRPr b="0" lang="en-GB" sz="3200" spc="-1" strike="noStrike">
+          <a:lstStyle/>
+          <a:p>
+            <a:endParaRPr lang="en-GB" sz="3200" b="0" strike="noStrike" spc="-1">
               <a:latin typeface="Arial"/>
             </a:endParaRPr>
           </a:p>
@@ -2883,11 +3083,12 @@
           </a:ln>
         </p:spPr>
         <p:txBody>
-          <a:bodyPr lIns="0" rIns="0" tIns="0" bIns="0" anchor="t">
+          <a:bodyPr lIns="0" tIns="0" rIns="0" bIns="0" anchor="t">
             <a:normAutofit/>
           </a:bodyPr>
-          <a:p>
-            <a:endParaRPr b="0" lang="en-GB" sz="3200" spc="-1" strike="noStrike">
+          <a:lstStyle/>
+          <a:p>
+            <a:endParaRPr lang="en-GB" sz="3200" b="0" strike="noStrike" spc="-1">
               <a:latin typeface="Arial"/>
             </a:endParaRPr>
           </a:p>
@@ -2906,6 +3107,7 @@
         <p:spPr/>
         <p:txBody>
           <a:bodyPr/>
+          <a:lstStyle/>
           <a:p>
             <a:r>
               <a:t>Footer</a:t>
@@ -2926,10 +3128,12 @@
         <p:spPr/>
         <p:txBody>
           <a:bodyPr/>
+          <a:lstStyle/>
           <a:p>
             <a:fld id="{294A92AF-AD78-42E2-BAC9-63E7B27B7E31}" type="slidenum">
-              <a:t>&lt;#&gt;</a:t>
+              <a:t>‹#›</a:t>
             </a:fld>
+            <a:endParaRPr/>
           </a:p>
         </p:txBody>
       </p:sp>
@@ -2946,21 +3150,22 @@
         <p:spPr/>
         <p:txBody>
           <a:bodyPr/>
-          <a:p>
-            <a:r>
-              <a:rPr lang="en-GB"/>
-              <a:t/>
-            </a:r>
+          <a:lstStyle/>
+          <a:p>
+            <a:endParaRPr/>
           </a:p>
         </p:txBody>
       </p:sp>
     </p:spTree>
   </p:cSld>
+  <p:clrMapOvr>
+    <a:masterClrMapping/>
+  </p:clrMapOvr>
 </p:sldLayout>
 </file>
 
 <file path=ppt/slideLayouts/slideLayout24.xml><?xml version="1.0" encoding="utf-8"?>
-<p:sldLayout xmlns:a="http://schemas.openxmlformats.org/drawingml/2006/main" xmlns:p="http://schemas.openxmlformats.org/presentationml/2006/main" xmlns:r="http://schemas.openxmlformats.org/officeDocument/2006/relationships" xmlns:p14="http://schemas.microsoft.com/office/powerpoint/2010/main" xmlns:p15="http://schemas.microsoft.com/office/powerpoint/2012/main" xmlns:mc="http://schemas.openxmlformats.org/markup-compatibility/2006" type="blank" preserve="1">
+<p:sldLayout xmlns:a="http://schemas.openxmlformats.org/drawingml/2006/main" xmlns:r="http://schemas.openxmlformats.org/officeDocument/2006/relationships" xmlns:p="http://schemas.openxmlformats.org/presentationml/2006/main" type="blank" preserve="1">
   <p:cSld name="Title, 6 Content">
     <p:spTree>
       <p:nvGrpSpPr>
@@ -3000,14 +3205,15 @@
           </a:ln>
         </p:spPr>
         <p:txBody>
-          <a:bodyPr lIns="0" rIns="0" tIns="0" bIns="0" anchor="ctr">
+          <a:bodyPr lIns="0" tIns="0" rIns="0" bIns="0" anchor="ctr">
             <a:noAutofit/>
           </a:bodyPr>
+          <a:lstStyle/>
           <a:p>
             <a:pPr algn="ctr">
               <a:buNone/>
             </a:pPr>
-            <a:endParaRPr b="0" lang="en-GB" sz="4400" spc="-1" strike="noStrike">
+            <a:endParaRPr lang="en-GB" sz="4400" b="0" strike="noStrike" spc="-1">
               <a:latin typeface="Arial"/>
             </a:endParaRPr>
           </a:p>
@@ -3037,11 +3243,12 @@
           </a:ln>
         </p:spPr>
         <p:txBody>
-          <a:bodyPr lIns="0" rIns="0" tIns="0" bIns="0" anchor="t">
+          <a:bodyPr lIns="0" tIns="0" rIns="0" bIns="0" anchor="t">
             <a:normAutofit/>
           </a:bodyPr>
-          <a:p>
-            <a:endParaRPr b="0" lang="en-GB" sz="3200" spc="-1" strike="noStrike">
+          <a:lstStyle/>
+          <a:p>
+            <a:endParaRPr lang="en-GB" sz="3200" b="0" strike="noStrike" spc="-1">
               <a:latin typeface="Arial"/>
             </a:endParaRPr>
           </a:p>
@@ -3071,11 +3278,12 @@
           </a:ln>
         </p:spPr>
         <p:txBody>
-          <a:bodyPr lIns="0" rIns="0" tIns="0" bIns="0" anchor="t">
+          <a:bodyPr lIns="0" tIns="0" rIns="0" bIns="0" anchor="t">
             <a:normAutofit/>
           </a:bodyPr>
-          <a:p>
-            <a:endParaRPr b="0" lang="en-GB" sz="3200" spc="-1" strike="noStrike">
+          <a:lstStyle/>
+          <a:p>
+            <a:endParaRPr lang="en-GB" sz="3200" b="0" strike="noStrike" spc="-1">
               <a:latin typeface="Arial"/>
             </a:endParaRPr>
           </a:p>
@@ -3105,11 +3313,12 @@
           </a:ln>
         </p:spPr>
         <p:txBody>
-          <a:bodyPr lIns="0" rIns="0" tIns="0" bIns="0" anchor="t">
+          <a:bodyPr lIns="0" tIns="0" rIns="0" bIns="0" anchor="t">
             <a:normAutofit/>
           </a:bodyPr>
-          <a:p>
-            <a:endParaRPr b="0" lang="en-GB" sz="3200" spc="-1" strike="noStrike">
+          <a:lstStyle/>
+          <a:p>
+            <a:endParaRPr lang="en-GB" sz="3200" b="0" strike="noStrike" spc="-1">
               <a:latin typeface="Arial"/>
             </a:endParaRPr>
           </a:p>
@@ -3139,11 +3348,12 @@
           </a:ln>
         </p:spPr>
         <p:txBody>
-          <a:bodyPr lIns="0" rIns="0" tIns="0" bIns="0" anchor="t">
+          <a:bodyPr lIns="0" tIns="0" rIns="0" bIns="0" anchor="t">
             <a:normAutofit/>
           </a:bodyPr>
-          <a:p>
-            <a:endParaRPr b="0" lang="en-GB" sz="3200" spc="-1" strike="noStrike">
+          <a:lstStyle/>
+          <a:p>
+            <a:endParaRPr lang="en-GB" sz="3200" b="0" strike="noStrike" spc="-1">
               <a:latin typeface="Arial"/>
             </a:endParaRPr>
           </a:p>
@@ -3173,11 +3383,12 @@
           </a:ln>
         </p:spPr>
         <p:txBody>
-          <a:bodyPr lIns="0" rIns="0" tIns="0" bIns="0" anchor="t">
+          <a:bodyPr lIns="0" tIns="0" rIns="0" bIns="0" anchor="t">
             <a:normAutofit/>
           </a:bodyPr>
-          <a:p>
-            <a:endParaRPr b="0" lang="en-GB" sz="3200" spc="-1" strike="noStrike">
+          <a:lstStyle/>
+          <a:p>
+            <a:endParaRPr lang="en-GB" sz="3200" b="0" strike="noStrike" spc="-1">
               <a:latin typeface="Arial"/>
             </a:endParaRPr>
           </a:p>
@@ -3207,11 +3418,12 @@
           </a:ln>
         </p:spPr>
         <p:txBody>
-          <a:bodyPr lIns="0" rIns="0" tIns="0" bIns="0" anchor="t">
+          <a:bodyPr lIns="0" tIns="0" rIns="0" bIns="0" anchor="t">
             <a:normAutofit/>
           </a:bodyPr>
-          <a:p>
-            <a:endParaRPr b="0" lang="en-GB" sz="3200" spc="-1" strike="noStrike">
+          <a:lstStyle/>
+          <a:p>
+            <a:endParaRPr lang="en-GB" sz="3200" b="0" strike="noStrike" spc="-1">
               <a:latin typeface="Arial"/>
             </a:endParaRPr>
           </a:p>
@@ -3230,6 +3442,7 @@
         <p:spPr/>
         <p:txBody>
           <a:bodyPr/>
+          <a:lstStyle/>
           <a:p>
             <a:r>
               <a:t>Footer</a:t>
@@ -3250,10 +3463,12 @@
         <p:spPr/>
         <p:txBody>
           <a:bodyPr/>
+          <a:lstStyle/>
           <a:p>
             <a:fld id="{0EB8BE07-62E7-443C-A5B1-BA17BD5B7E92}" type="slidenum">
-              <a:t>&lt;#&gt;</a:t>
+              <a:t>‹#›</a:t>
             </a:fld>
+            <a:endParaRPr/>
           </a:p>
         </p:txBody>
       </p:sp>
@@ -3270,21 +3485,22 @@
         <p:spPr/>
         <p:txBody>
           <a:bodyPr/>
-          <a:p>
-            <a:r>
-              <a:rPr lang="en-GB"/>
-              <a:t/>
-            </a:r>
+          <a:lstStyle/>
+          <a:p>
+            <a:endParaRPr/>
           </a:p>
         </p:txBody>
       </p:sp>
     </p:spTree>
   </p:cSld>
+  <p:clrMapOvr>
+    <a:masterClrMapping/>
+  </p:clrMapOvr>
 </p:sldLayout>
 </file>
 
 <file path=ppt/slideLayouts/slideLayout3.xml><?xml version="1.0" encoding="utf-8"?>
-<p:sldLayout xmlns:a="http://schemas.openxmlformats.org/drawingml/2006/main" xmlns:p="http://schemas.openxmlformats.org/presentationml/2006/main" xmlns:r="http://schemas.openxmlformats.org/officeDocument/2006/relationships" xmlns:p14="http://schemas.microsoft.com/office/powerpoint/2010/main" xmlns:p15="http://schemas.microsoft.com/office/powerpoint/2012/main" xmlns:mc="http://schemas.openxmlformats.org/markup-compatibility/2006" type="obj" preserve="1">
+<p:sldLayout xmlns:a="http://schemas.openxmlformats.org/drawingml/2006/main" xmlns:r="http://schemas.openxmlformats.org/officeDocument/2006/relationships" xmlns:p="http://schemas.openxmlformats.org/presentationml/2006/main" type="obj" preserve="1">
   <p:cSld name="Title, Content">
     <p:spTree>
       <p:nvGrpSpPr>
@@ -3324,14 +3540,15 @@
           </a:ln>
         </p:spPr>
         <p:txBody>
-          <a:bodyPr lIns="0" rIns="0" tIns="0" bIns="0" anchor="ctr">
+          <a:bodyPr lIns="0" tIns="0" rIns="0" bIns="0" anchor="ctr">
             <a:noAutofit/>
           </a:bodyPr>
+          <a:lstStyle/>
           <a:p>
             <a:pPr algn="ctr">
               <a:buNone/>
             </a:pPr>
-            <a:endParaRPr b="0" lang="en-GB" sz="4400" spc="-1" strike="noStrike">
+            <a:endParaRPr lang="en-GB" sz="4400" b="0" strike="noStrike" spc="-1">
               <a:latin typeface="Arial"/>
             </a:endParaRPr>
           </a:p>
@@ -3361,11 +3578,12 @@
           </a:ln>
         </p:spPr>
         <p:txBody>
-          <a:bodyPr lIns="0" rIns="0" tIns="0" bIns="0" anchor="t">
+          <a:bodyPr lIns="0" tIns="0" rIns="0" bIns="0" anchor="t">
             <a:normAutofit/>
           </a:bodyPr>
-          <a:p>
-            <a:endParaRPr b="0" lang="en-GB" sz="3200" spc="-1" strike="noStrike">
+          <a:lstStyle/>
+          <a:p>
+            <a:endParaRPr lang="en-GB" sz="3200" b="0" strike="noStrike" spc="-1">
               <a:latin typeface="Arial"/>
             </a:endParaRPr>
           </a:p>
@@ -3384,6 +3602,7 @@
         <p:spPr/>
         <p:txBody>
           <a:bodyPr/>
+          <a:lstStyle/>
           <a:p>
             <a:r>
               <a:t>Footer</a:t>
@@ -3404,10 +3623,12 @@
         <p:spPr/>
         <p:txBody>
           <a:bodyPr/>
+          <a:lstStyle/>
           <a:p>
             <a:fld id="{66F645C4-95F8-458B-9035-76B2E10EA302}" type="slidenum">
-              <a:t>&lt;#&gt;</a:t>
+              <a:t>‹#›</a:t>
             </a:fld>
+            <a:endParaRPr/>
           </a:p>
         </p:txBody>
       </p:sp>
@@ -3424,21 +3645,22 @@
         <p:spPr/>
         <p:txBody>
           <a:bodyPr/>
-          <a:p>
-            <a:r>
-              <a:rPr lang="en-GB"/>
-              <a:t/>
-            </a:r>
+          <a:lstStyle/>
+          <a:p>
+            <a:endParaRPr/>
           </a:p>
         </p:txBody>
       </p:sp>
     </p:spTree>
   </p:cSld>
+  <p:clrMapOvr>
+    <a:masterClrMapping/>
+  </p:clrMapOvr>
 </p:sldLayout>
 </file>
 
 <file path=ppt/slideLayouts/slideLayout4.xml><?xml version="1.0" encoding="utf-8"?>
-<p:sldLayout xmlns:a="http://schemas.openxmlformats.org/drawingml/2006/main" xmlns:p="http://schemas.openxmlformats.org/presentationml/2006/main" xmlns:r="http://schemas.openxmlformats.org/officeDocument/2006/relationships" xmlns:p14="http://schemas.microsoft.com/office/powerpoint/2010/main" xmlns:p15="http://schemas.microsoft.com/office/powerpoint/2012/main" xmlns:mc="http://schemas.openxmlformats.org/markup-compatibility/2006" type="twoObj" preserve="1">
+<p:sldLayout xmlns:a="http://schemas.openxmlformats.org/drawingml/2006/main" xmlns:r="http://schemas.openxmlformats.org/officeDocument/2006/relationships" xmlns:p="http://schemas.openxmlformats.org/presentationml/2006/main" type="twoObj" preserve="1">
   <p:cSld name="Title, 2 Content">
     <p:spTree>
       <p:nvGrpSpPr>
@@ -3478,14 +3700,15 @@
           </a:ln>
         </p:spPr>
         <p:txBody>
-          <a:bodyPr lIns="0" rIns="0" tIns="0" bIns="0" anchor="ctr">
+          <a:bodyPr lIns="0" tIns="0" rIns="0" bIns="0" anchor="ctr">
             <a:noAutofit/>
           </a:bodyPr>
+          <a:lstStyle/>
           <a:p>
             <a:pPr algn="ctr">
               <a:buNone/>
             </a:pPr>
-            <a:endParaRPr b="0" lang="en-GB" sz="4400" spc="-1" strike="noStrike">
+            <a:endParaRPr lang="en-GB" sz="4400" b="0" strike="noStrike" spc="-1">
               <a:latin typeface="Arial"/>
             </a:endParaRPr>
           </a:p>
@@ -3515,11 +3738,12 @@
           </a:ln>
         </p:spPr>
         <p:txBody>
-          <a:bodyPr lIns="0" rIns="0" tIns="0" bIns="0" anchor="t">
+          <a:bodyPr lIns="0" tIns="0" rIns="0" bIns="0" anchor="t">
             <a:normAutofit/>
           </a:bodyPr>
-          <a:p>
-            <a:endParaRPr b="0" lang="en-GB" sz="3200" spc="-1" strike="noStrike">
+          <a:lstStyle/>
+          <a:p>
+            <a:endParaRPr lang="en-GB" sz="3200" b="0" strike="noStrike" spc="-1">
               <a:latin typeface="Arial"/>
             </a:endParaRPr>
           </a:p>
@@ -3549,11 +3773,12 @@
           </a:ln>
         </p:spPr>
         <p:txBody>
-          <a:bodyPr lIns="0" rIns="0" tIns="0" bIns="0" anchor="t">
+          <a:bodyPr lIns="0" tIns="0" rIns="0" bIns="0" anchor="t">
             <a:normAutofit/>
           </a:bodyPr>
-          <a:p>
-            <a:endParaRPr b="0" lang="en-GB" sz="3200" spc="-1" strike="noStrike">
+          <a:lstStyle/>
+          <a:p>
+            <a:endParaRPr lang="en-GB" sz="3200" b="0" strike="noStrike" spc="-1">
               <a:latin typeface="Arial"/>
             </a:endParaRPr>
           </a:p>
@@ -3572,6 +3797,7 @@
         <p:spPr/>
         <p:txBody>
           <a:bodyPr/>
+          <a:lstStyle/>
           <a:p>
             <a:r>
               <a:t>Footer</a:t>
@@ -3592,10 +3818,12 @@
         <p:spPr/>
         <p:txBody>
           <a:bodyPr/>
+          <a:lstStyle/>
           <a:p>
             <a:fld id="{4D9CCCB5-17E0-4CBB-BBB7-84ABB52CD621}" type="slidenum">
-              <a:t>&lt;#&gt;</a:t>
+              <a:t>‹#›</a:t>
             </a:fld>
+            <a:endParaRPr/>
           </a:p>
         </p:txBody>
       </p:sp>
@@ -3612,21 +3840,22 @@
         <p:spPr/>
         <p:txBody>
           <a:bodyPr/>
-          <a:p>
-            <a:r>
-              <a:rPr lang="en-GB"/>
-              <a:t/>
-            </a:r>
+          <a:lstStyle/>
+          <a:p>
+            <a:endParaRPr/>
           </a:p>
         </p:txBody>
       </p:sp>
     </p:spTree>
   </p:cSld>
+  <p:clrMapOvr>
+    <a:masterClrMapping/>
+  </p:clrMapOvr>
 </p:sldLayout>
 </file>
 
 <file path=ppt/slideLayouts/slideLayout5.xml><?xml version="1.0" encoding="utf-8"?>
-<p:sldLayout xmlns:a="http://schemas.openxmlformats.org/drawingml/2006/main" xmlns:p="http://schemas.openxmlformats.org/presentationml/2006/main" xmlns:r="http://schemas.openxmlformats.org/officeDocument/2006/relationships" xmlns:p14="http://schemas.microsoft.com/office/powerpoint/2010/main" xmlns:p15="http://schemas.microsoft.com/office/powerpoint/2012/main" xmlns:mc="http://schemas.openxmlformats.org/markup-compatibility/2006" type="titleOnly" preserve="1">
+<p:sldLayout xmlns:a="http://schemas.openxmlformats.org/drawingml/2006/main" xmlns:r="http://schemas.openxmlformats.org/officeDocument/2006/relationships" xmlns:p="http://schemas.openxmlformats.org/presentationml/2006/main" type="titleOnly" preserve="1">
   <p:cSld name="Title Only">
     <p:spTree>
       <p:nvGrpSpPr>
@@ -3666,14 +3895,15 @@
           </a:ln>
         </p:spPr>
         <p:txBody>
-          <a:bodyPr lIns="0" rIns="0" tIns="0" bIns="0" anchor="ctr">
+          <a:bodyPr lIns="0" tIns="0" rIns="0" bIns="0" anchor="ctr">
             <a:noAutofit/>
           </a:bodyPr>
+          <a:lstStyle/>
           <a:p>
             <a:pPr algn="ctr">
               <a:buNone/>
             </a:pPr>
-            <a:endParaRPr b="0" lang="en-GB" sz="4400" spc="-1" strike="noStrike">
+            <a:endParaRPr lang="en-GB" sz="4400" b="0" strike="noStrike" spc="-1">
               <a:latin typeface="Arial"/>
             </a:endParaRPr>
           </a:p>
@@ -3692,6 +3922,7 @@
         <p:spPr/>
         <p:txBody>
           <a:bodyPr/>
+          <a:lstStyle/>
           <a:p>
             <a:r>
               <a:t>Footer</a:t>
@@ -3712,10 +3943,12 @@
         <p:spPr/>
         <p:txBody>
           <a:bodyPr/>
+          <a:lstStyle/>
           <a:p>
             <a:fld id="{89513606-3407-4435-819D-F2E798A28364}" type="slidenum">
-              <a:t>&lt;#&gt;</a:t>
+              <a:t>‹#›</a:t>
             </a:fld>
+            <a:endParaRPr/>
           </a:p>
         </p:txBody>
       </p:sp>
@@ -3732,21 +3965,22 @@
         <p:spPr/>
         <p:txBody>
           <a:bodyPr/>
-          <a:p>
-            <a:r>
-              <a:rPr lang="en-GB"/>
-              <a:t/>
-            </a:r>
+          <a:lstStyle/>
+          <a:p>
+            <a:endParaRPr/>
           </a:p>
         </p:txBody>
       </p:sp>
     </p:spTree>
   </p:cSld>
+  <p:clrMapOvr>
+    <a:masterClrMapping/>
+  </p:clrMapOvr>
 </p:sldLayout>
 </file>
 
 <file path=ppt/slideLayouts/slideLayout6.xml><?xml version="1.0" encoding="utf-8"?>
-<p:sldLayout xmlns:a="http://schemas.openxmlformats.org/drawingml/2006/main" xmlns:p="http://schemas.openxmlformats.org/presentationml/2006/main" xmlns:r="http://schemas.openxmlformats.org/officeDocument/2006/relationships" xmlns:p14="http://schemas.microsoft.com/office/powerpoint/2010/main" xmlns:p15="http://schemas.microsoft.com/office/powerpoint/2012/main" xmlns:mc="http://schemas.openxmlformats.org/markup-compatibility/2006" type="objOnly" preserve="1">
+<p:sldLayout xmlns:a="http://schemas.openxmlformats.org/drawingml/2006/main" xmlns:r="http://schemas.openxmlformats.org/officeDocument/2006/relationships" xmlns:p="http://schemas.openxmlformats.org/presentationml/2006/main" type="objOnly" preserve="1">
   <p:cSld name="Centered Text">
     <p:spTree>
       <p:nvGrpSpPr>
@@ -3786,14 +4020,15 @@
           </a:ln>
         </p:spPr>
         <p:txBody>
-          <a:bodyPr lIns="0" rIns="0" tIns="0" bIns="0" anchor="ctr">
+          <a:bodyPr lIns="0" tIns="0" rIns="0" bIns="0" anchor="ctr">
             <a:noAutofit/>
           </a:bodyPr>
+          <a:lstStyle/>
           <a:p>
             <a:pPr algn="ctr">
               <a:buNone/>
             </a:pPr>
-            <a:endParaRPr b="0" lang="en-GB" sz="3200" spc="-1" strike="noStrike">
+            <a:endParaRPr lang="en-GB" sz="3200" b="0" strike="noStrike" spc="-1">
               <a:latin typeface="Arial"/>
             </a:endParaRPr>
           </a:p>
@@ -3812,6 +4047,7 @@
         <p:spPr/>
         <p:txBody>
           <a:bodyPr/>
+          <a:lstStyle/>
           <a:p>
             <a:r>
               <a:t>Footer</a:t>
@@ -3832,10 +4068,12 @@
         <p:spPr/>
         <p:txBody>
           <a:bodyPr/>
+          <a:lstStyle/>
           <a:p>
             <a:fld id="{5F6C088B-DB36-4132-A60E-E4C29D17FE26}" type="slidenum">
-              <a:t>&lt;#&gt;</a:t>
+              <a:t>‹#›</a:t>
             </a:fld>
+            <a:endParaRPr/>
           </a:p>
         </p:txBody>
       </p:sp>
@@ -3852,21 +4090,22 @@
         <p:spPr/>
         <p:txBody>
           <a:bodyPr/>
-          <a:p>
-            <a:r>
-              <a:rPr lang="en-GB"/>
-              <a:t/>
-            </a:r>
+          <a:lstStyle/>
+          <a:p>
+            <a:endParaRPr/>
           </a:p>
         </p:txBody>
       </p:sp>
     </p:spTree>
   </p:cSld>
+  <p:clrMapOvr>
+    <a:masterClrMapping/>
+  </p:clrMapOvr>
 </p:sldLayout>
 </file>
 
 <file path=ppt/slideLayouts/slideLayout7.xml><?xml version="1.0" encoding="utf-8"?>
-<p:sldLayout xmlns:a="http://schemas.openxmlformats.org/drawingml/2006/main" xmlns:p="http://schemas.openxmlformats.org/presentationml/2006/main" xmlns:r="http://schemas.openxmlformats.org/officeDocument/2006/relationships" xmlns:p14="http://schemas.microsoft.com/office/powerpoint/2010/main" xmlns:p15="http://schemas.microsoft.com/office/powerpoint/2012/main" xmlns:mc="http://schemas.openxmlformats.org/markup-compatibility/2006" type="twoObjAndObj" preserve="1">
+<p:sldLayout xmlns:a="http://schemas.openxmlformats.org/drawingml/2006/main" xmlns:r="http://schemas.openxmlformats.org/officeDocument/2006/relationships" xmlns:p="http://schemas.openxmlformats.org/presentationml/2006/main" type="twoObjAndObj" preserve="1">
   <p:cSld name="Title, 2 Content and Content">
     <p:spTree>
       <p:nvGrpSpPr>
@@ -3906,14 +4145,15 @@
           </a:ln>
         </p:spPr>
         <p:txBody>
-          <a:bodyPr lIns="0" rIns="0" tIns="0" bIns="0" anchor="ctr">
+          <a:bodyPr lIns="0" tIns="0" rIns="0" bIns="0" anchor="ctr">
             <a:noAutofit/>
           </a:bodyPr>
+          <a:lstStyle/>
           <a:p>
             <a:pPr algn="ctr">
               <a:buNone/>
             </a:pPr>
-            <a:endParaRPr b="0" lang="en-GB" sz="4400" spc="-1" strike="noStrike">
+            <a:endParaRPr lang="en-GB" sz="4400" b="0" strike="noStrike" spc="-1">
               <a:latin typeface="Arial"/>
             </a:endParaRPr>
           </a:p>
@@ -3943,11 +4183,12 @@
           </a:ln>
         </p:spPr>
         <p:txBody>
-          <a:bodyPr lIns="0" rIns="0" tIns="0" bIns="0" anchor="t">
+          <a:bodyPr lIns="0" tIns="0" rIns="0" bIns="0" anchor="t">
             <a:normAutofit/>
           </a:bodyPr>
-          <a:p>
-            <a:endParaRPr b="0" lang="en-GB" sz="3200" spc="-1" strike="noStrike">
+          <a:lstStyle/>
+          <a:p>
+            <a:endParaRPr lang="en-GB" sz="3200" b="0" strike="noStrike" spc="-1">
               <a:latin typeface="Arial"/>
             </a:endParaRPr>
           </a:p>
@@ -3977,11 +4218,12 @@
           </a:ln>
         </p:spPr>
         <p:txBody>
-          <a:bodyPr lIns="0" rIns="0" tIns="0" bIns="0" anchor="t">
+          <a:bodyPr lIns="0" tIns="0" rIns="0" bIns="0" anchor="t">
             <a:normAutofit/>
           </a:bodyPr>
-          <a:p>
-            <a:endParaRPr b="0" lang="en-GB" sz="3200" spc="-1" strike="noStrike">
+          <a:lstStyle/>
+          <a:p>
+            <a:endParaRPr lang="en-GB" sz="3200" b="0" strike="noStrike" spc="-1">
               <a:latin typeface="Arial"/>
             </a:endParaRPr>
           </a:p>
@@ -4011,11 +4253,12 @@
           </a:ln>
         </p:spPr>
         <p:txBody>
-          <a:bodyPr lIns="0" rIns="0" tIns="0" bIns="0" anchor="t">
+          <a:bodyPr lIns="0" tIns="0" rIns="0" bIns="0" anchor="t">
             <a:normAutofit/>
           </a:bodyPr>
-          <a:p>
-            <a:endParaRPr b="0" lang="en-GB" sz="3200" spc="-1" strike="noStrike">
+          <a:lstStyle/>
+          <a:p>
+            <a:endParaRPr lang="en-GB" sz="3200" b="0" strike="noStrike" spc="-1">
               <a:latin typeface="Arial"/>
             </a:endParaRPr>
           </a:p>
@@ -4034,6 +4277,7 @@
         <p:spPr/>
         <p:txBody>
           <a:bodyPr/>
+          <a:lstStyle/>
           <a:p>
             <a:r>
               <a:t>Footer</a:t>
@@ -4054,10 +4298,12 @@
         <p:spPr/>
         <p:txBody>
           <a:bodyPr/>
+          <a:lstStyle/>
           <a:p>
             <a:fld id="{F358B60D-9C75-478D-B5B9-59BEB669D0D3}" type="slidenum">
-              <a:t>&lt;#&gt;</a:t>
+              <a:t>‹#›</a:t>
             </a:fld>
+            <a:endParaRPr/>
           </a:p>
         </p:txBody>
       </p:sp>
@@ -4074,21 +4320,22 @@
         <p:spPr/>
         <p:txBody>
           <a:bodyPr/>
-          <a:p>
-            <a:r>
-              <a:rPr lang="en-GB"/>
-              <a:t/>
-            </a:r>
+          <a:lstStyle/>
+          <a:p>
+            <a:endParaRPr/>
           </a:p>
         </p:txBody>
       </p:sp>
     </p:spTree>
   </p:cSld>
+  <p:clrMapOvr>
+    <a:masterClrMapping/>
+  </p:clrMapOvr>
 </p:sldLayout>
 </file>
 
 <file path=ppt/slideLayouts/slideLayout8.xml><?xml version="1.0" encoding="utf-8"?>
-<p:sldLayout xmlns:a="http://schemas.openxmlformats.org/drawingml/2006/main" xmlns:p="http://schemas.openxmlformats.org/presentationml/2006/main" xmlns:r="http://schemas.openxmlformats.org/officeDocument/2006/relationships" xmlns:p14="http://schemas.microsoft.com/office/powerpoint/2010/main" xmlns:p15="http://schemas.microsoft.com/office/powerpoint/2012/main" xmlns:mc="http://schemas.openxmlformats.org/markup-compatibility/2006" type="objAndTwoObj" preserve="1">
+<p:sldLayout xmlns:a="http://schemas.openxmlformats.org/drawingml/2006/main" xmlns:r="http://schemas.openxmlformats.org/officeDocument/2006/relationships" xmlns:p="http://schemas.openxmlformats.org/presentationml/2006/main" type="objAndTwoObj" preserve="1">
   <p:cSld name="Title Content and 2 Content">
     <p:spTree>
       <p:nvGrpSpPr>
@@ -4128,14 +4375,15 @@
           </a:ln>
         </p:spPr>
         <p:txBody>
-          <a:bodyPr lIns="0" rIns="0" tIns="0" bIns="0" anchor="ctr">
+          <a:bodyPr lIns="0" tIns="0" rIns="0" bIns="0" anchor="ctr">
             <a:noAutofit/>
           </a:bodyPr>
+          <a:lstStyle/>
           <a:p>
             <a:pPr algn="ctr">
               <a:buNone/>
             </a:pPr>
-            <a:endParaRPr b="0" lang="en-GB" sz="4400" spc="-1" strike="noStrike">
+            <a:endParaRPr lang="en-GB" sz="4400" b="0" strike="noStrike" spc="-1">
               <a:latin typeface="Arial"/>
             </a:endParaRPr>
           </a:p>
@@ -4165,11 +4413,12 @@
           </a:ln>
         </p:spPr>
         <p:txBody>
-          <a:bodyPr lIns="0" rIns="0" tIns="0" bIns="0" anchor="t">
+          <a:bodyPr lIns="0" tIns="0" rIns="0" bIns="0" anchor="t">
             <a:normAutofit/>
           </a:bodyPr>
-          <a:p>
-            <a:endParaRPr b="0" lang="en-GB" sz="3200" spc="-1" strike="noStrike">
+          <a:lstStyle/>
+          <a:p>
+            <a:endParaRPr lang="en-GB" sz="3200" b="0" strike="noStrike" spc="-1">
               <a:latin typeface="Arial"/>
             </a:endParaRPr>
           </a:p>
@@ -4199,11 +4448,12 @@
           </a:ln>
         </p:spPr>
         <p:txBody>
-          <a:bodyPr lIns="0" rIns="0" tIns="0" bIns="0" anchor="t">
+          <a:bodyPr lIns="0" tIns="0" rIns="0" bIns="0" anchor="t">
             <a:normAutofit/>
           </a:bodyPr>
-          <a:p>
-            <a:endParaRPr b="0" lang="en-GB" sz="3200" spc="-1" strike="noStrike">
+          <a:lstStyle/>
+          <a:p>
+            <a:endParaRPr lang="en-GB" sz="3200" b="0" strike="noStrike" spc="-1">
               <a:latin typeface="Arial"/>
             </a:endParaRPr>
           </a:p>
@@ -4233,11 +4483,12 @@
           </a:ln>
         </p:spPr>
         <p:txBody>
-          <a:bodyPr lIns="0" rIns="0" tIns="0" bIns="0" anchor="t">
+          <a:bodyPr lIns="0" tIns="0" rIns="0" bIns="0" anchor="t">
             <a:normAutofit/>
           </a:bodyPr>
-          <a:p>
-            <a:endParaRPr b="0" lang="en-GB" sz="3200" spc="-1" strike="noStrike">
+          <a:lstStyle/>
+          <a:p>
+            <a:endParaRPr lang="en-GB" sz="3200" b="0" strike="noStrike" spc="-1">
               <a:latin typeface="Arial"/>
             </a:endParaRPr>
           </a:p>
@@ -4256,6 +4507,7 @@
         <p:spPr/>
         <p:txBody>
           <a:bodyPr/>
+          <a:lstStyle/>
           <a:p>
             <a:r>
               <a:t>Footer</a:t>
@@ -4276,10 +4528,12 @@
         <p:spPr/>
         <p:txBody>
           <a:bodyPr/>
+          <a:lstStyle/>
           <a:p>
             <a:fld id="{B6B5BCD1-118D-43BE-AD43-E2662B9DA90D}" type="slidenum">
-              <a:t>&lt;#&gt;</a:t>
+              <a:t>‹#›</a:t>
             </a:fld>
+            <a:endParaRPr/>
           </a:p>
         </p:txBody>
       </p:sp>
@@ -4296,21 +4550,22 @@
         <p:spPr/>
         <p:txBody>
           <a:bodyPr/>
-          <a:p>
-            <a:r>
-              <a:rPr lang="en-GB"/>
-              <a:t/>
-            </a:r>
+          <a:lstStyle/>
+          <a:p>
+            <a:endParaRPr/>
           </a:p>
         </p:txBody>
       </p:sp>
     </p:spTree>
   </p:cSld>
+  <p:clrMapOvr>
+    <a:masterClrMapping/>
+  </p:clrMapOvr>
 </p:sldLayout>
 </file>
 
 <file path=ppt/slideLayouts/slideLayout9.xml><?xml version="1.0" encoding="utf-8"?>
-<p:sldLayout xmlns:a="http://schemas.openxmlformats.org/drawingml/2006/main" xmlns:p="http://schemas.openxmlformats.org/presentationml/2006/main" xmlns:r="http://schemas.openxmlformats.org/officeDocument/2006/relationships" xmlns:p14="http://schemas.microsoft.com/office/powerpoint/2010/main" xmlns:p15="http://schemas.microsoft.com/office/powerpoint/2012/main" xmlns:mc="http://schemas.openxmlformats.org/markup-compatibility/2006" type="twoObjOverTx" preserve="1">
+<p:sldLayout xmlns:a="http://schemas.openxmlformats.org/drawingml/2006/main" xmlns:r="http://schemas.openxmlformats.org/officeDocument/2006/relationships" xmlns:p="http://schemas.openxmlformats.org/presentationml/2006/main" type="twoObjOverTx" preserve="1">
   <p:cSld name="Title, 2 Content over Content">
     <p:spTree>
       <p:nvGrpSpPr>
@@ -4350,14 +4605,15 @@
           </a:ln>
         </p:spPr>
         <p:txBody>
-          <a:bodyPr lIns="0" rIns="0" tIns="0" bIns="0" anchor="ctr">
+          <a:bodyPr lIns="0" tIns="0" rIns="0" bIns="0" anchor="ctr">
             <a:noAutofit/>
           </a:bodyPr>
+          <a:lstStyle/>
           <a:p>
             <a:pPr algn="ctr">
               <a:buNone/>
             </a:pPr>
-            <a:endParaRPr b="0" lang="en-GB" sz="4400" spc="-1" strike="noStrike">
+            <a:endParaRPr lang="en-GB" sz="4400" b="0" strike="noStrike" spc="-1">
               <a:latin typeface="Arial"/>
             </a:endParaRPr>
           </a:p>
@@ -4387,11 +4643,12 @@
           </a:ln>
         </p:spPr>
         <p:txBody>
-          <a:bodyPr lIns="0" rIns="0" tIns="0" bIns="0" anchor="t">
+          <a:bodyPr lIns="0" tIns="0" rIns="0" bIns="0" anchor="t">
             <a:normAutofit/>
           </a:bodyPr>
-          <a:p>
-            <a:endParaRPr b="0" lang="en-GB" sz="3200" spc="-1" strike="noStrike">
+          <a:lstStyle/>
+          <a:p>
+            <a:endParaRPr lang="en-GB" sz="3200" b="0" strike="noStrike" spc="-1">
               <a:latin typeface="Arial"/>
             </a:endParaRPr>
           </a:p>
@@ -4421,11 +4678,12 @@
           </a:ln>
         </p:spPr>
         <p:txBody>
-          <a:bodyPr lIns="0" rIns="0" tIns="0" bIns="0" anchor="t">
+          <a:bodyPr lIns="0" tIns="0" rIns="0" bIns="0" anchor="t">
             <a:normAutofit/>
           </a:bodyPr>
-          <a:p>
-            <a:endParaRPr b="0" lang="en-GB" sz="3200" spc="-1" strike="noStrike">
+          <a:lstStyle/>
+          <a:p>
+            <a:endParaRPr lang="en-GB" sz="3200" b="0" strike="noStrike" spc="-1">
               <a:latin typeface="Arial"/>
             </a:endParaRPr>
           </a:p>
@@ -4455,11 +4713,12 @@
           </a:ln>
         </p:spPr>
         <p:txBody>
-          <a:bodyPr lIns="0" rIns="0" tIns="0" bIns="0" anchor="t">
+          <a:bodyPr lIns="0" tIns="0" rIns="0" bIns="0" anchor="t">
             <a:normAutofit/>
           </a:bodyPr>
-          <a:p>
-            <a:endParaRPr b="0" lang="en-GB" sz="3200" spc="-1" strike="noStrike">
+          <a:lstStyle/>
+          <a:p>
+            <a:endParaRPr lang="en-GB" sz="3200" b="0" strike="noStrike" spc="-1">
               <a:latin typeface="Arial"/>
             </a:endParaRPr>
           </a:p>
@@ -4478,6 +4737,7 @@
         <p:spPr/>
         <p:txBody>
           <a:bodyPr/>
+          <a:lstStyle/>
           <a:p>
             <a:r>
               <a:t>Footer</a:t>
@@ -4498,10 +4758,12 @@
         <p:spPr/>
         <p:txBody>
           <a:bodyPr/>
+          <a:lstStyle/>
           <a:p>
             <a:fld id="{0F27CB71-240C-44BF-9974-3D649053EF81}" type="slidenum">
-              <a:t>&lt;#&gt;</a:t>
+              <a:t>‹#›</a:t>
             </a:fld>
+            <a:endParaRPr/>
           </a:p>
         </p:txBody>
       </p:sp>
@@ -4518,27 +4780,29 @@
         <p:spPr/>
         <p:txBody>
           <a:bodyPr/>
-          <a:p>
-            <a:r>
-              <a:rPr lang="en-GB"/>
-              <a:t/>
-            </a:r>
+          <a:lstStyle/>
+          <a:p>
+            <a:endParaRPr/>
           </a:p>
         </p:txBody>
       </p:sp>
     </p:spTree>
   </p:cSld>
+  <p:clrMapOvr>
+    <a:masterClrMapping/>
+  </p:clrMapOvr>
 </p:sldLayout>
 </file>
 
 <file path=ppt/slideMasters/slideMaster1.xml><?xml version="1.0" encoding="utf-8"?>
-<p:sldMaster xmlns:a="http://schemas.openxmlformats.org/drawingml/2006/main" xmlns:p="http://schemas.openxmlformats.org/presentationml/2006/main" xmlns:r="http://schemas.openxmlformats.org/officeDocument/2006/relationships" xmlns:p14="http://schemas.microsoft.com/office/powerpoint/2010/main" xmlns:p15="http://schemas.microsoft.com/office/powerpoint/2012/main" xmlns:mc="http://schemas.openxmlformats.org/markup-compatibility/2006">
+<p:sldMaster xmlns:a="http://schemas.openxmlformats.org/drawingml/2006/main" xmlns:r="http://schemas.openxmlformats.org/officeDocument/2006/relationships" xmlns:p="http://schemas.openxmlformats.org/presentationml/2006/main">
   <p:cSld>
     <p:bg>
       <p:bgPr>
         <a:solidFill>
-          <a:srgbClr val="ffffff"/>
+          <a:srgbClr val="FFFFFF"/>
         </a:solidFill>
+        <a:effectLst/>
       </p:bgPr>
     </p:bg>
     <p:spTree>
@@ -4557,12 +4821,12 @@
       </p:grpSpPr>
       <p:sp>
         <p:nvSpPr>
-          <p:cNvPr id="0" name="Rectangle 7"/>
+          <p:cNvPr id="7" name="Rectangle 7"/>
           <p:cNvSpPr/>
           <p:nvPr/>
         </p:nvSpPr>
         <p:spPr>
-          <a:xfrm flipH="1" rot="10800000">
+          <a:xfrm rot="10800000" flipH="1">
             <a:off x="0" y="6402600"/>
             <a:ext cx="12190680" cy="455400"/>
           </a:xfrm>
@@ -4572,12 +4836,12 @@
           <a:gradFill rotWithShape="0">
             <a:gsLst>
               <a:gs pos="14000">
-                <a:srgbClr val="a47fba">
+                <a:srgbClr val="A47FBA">
                   <a:alpha val="28235"/>
                 </a:srgbClr>
               </a:gs>
               <a:gs pos="100000">
-                <a:srgbClr val="a096c6">
+                <a:srgbClr val="A096C6">
                   <a:alpha val="85098"/>
                 </a:srgbClr>
               </a:gs>
@@ -4605,7 +4869,7 @@
       </p:sp>
       <p:sp>
         <p:nvSpPr>
-          <p:cNvPr id="1" name="Rectangle 9"/>
+          <p:cNvPr id="8" name="Rectangle 9"/>
           <p:cNvSpPr/>
           <p:nvPr/>
         </p:nvSpPr>
@@ -4620,12 +4884,12 @@
           <a:gradFill rotWithShape="0">
             <a:gsLst>
               <a:gs pos="0">
-                <a:srgbClr val="d6b2c5">
+                <a:srgbClr val="D6B2C5">
                   <a:alpha val="55294"/>
                 </a:srgbClr>
               </a:gs>
               <a:gs pos="100000">
-                <a:srgbClr val="ba7f9f"/>
+                <a:srgbClr val="BA7F9F"/>
               </a:gs>
             </a:gsLst>
             <a:lin ang="14400000"/>
@@ -4673,7 +4937,7 @@
           </a:ln>
         </p:spPr>
         <p:txBody>
-          <a:bodyPr lIns="90000" rIns="90000" tIns="45000" bIns="45000" anchor="ctr">
+          <a:bodyPr lIns="90000" tIns="45000" rIns="90000" bIns="45000" anchor="ctr">
             <a:noAutofit/>
           </a:bodyPr>
           <a:lstStyle>
@@ -4682,7 +4946,7 @@
                 <a:spcPct val="100000"/>
               </a:lnSpc>
               <a:buNone/>
-              <a:defRPr b="0" lang="en-GB" sz="1400" spc="-1" strike="noStrike">
+              <a:defRPr lang="en-GB" sz="1400" b="0" strike="noStrike" spc="-1">
                 <a:solidFill>
                   <a:srgbClr val="000000"/>
                 </a:solidFill>
@@ -4699,7 +4963,7 @@
               <a:buNone/>
             </a:pPr>
             <a:r>
-              <a:rPr b="0" lang="en-GB" sz="1400" spc="-1" strike="noStrike">
+              <a:rPr lang="en-GB" sz="1400" b="0" strike="noStrike" spc="-1">
                 <a:solidFill>
                   <a:srgbClr val="000000"/>
                 </a:solidFill>
@@ -4708,7 +4972,7 @@
               </a:rPr>
               <a:t>&lt;footer&gt;</a:t>
             </a:r>
-            <a:endParaRPr b="0" lang="en-GB" sz="1400" spc="-1" strike="noStrike">
+            <a:endParaRPr lang="en-GB" sz="1400" b="0" strike="noStrike" spc="-1">
               <a:latin typeface="Times New Roman"/>
             </a:endParaRPr>
           </a:p>
@@ -4738,7 +5002,7 @@
           </a:ln>
         </p:spPr>
         <p:txBody>
-          <a:bodyPr lIns="90000" rIns="90000" tIns="45000" bIns="45000" anchor="ctr">
+          <a:bodyPr lIns="90000" tIns="45000" rIns="90000" bIns="45000" anchor="ctr">
             <a:noAutofit/>
           </a:bodyPr>
           <a:lstStyle>
@@ -4747,9 +5011,9 @@
                 <a:spcPct val="100000"/>
               </a:lnSpc>
               <a:buNone/>
-              <a:defRPr b="0" lang="en-US" sz="800" spc="-1" strike="noStrike">
+              <a:defRPr lang="en-US" sz="800" b="0" strike="noStrike" spc="-1">
                 <a:solidFill>
-                  <a:srgbClr val="ffffff"/>
+                  <a:srgbClr val="FFFFFF"/>
                 </a:solidFill>
                 <a:latin typeface="Gill Sans Nova"/>
                 <a:ea typeface="DejaVu Sans"/>
@@ -4764,16 +5028,16 @@
               <a:buNone/>
             </a:pPr>
             <a:fld id="{9E13E9BE-BCC1-45A3-BBF6-B22CF024622B}" type="slidenum">
-              <a:rPr b="0" lang="en-US" sz="800" spc="-1" strike="noStrike">
+              <a:rPr lang="en-US" sz="800" b="0" strike="noStrike" spc="-1">
                 <a:solidFill>
-                  <a:srgbClr val="ffffff"/>
+                  <a:srgbClr val="FFFFFF"/>
                 </a:solidFill>
                 <a:latin typeface="Gill Sans Nova"/>
                 <a:ea typeface="DejaVu Sans"/>
               </a:rPr>
-              <a:t>&lt;number&gt;</a:t>
+              <a:t>‹#›</a:t>
             </a:fld>
-            <a:endParaRPr b="0" lang="en-GB" sz="800" spc="-1" strike="noStrike">
+            <a:endParaRPr lang="en-GB" sz="800" b="0" strike="noStrike" spc="-1">
               <a:latin typeface="Times New Roman"/>
             </a:endParaRPr>
           </a:p>
@@ -4803,26 +5067,23 @@
           </a:ln>
         </p:spPr>
         <p:txBody>
-          <a:bodyPr lIns="90000" rIns="90000" tIns="45000" bIns="45000" anchor="ctr">
+          <a:bodyPr lIns="90000" tIns="45000" rIns="90000" bIns="45000" anchor="ctr">
             <a:noAutofit/>
           </a:bodyPr>
           <a:lstStyle>
             <a:lvl1pPr>
-              <a:defRPr b="0" lang="en-GB" sz="1400" spc="-1" strike="noStrike">
+              <a:defRPr lang="en-GB" sz="1400" b="0" strike="noStrike" spc="-1">
                 <a:latin typeface="Times New Roman"/>
               </a:defRPr>
             </a:lvl1pPr>
           </a:lstStyle>
           <a:p>
             <a:r>
-              <a:rPr b="0" lang="en-GB" sz="1400" spc="-1" strike="noStrike">
+              <a:rPr lang="en-GB" sz="1400" b="0" strike="noStrike" spc="-1">
                 <a:latin typeface="Times New Roman"/>
               </a:rPr>
               <a:t>&lt;date/time&gt;</a:t>
             </a:r>
-            <a:endParaRPr b="0" lang="en-GB" sz="1400" spc="-1" strike="noStrike">
-              <a:latin typeface="Times New Roman"/>
-            </a:endParaRPr>
           </a:p>
         </p:txBody>
       </p:sp>
@@ -4850,22 +5111,20 @@
           </a:ln>
         </p:spPr>
         <p:txBody>
-          <a:bodyPr lIns="0" rIns="0" tIns="0" bIns="0" anchor="ctr">
+          <a:bodyPr lIns="0" tIns="0" rIns="0" bIns="0" anchor="ctr">
             <a:noAutofit/>
           </a:bodyPr>
+          <a:lstStyle/>
           <a:p>
             <a:pPr algn="ctr">
               <a:buNone/>
             </a:pPr>
             <a:r>
-              <a:rPr b="0" lang="en-GB" sz="4400" spc="-1" strike="noStrike">
+              <a:rPr lang="en-GB" sz="4400" b="0" strike="noStrike" spc="-1">
                 <a:latin typeface="Arial"/>
               </a:rPr>
               <a:t>Click to edit the title text format</a:t>
             </a:r>
-            <a:endParaRPr b="0" lang="en-GB" sz="4400" spc="-1" strike="noStrike">
-              <a:latin typeface="Arial"/>
-            </a:endParaRPr>
           </a:p>
         </p:txBody>
       </p:sp>
@@ -4893,9 +5152,10 @@
           </a:ln>
         </p:spPr>
         <p:txBody>
-          <a:bodyPr lIns="0" rIns="0" tIns="0" bIns="0" anchor="t">
+          <a:bodyPr lIns="0" tIns="0" rIns="0" bIns="0" anchor="t">
             <a:normAutofit/>
           </a:bodyPr>
+          <a:lstStyle/>
           <a:p>
             <a:pPr marL="432000" indent="-324000">
               <a:spcBef>
@@ -4909,17 +5169,14 @@
               <a:buChar char=""/>
             </a:pPr>
             <a:r>
-              <a:rPr b="0" lang="en-GB" sz="3200" spc="-1" strike="noStrike">
+              <a:rPr lang="en-GB" sz="3200" b="0" strike="noStrike" spc="-1">
                 <a:latin typeface="Arial"/>
               </a:rPr>
               <a:t>Click to edit the outline text format</a:t>
             </a:r>
-            <a:endParaRPr b="0" lang="en-GB" sz="3200" spc="-1" strike="noStrike">
-              <a:latin typeface="Arial"/>
-            </a:endParaRPr>
-          </a:p>
-          <a:p>
-            <a:pPr lvl="1" marL="864000" indent="-324000">
+          </a:p>
+          <a:p>
+            <a:pPr marL="864000" lvl="1" indent="-324000">
               <a:spcBef>
                 <a:spcPts val="1134"/>
               </a:spcBef>
@@ -4931,17 +5188,14 @@
               <a:buChar char=""/>
             </a:pPr>
             <a:r>
-              <a:rPr b="0" lang="en-GB" sz="2800" spc="-1" strike="noStrike">
+              <a:rPr lang="en-GB" sz="2800" b="0" strike="noStrike" spc="-1">
                 <a:latin typeface="Arial"/>
               </a:rPr>
               <a:t>Second Outline Level</a:t>
             </a:r>
-            <a:endParaRPr b="0" lang="en-GB" sz="2800" spc="-1" strike="noStrike">
-              <a:latin typeface="Arial"/>
-            </a:endParaRPr>
-          </a:p>
-          <a:p>
-            <a:pPr lvl="2" marL="1296000" indent="-288000">
+          </a:p>
+          <a:p>
+            <a:pPr marL="1296000" lvl="2" indent="-288000">
               <a:spcBef>
                 <a:spcPts val="850"/>
               </a:spcBef>
@@ -4953,17 +5207,14 @@
               <a:buChar char=""/>
             </a:pPr>
             <a:r>
-              <a:rPr b="0" lang="en-GB" sz="2400" spc="-1" strike="noStrike">
+              <a:rPr lang="en-GB" sz="2400" b="0" strike="noStrike" spc="-1">
                 <a:latin typeface="Arial"/>
               </a:rPr>
               <a:t>Third Outline Level</a:t>
             </a:r>
-            <a:endParaRPr b="0" lang="en-GB" sz="2400" spc="-1" strike="noStrike">
-              <a:latin typeface="Arial"/>
-            </a:endParaRPr>
-          </a:p>
-          <a:p>
-            <a:pPr lvl="3" marL="1728000" indent="-216000">
+          </a:p>
+          <a:p>
+            <a:pPr marL="1728000" lvl="3" indent="-216000">
               <a:spcBef>
                 <a:spcPts val="567"/>
               </a:spcBef>
@@ -4975,17 +5226,14 @@
               <a:buChar char=""/>
             </a:pPr>
             <a:r>
-              <a:rPr b="0" lang="en-GB" sz="2000" spc="-1" strike="noStrike">
+              <a:rPr lang="en-GB" sz="2000" b="0" strike="noStrike" spc="-1">
                 <a:latin typeface="Arial"/>
               </a:rPr>
               <a:t>Fourth Outline Level</a:t>
             </a:r>
-            <a:endParaRPr b="0" lang="en-GB" sz="2000" spc="-1" strike="noStrike">
-              <a:latin typeface="Arial"/>
-            </a:endParaRPr>
-          </a:p>
-          <a:p>
-            <a:pPr lvl="4" marL="2160000" indent="-216000">
+          </a:p>
+          <a:p>
+            <a:pPr marL="2160000" lvl="4" indent="-216000">
               <a:spcBef>
                 <a:spcPts val="283"/>
               </a:spcBef>
@@ -4997,17 +5245,14 @@
               <a:buChar char=""/>
             </a:pPr>
             <a:r>
-              <a:rPr b="0" lang="en-GB" sz="2000" spc="-1" strike="noStrike">
+              <a:rPr lang="en-GB" sz="2000" b="0" strike="noStrike" spc="-1">
                 <a:latin typeface="Arial"/>
               </a:rPr>
               <a:t>Fifth Outline Level</a:t>
             </a:r>
-            <a:endParaRPr b="0" lang="en-GB" sz="2000" spc="-1" strike="noStrike">
-              <a:latin typeface="Arial"/>
-            </a:endParaRPr>
-          </a:p>
-          <a:p>
-            <a:pPr lvl="5" marL="2592000" indent="-216000">
+          </a:p>
+          <a:p>
+            <a:pPr marL="2592000" lvl="5" indent="-216000">
               <a:spcBef>
                 <a:spcPts val="283"/>
               </a:spcBef>
@@ -5019,17 +5264,14 @@
               <a:buChar char=""/>
             </a:pPr>
             <a:r>
-              <a:rPr b="0" lang="en-GB" sz="2000" spc="-1" strike="noStrike">
+              <a:rPr lang="en-GB" sz="2000" b="0" strike="noStrike" spc="-1">
                 <a:latin typeface="Arial"/>
               </a:rPr>
               <a:t>Sixth Outline Level</a:t>
             </a:r>
-            <a:endParaRPr b="0" lang="en-GB" sz="2000" spc="-1" strike="noStrike">
-              <a:latin typeface="Arial"/>
-            </a:endParaRPr>
-          </a:p>
-          <a:p>
-            <a:pPr lvl="6" marL="3024000" indent="-216000">
+          </a:p>
+          <a:p>
+            <a:pPr marL="3024000" lvl="6" indent="-216000">
               <a:spcBef>
                 <a:spcPts val="283"/>
               </a:spcBef>
@@ -5041,45 +5283,323 @@
               <a:buChar char=""/>
             </a:pPr>
             <a:r>
-              <a:rPr b="0" lang="en-GB" sz="2000" spc="-1" strike="noStrike">
+              <a:rPr lang="en-GB" sz="2000" b="0" strike="noStrike" spc="-1">
                 <a:latin typeface="Arial"/>
               </a:rPr>
               <a:t>Seventh Outline Level</a:t>
             </a:r>
-            <a:endParaRPr b="0" lang="en-GB" sz="2000" spc="-1" strike="noStrike">
-              <a:latin typeface="Arial"/>
-            </a:endParaRPr>
           </a:p>
         </p:txBody>
       </p:sp>
     </p:spTree>
   </p:cSld>
-  <p:clrMap bg1="lt1" bg2="lt2" tx1="dk1" tx2="dk2" accent1="accent1" accent2="accent2" accent3="accent3" accent4="accent4" accent5="accent5" accent6="accent6" hlink="hlink" folHlink="folHlink"/>
+  <p:clrMap bg1="lt1" tx1="dk1" bg2="lt2" tx2="dk2" accent1="accent1" accent2="accent2" accent3="accent3" accent4="accent4" accent5="accent5" accent6="accent6" hlink="hlink" folHlink="folHlink"/>
   <p:sldLayoutIdLst>
-    <p:sldLayoutId id="2147483649" r:id="rId2"/>
-    <p:sldLayoutId id="2147483650" r:id="rId3"/>
-    <p:sldLayoutId id="2147483651" r:id="rId4"/>
-    <p:sldLayoutId id="2147483652" r:id="rId5"/>
-    <p:sldLayoutId id="2147483653" r:id="rId6"/>
-    <p:sldLayoutId id="2147483654" r:id="rId7"/>
-    <p:sldLayoutId id="2147483655" r:id="rId8"/>
-    <p:sldLayoutId id="2147483656" r:id="rId9"/>
-    <p:sldLayoutId id="2147483657" r:id="rId10"/>
-    <p:sldLayoutId id="2147483658" r:id="rId11"/>
-    <p:sldLayoutId id="2147483659" r:id="rId12"/>
-    <p:sldLayoutId id="2147483660" r:id="rId13"/>
+    <p:sldLayoutId id="2147483649" r:id="rId1"/>
+    <p:sldLayoutId id="2147483650" r:id="rId2"/>
+    <p:sldLayoutId id="2147483651" r:id="rId3"/>
+    <p:sldLayoutId id="2147483652" r:id="rId4"/>
+    <p:sldLayoutId id="2147483653" r:id="rId5"/>
+    <p:sldLayoutId id="2147483654" r:id="rId6"/>
+    <p:sldLayoutId id="2147483655" r:id="rId7"/>
+    <p:sldLayoutId id="2147483656" r:id="rId8"/>
+    <p:sldLayoutId id="2147483657" r:id="rId9"/>
+    <p:sldLayoutId id="2147483658" r:id="rId10"/>
+    <p:sldLayoutId id="2147483659" r:id="rId11"/>
+    <p:sldLayoutId id="2147483660" r:id="rId12"/>
   </p:sldLayoutIdLst>
+  <p:txStyles>
+    <p:titleStyle>
+      <a:lvl1pPr algn="l" defTabSz="914400" rtl="0" eaLnBrk="1" latinLnBrk="0" hangingPunct="1">
+        <a:lnSpc>
+          <a:spcPct val="90000"/>
+        </a:lnSpc>
+        <a:spcBef>
+          <a:spcPct val="0"/>
+        </a:spcBef>
+        <a:buNone/>
+        <a:defRPr sz="4400" kern="1200">
+          <a:solidFill>
+            <a:schemeClr val="tx1"/>
+          </a:solidFill>
+          <a:latin typeface="+mj-lt"/>
+          <a:ea typeface="+mj-ea"/>
+          <a:cs typeface="+mj-cs"/>
+        </a:defRPr>
+      </a:lvl1pPr>
+    </p:titleStyle>
+    <p:bodyStyle>
+      <a:lvl1pPr marL="228600" indent="-228600" algn="l" defTabSz="914400" rtl="0" eaLnBrk="1" latinLnBrk="0" hangingPunct="1">
+        <a:lnSpc>
+          <a:spcPct val="90000"/>
+        </a:lnSpc>
+        <a:spcBef>
+          <a:spcPts val="1000"/>
+        </a:spcBef>
+        <a:buFont typeface="Arial" panose="020B0604020202020204" pitchFamily="34" charset="0"/>
+        <a:buChar char="•"/>
+        <a:defRPr sz="2800" kern="1200">
+          <a:solidFill>
+            <a:schemeClr val="tx1"/>
+          </a:solidFill>
+          <a:latin typeface="+mn-lt"/>
+          <a:ea typeface="+mn-ea"/>
+          <a:cs typeface="+mn-cs"/>
+        </a:defRPr>
+      </a:lvl1pPr>
+      <a:lvl2pPr marL="685800" indent="-228600" algn="l" defTabSz="914400" rtl="0" eaLnBrk="1" latinLnBrk="0" hangingPunct="1">
+        <a:lnSpc>
+          <a:spcPct val="90000"/>
+        </a:lnSpc>
+        <a:spcBef>
+          <a:spcPts val="500"/>
+        </a:spcBef>
+        <a:buFont typeface="Arial" panose="020B0604020202020204" pitchFamily="34" charset="0"/>
+        <a:buChar char="•"/>
+        <a:defRPr sz="2400" kern="1200">
+          <a:solidFill>
+            <a:schemeClr val="tx1"/>
+          </a:solidFill>
+          <a:latin typeface="+mn-lt"/>
+          <a:ea typeface="+mn-ea"/>
+          <a:cs typeface="+mn-cs"/>
+        </a:defRPr>
+      </a:lvl2pPr>
+      <a:lvl3pPr marL="1143000" indent="-228600" algn="l" defTabSz="914400" rtl="0" eaLnBrk="1" latinLnBrk="0" hangingPunct="1">
+        <a:lnSpc>
+          <a:spcPct val="90000"/>
+        </a:lnSpc>
+        <a:spcBef>
+          <a:spcPts val="500"/>
+        </a:spcBef>
+        <a:buFont typeface="Arial" panose="020B0604020202020204" pitchFamily="34" charset="0"/>
+        <a:buChar char="•"/>
+        <a:defRPr sz="2000" kern="1200">
+          <a:solidFill>
+            <a:schemeClr val="tx1"/>
+          </a:solidFill>
+          <a:latin typeface="+mn-lt"/>
+          <a:ea typeface="+mn-ea"/>
+          <a:cs typeface="+mn-cs"/>
+        </a:defRPr>
+      </a:lvl3pPr>
+      <a:lvl4pPr marL="1600200" indent="-228600" algn="l" defTabSz="914400" rtl="0" eaLnBrk="1" latinLnBrk="0" hangingPunct="1">
+        <a:lnSpc>
+          <a:spcPct val="90000"/>
+        </a:lnSpc>
+        <a:spcBef>
+          <a:spcPts val="500"/>
+        </a:spcBef>
+        <a:buFont typeface="Arial" panose="020B0604020202020204" pitchFamily="34" charset="0"/>
+        <a:buChar char="•"/>
+        <a:defRPr sz="1800" kern="1200">
+          <a:solidFill>
+            <a:schemeClr val="tx1"/>
+          </a:solidFill>
+          <a:latin typeface="+mn-lt"/>
+          <a:ea typeface="+mn-ea"/>
+          <a:cs typeface="+mn-cs"/>
+        </a:defRPr>
+      </a:lvl4pPr>
+      <a:lvl5pPr marL="2057400" indent="-228600" algn="l" defTabSz="914400" rtl="0" eaLnBrk="1" latinLnBrk="0" hangingPunct="1">
+        <a:lnSpc>
+          <a:spcPct val="90000"/>
+        </a:lnSpc>
+        <a:spcBef>
+          <a:spcPts val="500"/>
+        </a:spcBef>
+        <a:buFont typeface="Arial" panose="020B0604020202020204" pitchFamily="34" charset="0"/>
+        <a:buChar char="•"/>
+        <a:defRPr sz="1800" kern="1200">
+          <a:solidFill>
+            <a:schemeClr val="tx1"/>
+          </a:solidFill>
+          <a:latin typeface="+mn-lt"/>
+          <a:ea typeface="+mn-ea"/>
+          <a:cs typeface="+mn-cs"/>
+        </a:defRPr>
+      </a:lvl5pPr>
+      <a:lvl6pPr marL="2514600" indent="-228600" algn="l" defTabSz="914400" rtl="0" eaLnBrk="1" latinLnBrk="0" hangingPunct="1">
+        <a:lnSpc>
+          <a:spcPct val="90000"/>
+        </a:lnSpc>
+        <a:spcBef>
+          <a:spcPts val="500"/>
+        </a:spcBef>
+        <a:buFont typeface="Arial" panose="020B0604020202020204" pitchFamily="34" charset="0"/>
+        <a:buChar char="•"/>
+        <a:defRPr sz="1800" kern="1200">
+          <a:solidFill>
+            <a:schemeClr val="tx1"/>
+          </a:solidFill>
+          <a:latin typeface="+mn-lt"/>
+          <a:ea typeface="+mn-ea"/>
+          <a:cs typeface="+mn-cs"/>
+        </a:defRPr>
+      </a:lvl6pPr>
+      <a:lvl7pPr marL="2971800" indent="-228600" algn="l" defTabSz="914400" rtl="0" eaLnBrk="1" latinLnBrk="0" hangingPunct="1">
+        <a:lnSpc>
+          <a:spcPct val="90000"/>
+        </a:lnSpc>
+        <a:spcBef>
+          <a:spcPts val="500"/>
+        </a:spcBef>
+        <a:buFont typeface="Arial" panose="020B0604020202020204" pitchFamily="34" charset="0"/>
+        <a:buChar char="•"/>
+        <a:defRPr sz="1800" kern="1200">
+          <a:solidFill>
+            <a:schemeClr val="tx1"/>
+          </a:solidFill>
+          <a:latin typeface="+mn-lt"/>
+          <a:ea typeface="+mn-ea"/>
+          <a:cs typeface="+mn-cs"/>
+        </a:defRPr>
+      </a:lvl7pPr>
+      <a:lvl8pPr marL="3429000" indent="-228600" algn="l" defTabSz="914400" rtl="0" eaLnBrk="1" latinLnBrk="0" hangingPunct="1">
+        <a:lnSpc>
+          <a:spcPct val="90000"/>
+        </a:lnSpc>
+        <a:spcBef>
+          <a:spcPts val="500"/>
+        </a:spcBef>
+        <a:buFont typeface="Arial" panose="020B0604020202020204" pitchFamily="34" charset="0"/>
+        <a:buChar char="•"/>
+        <a:defRPr sz="1800" kern="1200">
+          <a:solidFill>
+            <a:schemeClr val="tx1"/>
+          </a:solidFill>
+          <a:latin typeface="+mn-lt"/>
+          <a:ea typeface="+mn-ea"/>
+          <a:cs typeface="+mn-cs"/>
+        </a:defRPr>
+      </a:lvl8pPr>
+      <a:lvl9pPr marL="3886200" indent="-228600" algn="l" defTabSz="914400" rtl="0" eaLnBrk="1" latinLnBrk="0" hangingPunct="1">
+        <a:lnSpc>
+          <a:spcPct val="90000"/>
+        </a:lnSpc>
+        <a:spcBef>
+          <a:spcPts val="500"/>
+        </a:spcBef>
+        <a:buFont typeface="Arial" panose="020B0604020202020204" pitchFamily="34" charset="0"/>
+        <a:buChar char="•"/>
+        <a:defRPr sz="1800" kern="1200">
+          <a:solidFill>
+            <a:schemeClr val="tx1"/>
+          </a:solidFill>
+          <a:latin typeface="+mn-lt"/>
+          <a:ea typeface="+mn-ea"/>
+          <a:cs typeface="+mn-cs"/>
+        </a:defRPr>
+      </a:lvl9pPr>
+    </p:bodyStyle>
+    <p:otherStyle>
+      <a:defPPr>
+        <a:defRPr lang="en-US"/>
+      </a:defPPr>
+      <a:lvl1pPr marL="0" algn="l" defTabSz="914400" rtl="0" eaLnBrk="1" latinLnBrk="0" hangingPunct="1">
+        <a:defRPr sz="1800" kern="1200">
+          <a:solidFill>
+            <a:schemeClr val="tx1"/>
+          </a:solidFill>
+          <a:latin typeface="+mn-lt"/>
+          <a:ea typeface="+mn-ea"/>
+          <a:cs typeface="+mn-cs"/>
+        </a:defRPr>
+      </a:lvl1pPr>
+      <a:lvl2pPr marL="457200" algn="l" defTabSz="914400" rtl="0" eaLnBrk="1" latinLnBrk="0" hangingPunct="1">
+        <a:defRPr sz="1800" kern="1200">
+          <a:solidFill>
+            <a:schemeClr val="tx1"/>
+          </a:solidFill>
+          <a:latin typeface="+mn-lt"/>
+          <a:ea typeface="+mn-ea"/>
+          <a:cs typeface="+mn-cs"/>
+        </a:defRPr>
+      </a:lvl2pPr>
+      <a:lvl3pPr marL="914400" algn="l" defTabSz="914400" rtl="0" eaLnBrk="1" latinLnBrk="0" hangingPunct="1">
+        <a:defRPr sz="1800" kern="1200">
+          <a:solidFill>
+            <a:schemeClr val="tx1"/>
+          </a:solidFill>
+          <a:latin typeface="+mn-lt"/>
+          <a:ea typeface="+mn-ea"/>
+          <a:cs typeface="+mn-cs"/>
+        </a:defRPr>
+      </a:lvl3pPr>
+      <a:lvl4pPr marL="1371600" algn="l" defTabSz="914400" rtl="0" eaLnBrk="1" latinLnBrk="0" hangingPunct="1">
+        <a:defRPr sz="1800" kern="1200">
+          <a:solidFill>
+            <a:schemeClr val="tx1"/>
+          </a:solidFill>
+          <a:latin typeface="+mn-lt"/>
+          <a:ea typeface="+mn-ea"/>
+          <a:cs typeface="+mn-cs"/>
+        </a:defRPr>
+      </a:lvl4pPr>
+      <a:lvl5pPr marL="1828800" algn="l" defTabSz="914400" rtl="0" eaLnBrk="1" latinLnBrk="0" hangingPunct="1">
+        <a:defRPr sz="1800" kern="1200">
+          <a:solidFill>
+            <a:schemeClr val="tx1"/>
+          </a:solidFill>
+          <a:latin typeface="+mn-lt"/>
+          <a:ea typeface="+mn-ea"/>
+          <a:cs typeface="+mn-cs"/>
+        </a:defRPr>
+      </a:lvl5pPr>
+      <a:lvl6pPr marL="2286000" algn="l" defTabSz="914400" rtl="0" eaLnBrk="1" latinLnBrk="0" hangingPunct="1">
+        <a:defRPr sz="1800" kern="1200">
+          <a:solidFill>
+            <a:schemeClr val="tx1"/>
+          </a:solidFill>
+          <a:latin typeface="+mn-lt"/>
+          <a:ea typeface="+mn-ea"/>
+          <a:cs typeface="+mn-cs"/>
+        </a:defRPr>
+      </a:lvl6pPr>
+      <a:lvl7pPr marL="2743200" algn="l" defTabSz="914400" rtl="0" eaLnBrk="1" latinLnBrk="0" hangingPunct="1">
+        <a:defRPr sz="1800" kern="1200">
+          <a:solidFill>
+            <a:schemeClr val="tx1"/>
+          </a:solidFill>
+          <a:latin typeface="+mn-lt"/>
+          <a:ea typeface="+mn-ea"/>
+          <a:cs typeface="+mn-cs"/>
+        </a:defRPr>
+      </a:lvl7pPr>
+      <a:lvl8pPr marL="3200400" algn="l" defTabSz="914400" rtl="0" eaLnBrk="1" latinLnBrk="0" hangingPunct="1">
+        <a:defRPr sz="1800" kern="1200">
+          <a:solidFill>
+            <a:schemeClr val="tx1"/>
+          </a:solidFill>
+          <a:latin typeface="+mn-lt"/>
+          <a:ea typeface="+mn-ea"/>
+          <a:cs typeface="+mn-cs"/>
+        </a:defRPr>
+      </a:lvl8pPr>
+      <a:lvl9pPr marL="3657600" algn="l" defTabSz="914400" rtl="0" eaLnBrk="1" latinLnBrk="0" hangingPunct="1">
+        <a:defRPr sz="1800" kern="1200">
+          <a:solidFill>
+            <a:schemeClr val="tx1"/>
+          </a:solidFill>
+          <a:latin typeface="+mn-lt"/>
+          <a:ea typeface="+mn-ea"/>
+          <a:cs typeface="+mn-cs"/>
+        </a:defRPr>
+      </a:lvl9pPr>
+    </p:otherStyle>
+  </p:txStyles>
 </p:sldMaster>
 </file>
 
 <file path=ppt/slideMasters/slideMaster2.xml><?xml version="1.0" encoding="utf-8"?>
-<p:sldMaster xmlns:a="http://schemas.openxmlformats.org/drawingml/2006/main" xmlns:p="http://schemas.openxmlformats.org/presentationml/2006/main" xmlns:r="http://schemas.openxmlformats.org/officeDocument/2006/relationships" xmlns:p14="http://schemas.microsoft.com/office/powerpoint/2010/main" xmlns:p15="http://schemas.microsoft.com/office/powerpoint/2012/main" xmlns:mc="http://schemas.openxmlformats.org/markup-compatibility/2006">
+<p:sldMaster xmlns:a="http://schemas.openxmlformats.org/drawingml/2006/main" xmlns:r="http://schemas.openxmlformats.org/officeDocument/2006/relationships" xmlns:p="http://schemas.openxmlformats.org/presentationml/2006/main">
   <p:cSld>
     <p:bg>
       <p:bgPr>
         <a:solidFill>
-          <a:srgbClr val="ffffff"/>
+          <a:srgbClr val="FFFFFF"/>
         </a:solidFill>
+        <a:effectLst/>
       </p:bgPr>
     </p:bg>
     <p:spTree>
@@ -5103,7 +5623,7 @@
           <p:nvPr/>
         </p:nvSpPr>
         <p:spPr>
-          <a:xfrm flipH="1" rot="10800000">
+          <a:xfrm rot="10800000" flipH="1">
             <a:off x="0" y="6402600"/>
             <a:ext cx="12190680" cy="455400"/>
           </a:xfrm>
@@ -5113,12 +5633,12 @@
           <a:gradFill rotWithShape="0">
             <a:gsLst>
               <a:gs pos="14000">
-                <a:srgbClr val="a47fba">
+                <a:srgbClr val="A47FBA">
                   <a:alpha val="28235"/>
                 </a:srgbClr>
               </a:gs>
               <a:gs pos="100000">
-                <a:srgbClr val="a096c6">
+                <a:srgbClr val="A096C6">
                   <a:alpha val="85098"/>
                 </a:srgbClr>
               </a:gs>
@@ -5161,12 +5681,12 @@
           <a:gradFill rotWithShape="0">
             <a:gsLst>
               <a:gs pos="0">
-                <a:srgbClr val="d6b2c5">
+                <a:srgbClr val="D6B2C5">
                   <a:alpha val="55294"/>
                 </a:srgbClr>
               </a:gs>
               <a:gs pos="100000">
-                <a:srgbClr val="ba7f9f"/>
+                <a:srgbClr val="BA7F9F"/>
               </a:gs>
             </a:gsLst>
             <a:lin ang="14400000"/>
@@ -5214,7 +5734,7 @@
           </a:ln>
         </p:spPr>
         <p:txBody>
-          <a:bodyPr lIns="90000" rIns="90000" tIns="45000" bIns="45000" anchor="ctr">
+          <a:bodyPr lIns="90000" tIns="45000" rIns="90000" bIns="45000" anchor="ctr">
             <a:noAutofit/>
           </a:bodyPr>
           <a:lstStyle>
@@ -5223,7 +5743,7 @@
                 <a:spcPct val="100000"/>
               </a:lnSpc>
               <a:buNone/>
-              <a:defRPr b="0" lang="en-GB" sz="1400" spc="-1" strike="noStrike">
+              <a:defRPr lang="en-GB" sz="1400" b="0" strike="noStrike" spc="-1">
                 <a:solidFill>
                   <a:srgbClr val="000000"/>
                 </a:solidFill>
@@ -5240,7 +5760,7 @@
               <a:buNone/>
             </a:pPr>
             <a:r>
-              <a:rPr b="0" lang="en-GB" sz="1400" spc="-1" strike="noStrike">
+              <a:rPr lang="en-GB" sz="1400" b="0" strike="noStrike" spc="-1">
                 <a:solidFill>
                   <a:srgbClr val="000000"/>
                 </a:solidFill>
@@ -5249,7 +5769,7 @@
               </a:rPr>
               <a:t>&lt;footer&gt;</a:t>
             </a:r>
-            <a:endParaRPr b="0" lang="en-GB" sz="1400" spc="-1" strike="noStrike">
+            <a:endParaRPr lang="en-GB" sz="1400" b="0" strike="noStrike" spc="-1">
               <a:latin typeface="Times New Roman"/>
             </a:endParaRPr>
           </a:p>
@@ -5279,7 +5799,7 @@
           </a:ln>
         </p:spPr>
         <p:txBody>
-          <a:bodyPr lIns="90000" rIns="90000" tIns="45000" bIns="45000" anchor="ctr">
+          <a:bodyPr lIns="90000" tIns="45000" rIns="90000" bIns="45000" anchor="ctr">
             <a:noAutofit/>
           </a:bodyPr>
           <a:lstStyle>
@@ -5288,9 +5808,9 @@
                 <a:spcPct val="100000"/>
               </a:lnSpc>
               <a:buNone/>
-              <a:defRPr b="0" lang="en-US" sz="800" spc="-1" strike="noStrike">
+              <a:defRPr lang="en-US" sz="800" b="0" strike="noStrike" spc="-1">
                 <a:solidFill>
-                  <a:srgbClr val="ffffff"/>
+                  <a:srgbClr val="FFFFFF"/>
                 </a:solidFill>
                 <a:latin typeface="Gill Sans Nova"/>
                 <a:ea typeface="DejaVu Sans"/>
@@ -5305,16 +5825,16 @@
               <a:buNone/>
             </a:pPr>
             <a:fld id="{2C154D8E-5063-4C92-9CA3-6993D815E973}" type="slidenum">
-              <a:rPr b="0" lang="en-US" sz="800" spc="-1" strike="noStrike">
+              <a:rPr lang="en-US" sz="800" b="0" strike="noStrike" spc="-1">
                 <a:solidFill>
-                  <a:srgbClr val="ffffff"/>
+                  <a:srgbClr val="FFFFFF"/>
                 </a:solidFill>
                 <a:latin typeface="Gill Sans Nova"/>
                 <a:ea typeface="DejaVu Sans"/>
               </a:rPr>
-              <a:t>&lt;number&gt;</a:t>
+              <a:t>‹#›</a:t>
             </a:fld>
-            <a:endParaRPr b="0" lang="en-GB" sz="800" spc="-1" strike="noStrike">
+            <a:endParaRPr lang="en-GB" sz="800" b="0" strike="noStrike" spc="-1">
               <a:latin typeface="Times New Roman"/>
             </a:endParaRPr>
           </a:p>
@@ -5344,26 +5864,23 @@
           </a:ln>
         </p:spPr>
         <p:txBody>
-          <a:bodyPr lIns="90000" rIns="90000" tIns="45000" bIns="45000" anchor="ctr">
+          <a:bodyPr lIns="90000" tIns="45000" rIns="90000" bIns="45000" anchor="ctr">
             <a:noAutofit/>
           </a:bodyPr>
           <a:lstStyle>
             <a:lvl1pPr>
-              <a:defRPr b="0" lang="en-GB" sz="1400" spc="-1" strike="noStrike">
+              <a:defRPr lang="en-GB" sz="1400" b="0" strike="noStrike" spc="-1">
                 <a:latin typeface="Times New Roman"/>
               </a:defRPr>
             </a:lvl1pPr>
           </a:lstStyle>
           <a:p>
             <a:r>
-              <a:rPr b="0" lang="en-GB" sz="1400" spc="-1" strike="noStrike">
+              <a:rPr lang="en-GB" sz="1400" b="0" strike="noStrike" spc="-1">
                 <a:latin typeface="Times New Roman"/>
               </a:rPr>
               <a:t>&lt;date/time&gt;</a:t>
             </a:r>
-            <a:endParaRPr b="0" lang="en-GB" sz="1400" spc="-1" strike="noStrike">
-              <a:latin typeface="Times New Roman"/>
-            </a:endParaRPr>
           </a:p>
         </p:txBody>
       </p:sp>
@@ -5391,22 +5908,20 @@
           </a:ln>
         </p:spPr>
         <p:txBody>
-          <a:bodyPr lIns="0" rIns="0" tIns="0" bIns="0" anchor="ctr">
+          <a:bodyPr lIns="0" tIns="0" rIns="0" bIns="0" anchor="ctr">
             <a:noAutofit/>
           </a:bodyPr>
+          <a:lstStyle/>
           <a:p>
             <a:pPr algn="ctr">
               <a:buNone/>
             </a:pPr>
             <a:r>
-              <a:rPr b="0" lang="en-GB" sz="4400" spc="-1" strike="noStrike">
+              <a:rPr lang="en-GB" sz="4400" b="0" strike="noStrike" spc="-1">
                 <a:latin typeface="Arial"/>
               </a:rPr>
               <a:t>Click to edit the title text format</a:t>
             </a:r>
-            <a:endParaRPr b="0" lang="en-GB" sz="4400" spc="-1" strike="noStrike">
-              <a:latin typeface="Arial"/>
-            </a:endParaRPr>
           </a:p>
         </p:txBody>
       </p:sp>
@@ -5434,9 +5949,10 @@
           </a:ln>
         </p:spPr>
         <p:txBody>
-          <a:bodyPr lIns="0" rIns="0" tIns="0" bIns="0" anchor="t">
+          <a:bodyPr lIns="0" tIns="0" rIns="0" bIns="0" anchor="t">
             <a:normAutofit/>
           </a:bodyPr>
+          <a:lstStyle/>
           <a:p>
             <a:pPr marL="432000" indent="-324000">
               <a:spcBef>
@@ -5450,17 +5966,14 @@
               <a:buChar char=""/>
             </a:pPr>
             <a:r>
-              <a:rPr b="0" lang="en-GB" sz="3200" spc="-1" strike="noStrike">
+              <a:rPr lang="en-GB" sz="3200" b="0" strike="noStrike" spc="-1">
                 <a:latin typeface="Arial"/>
               </a:rPr>
               <a:t>Click to edit the outline text format</a:t>
             </a:r>
-            <a:endParaRPr b="0" lang="en-GB" sz="3200" spc="-1" strike="noStrike">
-              <a:latin typeface="Arial"/>
-            </a:endParaRPr>
-          </a:p>
-          <a:p>
-            <a:pPr lvl="1" marL="864000" indent="-324000">
+          </a:p>
+          <a:p>
+            <a:pPr marL="864000" lvl="1" indent="-324000">
               <a:spcBef>
                 <a:spcPts val="1134"/>
               </a:spcBef>
@@ -5472,17 +5985,14 @@
               <a:buChar char=""/>
             </a:pPr>
             <a:r>
-              <a:rPr b="0" lang="en-GB" sz="2800" spc="-1" strike="noStrike">
+              <a:rPr lang="en-GB" sz="2800" b="0" strike="noStrike" spc="-1">
                 <a:latin typeface="Arial"/>
               </a:rPr>
               <a:t>Second Outline Level</a:t>
             </a:r>
-            <a:endParaRPr b="0" lang="en-GB" sz="2800" spc="-1" strike="noStrike">
-              <a:latin typeface="Arial"/>
-            </a:endParaRPr>
-          </a:p>
-          <a:p>
-            <a:pPr lvl="2" marL="1296000" indent="-288000">
+          </a:p>
+          <a:p>
+            <a:pPr marL="1296000" lvl="2" indent="-288000">
               <a:spcBef>
                 <a:spcPts val="850"/>
               </a:spcBef>
@@ -5494,17 +6004,14 @@
               <a:buChar char=""/>
             </a:pPr>
             <a:r>
-              <a:rPr b="0" lang="en-GB" sz="2400" spc="-1" strike="noStrike">
+              <a:rPr lang="en-GB" sz="2400" b="0" strike="noStrike" spc="-1">
                 <a:latin typeface="Arial"/>
               </a:rPr>
               <a:t>Third Outline Level</a:t>
             </a:r>
-            <a:endParaRPr b="0" lang="en-GB" sz="2400" spc="-1" strike="noStrike">
-              <a:latin typeface="Arial"/>
-            </a:endParaRPr>
-          </a:p>
-          <a:p>
-            <a:pPr lvl="3" marL="1728000" indent="-216000">
+          </a:p>
+          <a:p>
+            <a:pPr marL="1728000" lvl="3" indent="-216000">
               <a:spcBef>
                 <a:spcPts val="567"/>
               </a:spcBef>
@@ -5516,17 +6023,14 @@
               <a:buChar char=""/>
             </a:pPr>
             <a:r>
-              <a:rPr b="0" lang="en-GB" sz="2000" spc="-1" strike="noStrike">
+              <a:rPr lang="en-GB" sz="2000" b="0" strike="noStrike" spc="-1">
                 <a:latin typeface="Arial"/>
               </a:rPr>
               <a:t>Fourth Outline Level</a:t>
             </a:r>
-            <a:endParaRPr b="0" lang="en-GB" sz="2000" spc="-1" strike="noStrike">
-              <a:latin typeface="Arial"/>
-            </a:endParaRPr>
-          </a:p>
-          <a:p>
-            <a:pPr lvl="4" marL="2160000" indent="-216000">
+          </a:p>
+          <a:p>
+            <a:pPr marL="2160000" lvl="4" indent="-216000">
               <a:spcBef>
                 <a:spcPts val="283"/>
               </a:spcBef>
@@ -5538,17 +6042,14 @@
               <a:buChar char=""/>
             </a:pPr>
             <a:r>
-              <a:rPr b="0" lang="en-GB" sz="2000" spc="-1" strike="noStrike">
+              <a:rPr lang="en-GB" sz="2000" b="0" strike="noStrike" spc="-1">
                 <a:latin typeface="Arial"/>
               </a:rPr>
               <a:t>Fifth Outline Level</a:t>
             </a:r>
-            <a:endParaRPr b="0" lang="en-GB" sz="2000" spc="-1" strike="noStrike">
-              <a:latin typeface="Arial"/>
-            </a:endParaRPr>
-          </a:p>
-          <a:p>
-            <a:pPr lvl="5" marL="2592000" indent="-216000">
+          </a:p>
+          <a:p>
+            <a:pPr marL="2592000" lvl="5" indent="-216000">
               <a:spcBef>
                 <a:spcPts val="283"/>
               </a:spcBef>
@@ -5560,17 +6061,14 @@
               <a:buChar char=""/>
             </a:pPr>
             <a:r>
-              <a:rPr b="0" lang="en-GB" sz="2000" spc="-1" strike="noStrike">
+              <a:rPr lang="en-GB" sz="2000" b="0" strike="noStrike" spc="-1">
                 <a:latin typeface="Arial"/>
               </a:rPr>
               <a:t>Sixth Outline Level</a:t>
             </a:r>
-            <a:endParaRPr b="0" lang="en-GB" sz="2000" spc="-1" strike="noStrike">
-              <a:latin typeface="Arial"/>
-            </a:endParaRPr>
-          </a:p>
-          <a:p>
-            <a:pPr lvl="6" marL="3024000" indent="-216000">
+          </a:p>
+          <a:p>
+            <a:pPr marL="3024000" lvl="6" indent="-216000">
               <a:spcBef>
                 <a:spcPts val="283"/>
               </a:spcBef>
@@ -5582,45 +6080,323 @@
               <a:buChar char=""/>
             </a:pPr>
             <a:r>
-              <a:rPr b="0" lang="en-GB" sz="2000" spc="-1" strike="noStrike">
+              <a:rPr lang="en-GB" sz="2000" b="0" strike="noStrike" spc="-1">
                 <a:latin typeface="Arial"/>
               </a:rPr>
               <a:t>Seventh Outline Level</a:t>
             </a:r>
-            <a:endParaRPr b="0" lang="en-GB" sz="2000" spc="-1" strike="noStrike">
-              <a:latin typeface="Arial"/>
-            </a:endParaRPr>
           </a:p>
         </p:txBody>
       </p:sp>
     </p:spTree>
   </p:cSld>
-  <p:clrMap bg1="lt1" bg2="lt2" tx1="dk1" tx2="dk2" accent1="accent1" accent2="accent2" accent3="accent3" accent4="accent4" accent5="accent5" accent6="accent6" hlink="hlink" folHlink="folHlink"/>
+  <p:clrMap bg1="lt1" tx1="dk1" bg2="lt2" tx2="dk2" accent1="accent1" accent2="accent2" accent3="accent3" accent4="accent4" accent5="accent5" accent6="accent6" hlink="hlink" folHlink="folHlink"/>
   <p:sldLayoutIdLst>
-    <p:sldLayoutId id="2147483662" r:id="rId2"/>
-    <p:sldLayoutId id="2147483663" r:id="rId3"/>
-    <p:sldLayoutId id="2147483664" r:id="rId4"/>
-    <p:sldLayoutId id="2147483665" r:id="rId5"/>
-    <p:sldLayoutId id="2147483666" r:id="rId6"/>
-    <p:sldLayoutId id="2147483667" r:id="rId7"/>
-    <p:sldLayoutId id="2147483668" r:id="rId8"/>
-    <p:sldLayoutId id="2147483669" r:id="rId9"/>
-    <p:sldLayoutId id="2147483670" r:id="rId10"/>
-    <p:sldLayoutId id="2147483671" r:id="rId11"/>
-    <p:sldLayoutId id="2147483672" r:id="rId12"/>
-    <p:sldLayoutId id="2147483673" r:id="rId13"/>
+    <p:sldLayoutId id="2147483662" r:id="rId1"/>
+    <p:sldLayoutId id="2147483663" r:id="rId2"/>
+    <p:sldLayoutId id="2147483664" r:id="rId3"/>
+    <p:sldLayoutId id="2147483665" r:id="rId4"/>
+    <p:sldLayoutId id="2147483666" r:id="rId5"/>
+    <p:sldLayoutId id="2147483667" r:id="rId6"/>
+    <p:sldLayoutId id="2147483668" r:id="rId7"/>
+    <p:sldLayoutId id="2147483669" r:id="rId8"/>
+    <p:sldLayoutId id="2147483670" r:id="rId9"/>
+    <p:sldLayoutId id="2147483671" r:id="rId10"/>
+    <p:sldLayoutId id="2147483672" r:id="rId11"/>
+    <p:sldLayoutId id="2147483673" r:id="rId12"/>
   </p:sldLayoutIdLst>
+  <p:txStyles>
+    <p:titleStyle>
+      <a:lvl1pPr algn="l" defTabSz="914400" rtl="0" eaLnBrk="1" latinLnBrk="0" hangingPunct="1">
+        <a:lnSpc>
+          <a:spcPct val="90000"/>
+        </a:lnSpc>
+        <a:spcBef>
+          <a:spcPct val="0"/>
+        </a:spcBef>
+        <a:buNone/>
+        <a:defRPr sz="4400" kern="1200">
+          <a:solidFill>
+            <a:schemeClr val="tx1"/>
+          </a:solidFill>
+          <a:latin typeface="+mj-lt"/>
+          <a:ea typeface="+mj-ea"/>
+          <a:cs typeface="+mj-cs"/>
+        </a:defRPr>
+      </a:lvl1pPr>
+    </p:titleStyle>
+    <p:bodyStyle>
+      <a:lvl1pPr marL="228600" indent="-228600" algn="l" defTabSz="914400" rtl="0" eaLnBrk="1" latinLnBrk="0" hangingPunct="1">
+        <a:lnSpc>
+          <a:spcPct val="90000"/>
+        </a:lnSpc>
+        <a:spcBef>
+          <a:spcPts val="1000"/>
+        </a:spcBef>
+        <a:buFont typeface="Arial" panose="020B0604020202020204" pitchFamily="34" charset="0"/>
+        <a:buChar char="•"/>
+        <a:defRPr sz="2800" kern="1200">
+          <a:solidFill>
+            <a:schemeClr val="tx1"/>
+          </a:solidFill>
+          <a:latin typeface="+mn-lt"/>
+          <a:ea typeface="+mn-ea"/>
+          <a:cs typeface="+mn-cs"/>
+        </a:defRPr>
+      </a:lvl1pPr>
+      <a:lvl2pPr marL="685800" indent="-228600" algn="l" defTabSz="914400" rtl="0" eaLnBrk="1" latinLnBrk="0" hangingPunct="1">
+        <a:lnSpc>
+          <a:spcPct val="90000"/>
+        </a:lnSpc>
+        <a:spcBef>
+          <a:spcPts val="500"/>
+        </a:spcBef>
+        <a:buFont typeface="Arial" panose="020B0604020202020204" pitchFamily="34" charset="0"/>
+        <a:buChar char="•"/>
+        <a:defRPr sz="2400" kern="1200">
+          <a:solidFill>
+            <a:schemeClr val="tx1"/>
+          </a:solidFill>
+          <a:latin typeface="+mn-lt"/>
+          <a:ea typeface="+mn-ea"/>
+          <a:cs typeface="+mn-cs"/>
+        </a:defRPr>
+      </a:lvl2pPr>
+      <a:lvl3pPr marL="1143000" indent="-228600" algn="l" defTabSz="914400" rtl="0" eaLnBrk="1" latinLnBrk="0" hangingPunct="1">
+        <a:lnSpc>
+          <a:spcPct val="90000"/>
+        </a:lnSpc>
+        <a:spcBef>
+          <a:spcPts val="500"/>
+        </a:spcBef>
+        <a:buFont typeface="Arial" panose="020B0604020202020204" pitchFamily="34" charset="0"/>
+        <a:buChar char="•"/>
+        <a:defRPr sz="2000" kern="1200">
+          <a:solidFill>
+            <a:schemeClr val="tx1"/>
+          </a:solidFill>
+          <a:latin typeface="+mn-lt"/>
+          <a:ea typeface="+mn-ea"/>
+          <a:cs typeface="+mn-cs"/>
+        </a:defRPr>
+      </a:lvl3pPr>
+      <a:lvl4pPr marL="1600200" indent="-228600" algn="l" defTabSz="914400" rtl="0" eaLnBrk="1" latinLnBrk="0" hangingPunct="1">
+        <a:lnSpc>
+          <a:spcPct val="90000"/>
+        </a:lnSpc>
+        <a:spcBef>
+          <a:spcPts val="500"/>
+        </a:spcBef>
+        <a:buFont typeface="Arial" panose="020B0604020202020204" pitchFamily="34" charset="0"/>
+        <a:buChar char="•"/>
+        <a:defRPr sz="1800" kern="1200">
+          <a:solidFill>
+            <a:schemeClr val="tx1"/>
+          </a:solidFill>
+          <a:latin typeface="+mn-lt"/>
+          <a:ea typeface="+mn-ea"/>
+          <a:cs typeface="+mn-cs"/>
+        </a:defRPr>
+      </a:lvl4pPr>
+      <a:lvl5pPr marL="2057400" indent="-228600" algn="l" defTabSz="914400" rtl="0" eaLnBrk="1" latinLnBrk="0" hangingPunct="1">
+        <a:lnSpc>
+          <a:spcPct val="90000"/>
+        </a:lnSpc>
+        <a:spcBef>
+          <a:spcPts val="500"/>
+        </a:spcBef>
+        <a:buFont typeface="Arial" panose="020B0604020202020204" pitchFamily="34" charset="0"/>
+        <a:buChar char="•"/>
+        <a:defRPr sz="1800" kern="1200">
+          <a:solidFill>
+            <a:schemeClr val="tx1"/>
+          </a:solidFill>
+          <a:latin typeface="+mn-lt"/>
+          <a:ea typeface="+mn-ea"/>
+          <a:cs typeface="+mn-cs"/>
+        </a:defRPr>
+      </a:lvl5pPr>
+      <a:lvl6pPr marL="2514600" indent="-228600" algn="l" defTabSz="914400" rtl="0" eaLnBrk="1" latinLnBrk="0" hangingPunct="1">
+        <a:lnSpc>
+          <a:spcPct val="90000"/>
+        </a:lnSpc>
+        <a:spcBef>
+          <a:spcPts val="500"/>
+        </a:spcBef>
+        <a:buFont typeface="Arial" panose="020B0604020202020204" pitchFamily="34" charset="0"/>
+        <a:buChar char="•"/>
+        <a:defRPr sz="1800" kern="1200">
+          <a:solidFill>
+            <a:schemeClr val="tx1"/>
+          </a:solidFill>
+          <a:latin typeface="+mn-lt"/>
+          <a:ea typeface="+mn-ea"/>
+          <a:cs typeface="+mn-cs"/>
+        </a:defRPr>
+      </a:lvl6pPr>
+      <a:lvl7pPr marL="2971800" indent="-228600" algn="l" defTabSz="914400" rtl="0" eaLnBrk="1" latinLnBrk="0" hangingPunct="1">
+        <a:lnSpc>
+          <a:spcPct val="90000"/>
+        </a:lnSpc>
+        <a:spcBef>
+          <a:spcPts val="500"/>
+        </a:spcBef>
+        <a:buFont typeface="Arial" panose="020B0604020202020204" pitchFamily="34" charset="0"/>
+        <a:buChar char="•"/>
+        <a:defRPr sz="1800" kern="1200">
+          <a:solidFill>
+            <a:schemeClr val="tx1"/>
+          </a:solidFill>
+          <a:latin typeface="+mn-lt"/>
+          <a:ea typeface="+mn-ea"/>
+          <a:cs typeface="+mn-cs"/>
+        </a:defRPr>
+      </a:lvl7pPr>
+      <a:lvl8pPr marL="3429000" indent="-228600" algn="l" defTabSz="914400" rtl="0" eaLnBrk="1" latinLnBrk="0" hangingPunct="1">
+        <a:lnSpc>
+          <a:spcPct val="90000"/>
+        </a:lnSpc>
+        <a:spcBef>
+          <a:spcPts val="500"/>
+        </a:spcBef>
+        <a:buFont typeface="Arial" panose="020B0604020202020204" pitchFamily="34" charset="0"/>
+        <a:buChar char="•"/>
+        <a:defRPr sz="1800" kern="1200">
+          <a:solidFill>
+            <a:schemeClr val="tx1"/>
+          </a:solidFill>
+          <a:latin typeface="+mn-lt"/>
+          <a:ea typeface="+mn-ea"/>
+          <a:cs typeface="+mn-cs"/>
+        </a:defRPr>
+      </a:lvl8pPr>
+      <a:lvl9pPr marL="3886200" indent="-228600" algn="l" defTabSz="914400" rtl="0" eaLnBrk="1" latinLnBrk="0" hangingPunct="1">
+        <a:lnSpc>
+          <a:spcPct val="90000"/>
+        </a:lnSpc>
+        <a:spcBef>
+          <a:spcPts val="500"/>
+        </a:spcBef>
+        <a:buFont typeface="Arial" panose="020B0604020202020204" pitchFamily="34" charset="0"/>
+        <a:buChar char="•"/>
+        <a:defRPr sz="1800" kern="1200">
+          <a:solidFill>
+            <a:schemeClr val="tx1"/>
+          </a:solidFill>
+          <a:latin typeface="+mn-lt"/>
+          <a:ea typeface="+mn-ea"/>
+          <a:cs typeface="+mn-cs"/>
+        </a:defRPr>
+      </a:lvl9pPr>
+    </p:bodyStyle>
+    <p:otherStyle>
+      <a:defPPr>
+        <a:defRPr lang="en-US"/>
+      </a:defPPr>
+      <a:lvl1pPr marL="0" algn="l" defTabSz="914400" rtl="0" eaLnBrk="1" latinLnBrk="0" hangingPunct="1">
+        <a:defRPr sz="1800" kern="1200">
+          <a:solidFill>
+            <a:schemeClr val="tx1"/>
+          </a:solidFill>
+          <a:latin typeface="+mn-lt"/>
+          <a:ea typeface="+mn-ea"/>
+          <a:cs typeface="+mn-cs"/>
+        </a:defRPr>
+      </a:lvl1pPr>
+      <a:lvl2pPr marL="457200" algn="l" defTabSz="914400" rtl="0" eaLnBrk="1" latinLnBrk="0" hangingPunct="1">
+        <a:defRPr sz="1800" kern="1200">
+          <a:solidFill>
+            <a:schemeClr val="tx1"/>
+          </a:solidFill>
+          <a:latin typeface="+mn-lt"/>
+          <a:ea typeface="+mn-ea"/>
+          <a:cs typeface="+mn-cs"/>
+        </a:defRPr>
+      </a:lvl2pPr>
+      <a:lvl3pPr marL="914400" algn="l" defTabSz="914400" rtl="0" eaLnBrk="1" latinLnBrk="0" hangingPunct="1">
+        <a:defRPr sz="1800" kern="1200">
+          <a:solidFill>
+            <a:schemeClr val="tx1"/>
+          </a:solidFill>
+          <a:latin typeface="+mn-lt"/>
+          <a:ea typeface="+mn-ea"/>
+          <a:cs typeface="+mn-cs"/>
+        </a:defRPr>
+      </a:lvl3pPr>
+      <a:lvl4pPr marL="1371600" algn="l" defTabSz="914400" rtl="0" eaLnBrk="1" latinLnBrk="0" hangingPunct="1">
+        <a:defRPr sz="1800" kern="1200">
+          <a:solidFill>
+            <a:schemeClr val="tx1"/>
+          </a:solidFill>
+          <a:latin typeface="+mn-lt"/>
+          <a:ea typeface="+mn-ea"/>
+          <a:cs typeface="+mn-cs"/>
+        </a:defRPr>
+      </a:lvl4pPr>
+      <a:lvl5pPr marL="1828800" algn="l" defTabSz="914400" rtl="0" eaLnBrk="1" latinLnBrk="0" hangingPunct="1">
+        <a:defRPr sz="1800" kern="1200">
+          <a:solidFill>
+            <a:schemeClr val="tx1"/>
+          </a:solidFill>
+          <a:latin typeface="+mn-lt"/>
+          <a:ea typeface="+mn-ea"/>
+          <a:cs typeface="+mn-cs"/>
+        </a:defRPr>
+      </a:lvl5pPr>
+      <a:lvl6pPr marL="2286000" algn="l" defTabSz="914400" rtl="0" eaLnBrk="1" latinLnBrk="0" hangingPunct="1">
+        <a:defRPr sz="1800" kern="1200">
+          <a:solidFill>
+            <a:schemeClr val="tx1"/>
+          </a:solidFill>
+          <a:latin typeface="+mn-lt"/>
+          <a:ea typeface="+mn-ea"/>
+          <a:cs typeface="+mn-cs"/>
+        </a:defRPr>
+      </a:lvl6pPr>
+      <a:lvl7pPr marL="2743200" algn="l" defTabSz="914400" rtl="0" eaLnBrk="1" latinLnBrk="0" hangingPunct="1">
+        <a:defRPr sz="1800" kern="1200">
+          <a:solidFill>
+            <a:schemeClr val="tx1"/>
+          </a:solidFill>
+          <a:latin typeface="+mn-lt"/>
+          <a:ea typeface="+mn-ea"/>
+          <a:cs typeface="+mn-cs"/>
+        </a:defRPr>
+      </a:lvl7pPr>
+      <a:lvl8pPr marL="3200400" algn="l" defTabSz="914400" rtl="0" eaLnBrk="1" latinLnBrk="0" hangingPunct="1">
+        <a:defRPr sz="1800" kern="1200">
+          <a:solidFill>
+            <a:schemeClr val="tx1"/>
+          </a:solidFill>
+          <a:latin typeface="+mn-lt"/>
+          <a:ea typeface="+mn-ea"/>
+          <a:cs typeface="+mn-cs"/>
+        </a:defRPr>
+      </a:lvl8pPr>
+      <a:lvl9pPr marL="3657600" algn="l" defTabSz="914400" rtl="0" eaLnBrk="1" latinLnBrk="0" hangingPunct="1">
+        <a:defRPr sz="1800" kern="1200">
+          <a:solidFill>
+            <a:schemeClr val="tx1"/>
+          </a:solidFill>
+          <a:latin typeface="+mn-lt"/>
+          <a:ea typeface="+mn-ea"/>
+          <a:cs typeface="+mn-cs"/>
+        </a:defRPr>
+      </a:lvl9pPr>
+    </p:otherStyle>
+  </p:txStyles>
 </p:sldMaster>
 </file>
 
 <file path=ppt/slides/slide1.xml><?xml version="1.0" encoding="utf-8"?>
-<p:sld xmlns:a="http://schemas.openxmlformats.org/drawingml/2006/main" xmlns:p="http://schemas.openxmlformats.org/presentationml/2006/main" xmlns:r="http://schemas.openxmlformats.org/officeDocument/2006/relationships" xmlns:p14="http://schemas.microsoft.com/office/powerpoint/2010/main" xmlns:p15="http://schemas.microsoft.com/office/powerpoint/2012/main" xmlns:mc="http://schemas.openxmlformats.org/markup-compatibility/2006">
+<p:sld xmlns:a="http://schemas.openxmlformats.org/drawingml/2006/main" xmlns:r="http://schemas.openxmlformats.org/officeDocument/2006/relationships" xmlns:p="http://schemas.openxmlformats.org/presentationml/2006/main">
   <p:cSld>
     <p:bg>
       <p:bgPr>
         <a:solidFill>
-          <a:srgbClr val="ffffff"/>
+          <a:srgbClr val="FFFFFF"/>
         </a:solidFill>
+        <a:effectLst/>
       </p:bgPr>
     </p:bg>
     <p:spTree>
@@ -5680,8 +6456,8 @@
           <p:nvPr/>
         </p:nvPicPr>
         <p:blipFill>
-          <a:blip r:embed="rId1"/>
-          <a:srcRect l="18722" t="0" r="36621" b="0"/>
+          <a:blip r:embed="rId2"/>
+          <a:srcRect l="18722" r="36621"/>
           <a:stretch/>
         </p:blipFill>
         <p:spPr>
@@ -5719,7 +6495,7 @@
                 </a:srgbClr>
               </a:gs>
               <a:gs pos="100000">
-                <a:srgbClr val="ba7f9f"/>
+                <a:srgbClr val="BA7F9F"/>
               </a:gs>
             </a:gsLst>
             <a:lin ang="16800000"/>
@@ -5760,12 +6536,12 @@
           <a:gradFill rotWithShape="0">
             <a:gsLst>
               <a:gs pos="2000">
-                <a:srgbClr val="ba7f9f">
+                <a:srgbClr val="BA7F9F">
                   <a:alpha val="66274"/>
                 </a:srgbClr>
               </a:gs>
               <a:gs pos="100000">
-                <a:srgbClr val="a096c6">
+                <a:srgbClr val="A096C6">
                   <a:alpha val="37254"/>
                 </a:srgbClr>
               </a:gs>
@@ -5808,12 +6584,12 @@
           <a:gradFill rotWithShape="0">
             <a:gsLst>
               <a:gs pos="0">
-                <a:srgbClr val="7f8bba">
+                <a:srgbClr val="7F8BBA">
                   <a:alpha val="39215"/>
                 </a:srgbClr>
               </a:gs>
               <a:gs pos="100000">
-                <a:srgbClr val="a096c6">
+                <a:srgbClr val="A096C6">
                   <a:alpha val="19215"/>
                 </a:srgbClr>
               </a:gs>
@@ -5856,12 +6632,12 @@
           <a:gradFill rotWithShape="0">
             <a:gsLst>
               <a:gs pos="39000">
-                <a:srgbClr val="ede5f1">
+                <a:srgbClr val="EDE5F1">
                   <a:alpha val="0"/>
                 </a:srgbClr>
               </a:gs>
               <a:gs pos="100000">
-                <a:srgbClr val="7f8bba">
+                <a:srgbClr val="7F8BBA">
                   <a:alpha val="18039"/>
                 </a:srgbClr>
               </a:gs>
@@ -5911,9 +6687,10 @@
           </a:ln>
         </p:spPr>
         <p:txBody>
-          <a:bodyPr lIns="0" rIns="0" tIns="0" bIns="0" anchor="b">
+          <a:bodyPr lIns="0" tIns="0" rIns="0" bIns="0" anchor="b">
             <a:normAutofit/>
           </a:bodyPr>
+          <a:lstStyle/>
           <a:p>
             <a:pPr algn="r">
               <a:lnSpc>
@@ -5922,16 +6699,16 @@
               <a:buNone/>
             </a:pPr>
             <a:r>
-              <a:rPr b="1" lang="en-US" sz="4000" spc="741" strike="noStrike" cap="all">
+              <a:rPr lang="en-US" sz="4000" b="1" strike="noStrike" cap="all" spc="741">
                 <a:solidFill>
-                  <a:srgbClr val="ffffff"/>
+                  <a:srgbClr val="FFFFFF"/>
                 </a:solidFill>
                 <a:latin typeface="Gill Sans Nova"/>
                 <a:ea typeface="DejaVu Sans"/>
               </a:rPr>
               <a:t>Week 03/03/2023</a:t>
             </a:r>
-            <a:endParaRPr b="0" lang="en-GB" sz="4000" spc="-1" strike="noStrike">
+            <a:endParaRPr lang="en-GB" sz="4000" b="0" strike="noStrike" spc="-1">
               <a:latin typeface="Arial"/>
             </a:endParaRPr>
           </a:p>
@@ -5939,25 +6716,21 @@
       </p:sp>
     </p:spTree>
   </p:cSld>
-  <mc:AlternateContent>
-    <mc:Choice Requires="p14">
-      <p:transition spd="slow" p14:dur="2000"/>
-    </mc:Choice>
-    <mc:Fallback>
-      <p:transition spd="slow"/>
-    </mc:Fallback>
-  </mc:AlternateContent>
+  <p:clrMapOvr>
+    <a:masterClrMapping/>
+  </p:clrMapOvr>
 </p:sld>
 </file>
 
 <file path=ppt/slides/slide2.xml><?xml version="1.0" encoding="utf-8"?>
-<p:sld xmlns:a="http://schemas.openxmlformats.org/drawingml/2006/main" xmlns:p="http://schemas.openxmlformats.org/presentationml/2006/main" xmlns:r="http://schemas.openxmlformats.org/officeDocument/2006/relationships" xmlns:p14="http://schemas.microsoft.com/office/powerpoint/2010/main" xmlns:p15="http://schemas.microsoft.com/office/powerpoint/2012/main" xmlns:mc="http://schemas.openxmlformats.org/markup-compatibility/2006">
+<p:sld xmlns:a="http://schemas.openxmlformats.org/drawingml/2006/main" xmlns:r="http://schemas.openxmlformats.org/officeDocument/2006/relationships" xmlns:p="http://schemas.openxmlformats.org/presentationml/2006/main">
   <p:cSld>
     <p:bg>
       <p:bgPr>
         <a:solidFill>
-          <a:srgbClr val="ffffff"/>
+          <a:srgbClr val="FFFFFF"/>
         </a:solidFill>
+        <a:effectLst/>
       </p:bgPr>
     </p:bg>
     <p:spTree>
@@ -5981,7 +6754,7 @@
           <p:nvPr/>
         </p:nvSpPr>
         <p:spPr>
-          <a:xfrm flipH="1" rot="10800000">
+          <a:xfrm rot="10800000" flipH="1">
             <a:off x="0" y="6402240"/>
             <a:ext cx="12190680" cy="455400"/>
           </a:xfrm>
@@ -5991,12 +6764,12 @@
           <a:gradFill rotWithShape="0">
             <a:gsLst>
               <a:gs pos="14000">
-                <a:srgbClr val="a47fba">
+                <a:srgbClr val="A47FBA">
                   <a:alpha val="28235"/>
                 </a:srgbClr>
               </a:gs>
               <a:gs pos="100000">
-                <a:srgbClr val="a096c6">
+                <a:srgbClr val="A096C6">
                   <a:alpha val="85098"/>
                 </a:srgbClr>
               </a:gs>
@@ -6039,12 +6812,12 @@
           <a:gradFill rotWithShape="0">
             <a:gsLst>
               <a:gs pos="0">
-                <a:srgbClr val="d6b2c5">
+                <a:srgbClr val="D6B2C5">
                   <a:alpha val="55294"/>
                 </a:srgbClr>
               </a:gs>
               <a:gs pos="100000">
-                <a:srgbClr val="ba7f9f"/>
+                <a:srgbClr val="BA7F9F"/>
               </a:gs>
             </a:gsLst>
             <a:lin ang="14400000"/>
@@ -6121,10 +6894,10 @@
           <a:gradFill rotWithShape="0">
             <a:gsLst>
               <a:gs pos="0">
-                <a:srgbClr val="a096c6"/>
+                <a:srgbClr val="A096C6"/>
               </a:gs>
               <a:gs pos="100000">
-                <a:srgbClr val="7f8bba"/>
+                <a:srgbClr val="7F8BBA"/>
               </a:gs>
             </a:gsLst>
             <a:lin ang="14400000"/>
@@ -6165,10 +6938,10 @@
           <a:gradFill rotWithShape="0">
             <a:gsLst>
               <a:gs pos="1000">
-                <a:srgbClr val="ba7f9f"/>
+                <a:srgbClr val="BA7F9F"/>
               </a:gs>
               <a:gs pos="100000">
-                <a:srgbClr val="a096c6">
+                <a:srgbClr val="A096C6">
                   <a:alpha val="17254"/>
                 </a:srgbClr>
               </a:gs>
@@ -6211,12 +6984,12 @@
           <a:gradFill rotWithShape="0">
             <a:gsLst>
               <a:gs pos="0">
-                <a:srgbClr val="a47fba">
+                <a:srgbClr val="A47FBA">
                   <a:alpha val="0"/>
                 </a:srgbClr>
               </a:gs>
               <a:gs pos="100000">
-                <a:srgbClr val="7f8bba">
+                <a:srgbClr val="7F8BBA">
                   <a:alpha val="59215"/>
                 </a:srgbClr>
               </a:gs>
@@ -6266,9 +7039,10 @@
           </a:ln>
         </p:spPr>
         <p:txBody>
-          <a:bodyPr lIns="0" rIns="0" tIns="0" bIns="0" anchor="ctr">
+          <a:bodyPr lIns="0" tIns="0" rIns="0" bIns="0" anchor="ctr">
             <a:normAutofit/>
           </a:bodyPr>
+          <a:lstStyle/>
           <a:p>
             <a:pPr>
               <a:lnSpc>
@@ -6277,16 +7051,16 @@
               <a:buNone/>
             </a:pPr>
             <a:r>
-              <a:rPr b="1" lang="en-US" sz="2200" spc="741" strike="noStrike" cap="all">
+              <a:rPr lang="en-US" sz="2200" b="1" strike="noStrike" cap="all" spc="741">
                 <a:solidFill>
-                  <a:srgbClr val="ffffff"/>
+                  <a:srgbClr val="FFFFFF"/>
                 </a:solidFill>
                 <a:latin typeface="Gill Sans Nova"/>
                 <a:ea typeface="DejaVu Sans"/>
               </a:rPr>
               <a:t>Univariate linear regression</a:t>
             </a:r>
-            <a:endParaRPr b="0" lang="en-GB" sz="2200" spc="-1" strike="noStrike">
+            <a:endParaRPr lang="en-GB" sz="2200" b="0" strike="noStrike" spc="-1">
               <a:latin typeface="Arial"/>
             </a:endParaRPr>
           </a:p>
@@ -6294,30 +7068,7 @@
       </p:sp>
       <p:pic>
         <p:nvPicPr>
-          <p:cNvPr id="100" name="Picture 4" descr=""/>
-          <p:cNvPicPr/>
-          <p:nvPr/>
-        </p:nvPicPr>
-        <p:blipFill>
-          <a:blip r:embed="rId1"/>
-          <a:stretch/>
-        </p:blipFill>
-        <p:spPr>
-          <a:xfrm>
-            <a:off x="1243440" y="2263320"/>
-            <a:ext cx="4577760" cy="3751560"/>
-          </a:xfrm>
-          <a:prstGeom prst="rect">
-            <a:avLst/>
-          </a:prstGeom>
-          <a:ln w="0">
-            <a:noFill/>
-          </a:ln>
-        </p:spPr>
-      </p:pic>
-      <p:pic>
-        <p:nvPicPr>
-          <p:cNvPr id="101" name="Picture 3" descr=""/>
+          <p:cNvPr id="100" name="Picture 4"/>
           <p:cNvPicPr/>
           <p:nvPr/>
         </p:nvPicPr>
@@ -6327,6 +7078,29 @@
         </p:blipFill>
         <p:spPr>
           <a:xfrm>
+            <a:off x="1243440" y="2263320"/>
+            <a:ext cx="4577760" cy="3751560"/>
+          </a:xfrm>
+          <a:prstGeom prst="rect">
+            <a:avLst/>
+          </a:prstGeom>
+          <a:ln w="0">
+            <a:noFill/>
+          </a:ln>
+        </p:spPr>
+      </p:pic>
+      <p:pic>
+        <p:nvPicPr>
+          <p:cNvPr id="101" name="Picture 3"/>
+          <p:cNvPicPr/>
+          <p:nvPr/>
+        </p:nvPicPr>
+        <p:blipFill>
+          <a:blip r:embed="rId3"/>
+          <a:stretch/>
+        </p:blipFill>
+        <p:spPr>
+          <a:xfrm>
             <a:off x="6271920" y="2368800"/>
             <a:ext cx="4623480" cy="3598200"/>
           </a:xfrm>
@@ -6340,25 +7114,21 @@
       </p:pic>
     </p:spTree>
   </p:cSld>
-  <mc:AlternateContent>
-    <mc:Choice Requires="p14">
-      <p:transition spd="slow" p14:dur="2000"/>
-    </mc:Choice>
-    <mc:Fallback>
-      <p:transition spd="slow"/>
-    </mc:Fallback>
-  </mc:AlternateContent>
+  <p:clrMapOvr>
+    <a:masterClrMapping/>
+  </p:clrMapOvr>
 </p:sld>
 </file>
 
 <file path=ppt/slides/slide3.xml><?xml version="1.0" encoding="utf-8"?>
-<p:sld xmlns:a="http://schemas.openxmlformats.org/drawingml/2006/main" xmlns:p="http://schemas.openxmlformats.org/presentationml/2006/main" xmlns:r="http://schemas.openxmlformats.org/officeDocument/2006/relationships" xmlns:p14="http://schemas.microsoft.com/office/powerpoint/2010/main" xmlns:p15="http://schemas.microsoft.com/office/powerpoint/2012/main" xmlns:mc="http://schemas.openxmlformats.org/markup-compatibility/2006">
+<p:sld xmlns:a="http://schemas.openxmlformats.org/drawingml/2006/main" xmlns:r="http://schemas.openxmlformats.org/officeDocument/2006/relationships" xmlns:p="http://schemas.openxmlformats.org/presentationml/2006/main">
   <p:cSld>
     <p:bg>
       <p:bgPr>
         <a:solidFill>
-          <a:srgbClr val="ffffff"/>
+          <a:srgbClr val="FFFFFF"/>
         </a:solidFill>
+        <a:effectLst/>
       </p:bgPr>
     </p:bg>
     <p:spTree>
@@ -6382,7 +7152,7 @@
           <p:nvPr/>
         </p:nvSpPr>
         <p:spPr>
-          <a:xfrm flipH="1" rot="10800000">
+          <a:xfrm rot="10800000" flipH="1">
             <a:off x="0" y="6402240"/>
             <a:ext cx="12190680" cy="455400"/>
           </a:xfrm>
@@ -6392,12 +7162,12 @@
           <a:gradFill rotWithShape="0">
             <a:gsLst>
               <a:gs pos="14000">
-                <a:srgbClr val="a47fba">
+                <a:srgbClr val="A47FBA">
                   <a:alpha val="28235"/>
                 </a:srgbClr>
               </a:gs>
               <a:gs pos="100000">
-                <a:srgbClr val="a096c6">
+                <a:srgbClr val="A096C6">
                   <a:alpha val="85098"/>
                 </a:srgbClr>
               </a:gs>
@@ -6440,12 +7210,12 @@
           <a:gradFill rotWithShape="0">
             <a:gsLst>
               <a:gs pos="0">
-                <a:srgbClr val="d6b2c5">
+                <a:srgbClr val="D6B2C5">
                   <a:alpha val="55294"/>
                 </a:srgbClr>
               </a:gs>
               <a:gs pos="100000">
-                <a:srgbClr val="ba7f9f"/>
+                <a:srgbClr val="BA7F9F"/>
               </a:gs>
             </a:gsLst>
             <a:lin ang="14400000"/>
@@ -6522,10 +7292,10 @@
           <a:gradFill rotWithShape="0">
             <a:gsLst>
               <a:gs pos="0">
-                <a:srgbClr val="a096c6"/>
+                <a:srgbClr val="A096C6"/>
               </a:gs>
               <a:gs pos="100000">
-                <a:srgbClr val="7f8bba"/>
+                <a:srgbClr val="7F8BBA"/>
               </a:gs>
             </a:gsLst>
             <a:lin ang="14400000"/>
@@ -6566,10 +7336,10 @@
           <a:gradFill rotWithShape="0">
             <a:gsLst>
               <a:gs pos="1000">
-                <a:srgbClr val="ba7f9f"/>
+                <a:srgbClr val="BA7F9F"/>
               </a:gs>
               <a:gs pos="100000">
-                <a:srgbClr val="a096c6">
+                <a:srgbClr val="A096C6">
                   <a:alpha val="17254"/>
                 </a:srgbClr>
               </a:gs>
@@ -6612,12 +7382,12 @@
           <a:gradFill rotWithShape="0">
             <a:gsLst>
               <a:gs pos="0">
-                <a:srgbClr val="a47fba">
+                <a:srgbClr val="A47FBA">
                   <a:alpha val="0"/>
                 </a:srgbClr>
               </a:gs>
               <a:gs pos="100000">
-                <a:srgbClr val="7f8bba">
+                <a:srgbClr val="7F8BBA">
                   <a:alpha val="59215"/>
                 </a:srgbClr>
               </a:gs>
@@ -6667,9 +7437,10 @@
           </a:ln>
         </p:spPr>
         <p:txBody>
-          <a:bodyPr lIns="0" rIns="0" tIns="0" bIns="0" anchor="ctr">
+          <a:bodyPr lIns="0" tIns="0" rIns="0" bIns="0" anchor="ctr">
             <a:normAutofit/>
           </a:bodyPr>
+          <a:lstStyle/>
           <a:p>
             <a:pPr>
               <a:lnSpc>
@@ -6678,16 +7449,16 @@
               <a:buNone/>
             </a:pPr>
             <a:r>
-              <a:rPr b="1" lang="en-US" sz="2200" spc="741" strike="noStrike" cap="all">
+              <a:rPr lang="en-US" sz="2200" b="1" strike="noStrike" cap="all" spc="741">
                 <a:solidFill>
-                  <a:srgbClr val="ffffff"/>
+                  <a:srgbClr val="FFFFFF"/>
                 </a:solidFill>
                 <a:latin typeface="Gill Sans Nova"/>
                 <a:ea typeface="DejaVu Sans"/>
               </a:rPr>
               <a:t>Extension to multivariate linear regression</a:t>
             </a:r>
-            <a:endParaRPr b="0" lang="en-GB" sz="2200" spc="-1" strike="noStrike">
+            <a:endParaRPr lang="en-GB" sz="2200" b="0" strike="noStrike" spc="-1">
               <a:latin typeface="Arial"/>
             </a:endParaRPr>
           </a:p>
@@ -6695,30 +7466,7 @@
       </p:sp>
       <p:pic>
         <p:nvPicPr>
-          <p:cNvPr id="109" name="Picture 4" descr=""/>
-          <p:cNvPicPr/>
-          <p:nvPr/>
-        </p:nvPicPr>
-        <p:blipFill>
-          <a:blip r:embed="rId1"/>
-          <a:stretch/>
-        </p:blipFill>
-        <p:spPr>
-          <a:xfrm>
-            <a:off x="1116000" y="2263320"/>
-            <a:ext cx="4832640" cy="3751560"/>
-          </a:xfrm>
-          <a:prstGeom prst="rect">
-            <a:avLst/>
-          </a:prstGeom>
-          <a:ln w="0">
-            <a:noFill/>
-          </a:ln>
-        </p:spPr>
-      </p:pic>
-      <p:pic>
-        <p:nvPicPr>
-          <p:cNvPr id="110" name="Picture 3" descr=""/>
+          <p:cNvPr id="109" name="Picture 4"/>
           <p:cNvPicPr/>
           <p:nvPr/>
         </p:nvPicPr>
@@ -6728,6 +7476,29 @@
         </p:blipFill>
         <p:spPr>
           <a:xfrm>
+            <a:off x="1116000" y="2263320"/>
+            <a:ext cx="4832640" cy="3751560"/>
+          </a:xfrm>
+          <a:prstGeom prst="rect">
+            <a:avLst/>
+          </a:prstGeom>
+          <a:ln w="0">
+            <a:noFill/>
+          </a:ln>
+        </p:spPr>
+      </p:pic>
+      <p:pic>
+        <p:nvPicPr>
+          <p:cNvPr id="110" name="Picture 3"/>
+          <p:cNvPicPr/>
+          <p:nvPr/>
+        </p:nvPicPr>
+        <p:blipFill>
+          <a:blip r:embed="rId3"/>
+          <a:stretch/>
+        </p:blipFill>
+        <p:spPr>
+          <a:xfrm>
             <a:off x="6271920" y="2263320"/>
             <a:ext cx="4623480" cy="3808800"/>
           </a:xfrm>
@@ -6759,15 +7530,22 @@
           </a:ln>
         </p:spPr>
         <p:style>
-          <a:lnRef idx="0"/>
-          <a:fillRef idx="0"/>
-          <a:effectRef idx="0"/>
+          <a:lnRef idx="0">
+            <a:scrgbClr r="0" g="0" b="0"/>
+          </a:lnRef>
+          <a:fillRef idx="0">
+            <a:scrgbClr r="0" g="0" b="0"/>
+          </a:fillRef>
+          <a:effectRef idx="0">
+            <a:scrgbClr r="0" g="0" b="0"/>
+          </a:effectRef>
           <a:fontRef idx="minor"/>
         </p:style>
         <p:txBody>
-          <a:bodyPr wrap="none" lIns="90000" rIns="90000" tIns="45000" bIns="45000" anchor="t">
+          <a:bodyPr wrap="none" lIns="90000" tIns="45000" rIns="90000" bIns="45000" anchor="t">
             <a:spAutoFit/>
           </a:bodyPr>
+          <a:lstStyle/>
           <a:p>
             <a:pPr>
               <a:lnSpc>
@@ -6776,16 +7554,16 @@
               <a:buNone/>
             </a:pPr>
             <a:r>
-              <a:rPr b="0" lang="en-US" sz="1800" spc="-1" strike="noStrike">
+              <a:rPr lang="en-US" sz="1800" b="0" strike="noStrike" spc="-1">
                 <a:solidFill>
-                  <a:srgbClr val="ffffff"/>
+                  <a:srgbClr val="FFFFFF"/>
                 </a:solidFill>
                 <a:latin typeface="Gill Sans Nova"/>
                 <a:ea typeface="DejaVu Sans"/>
               </a:rPr>
               <a:t>BIVARIATE</a:t>
             </a:r>
-            <a:endParaRPr b="0" lang="en-GB" sz="1800" spc="-1" strike="noStrike">
+            <a:endParaRPr lang="en-GB" sz="1800" b="0" strike="noStrike" spc="-1">
               <a:latin typeface="Arial"/>
             </a:endParaRPr>
           </a:p>
@@ -6793,25 +7571,21 @@
       </p:sp>
     </p:spTree>
   </p:cSld>
-  <mc:AlternateContent>
-    <mc:Choice Requires="p14">
-      <p:transition spd="slow" p14:dur="2000"/>
-    </mc:Choice>
-    <mc:Fallback>
-      <p:transition spd="slow"/>
-    </mc:Fallback>
-  </mc:AlternateContent>
+  <p:clrMapOvr>
+    <a:masterClrMapping/>
+  </p:clrMapOvr>
 </p:sld>
 </file>
 
 <file path=ppt/slides/slide4.xml><?xml version="1.0" encoding="utf-8"?>
-<p:sld xmlns:a="http://schemas.openxmlformats.org/drawingml/2006/main" xmlns:p="http://schemas.openxmlformats.org/presentationml/2006/main" xmlns:r="http://schemas.openxmlformats.org/officeDocument/2006/relationships" xmlns:p14="http://schemas.microsoft.com/office/powerpoint/2010/main" xmlns:p15="http://schemas.microsoft.com/office/powerpoint/2012/main" xmlns:mc="http://schemas.openxmlformats.org/markup-compatibility/2006">
+<p:sld xmlns:a="http://schemas.openxmlformats.org/drawingml/2006/main" xmlns:r="http://schemas.openxmlformats.org/officeDocument/2006/relationships" xmlns:p="http://schemas.openxmlformats.org/presentationml/2006/main">
   <p:cSld>
     <p:bg>
       <p:bgPr>
         <a:solidFill>
-          <a:srgbClr val="ffffff"/>
+          <a:srgbClr val="FFFFFF"/>
         </a:solidFill>
+        <a:effectLst/>
       </p:bgPr>
     </p:bg>
     <p:spTree>
@@ -6835,7 +7609,7 @@
           <p:nvPr/>
         </p:nvSpPr>
         <p:spPr>
-          <a:xfrm flipH="1" rot="10800000">
+          <a:xfrm rot="10800000" flipH="1">
             <a:off x="0" y="6402240"/>
             <a:ext cx="12190680" cy="455400"/>
           </a:xfrm>
@@ -6845,12 +7619,12 @@
           <a:gradFill rotWithShape="0">
             <a:gsLst>
               <a:gs pos="14000">
-                <a:srgbClr val="a47fba">
+                <a:srgbClr val="A47FBA">
                   <a:alpha val="28235"/>
                 </a:srgbClr>
               </a:gs>
               <a:gs pos="100000">
-                <a:srgbClr val="a096c6">
+                <a:srgbClr val="A096C6">
                   <a:alpha val="85098"/>
                 </a:srgbClr>
               </a:gs>
@@ -6893,12 +7667,12 @@
           <a:gradFill rotWithShape="0">
             <a:gsLst>
               <a:gs pos="0">
-                <a:srgbClr val="d6b2c5">
+                <a:srgbClr val="D6B2C5">
                   <a:alpha val="55294"/>
                 </a:srgbClr>
               </a:gs>
               <a:gs pos="100000">
-                <a:srgbClr val="ba7f9f"/>
+                <a:srgbClr val="BA7F9F"/>
               </a:gs>
             </a:gsLst>
             <a:lin ang="14400000"/>
@@ -6975,10 +7749,10 @@
           <a:gradFill rotWithShape="0">
             <a:gsLst>
               <a:gs pos="0">
-                <a:srgbClr val="a096c6"/>
+                <a:srgbClr val="A096C6"/>
               </a:gs>
               <a:gs pos="100000">
-                <a:srgbClr val="7f8bba"/>
+                <a:srgbClr val="7F8BBA"/>
               </a:gs>
             </a:gsLst>
             <a:lin ang="14400000"/>
@@ -7019,10 +7793,10 @@
           <a:gradFill rotWithShape="0">
             <a:gsLst>
               <a:gs pos="1000">
-                <a:srgbClr val="ba7f9f"/>
+                <a:srgbClr val="BA7F9F"/>
               </a:gs>
               <a:gs pos="100000">
-                <a:srgbClr val="a096c6">
+                <a:srgbClr val="A096C6">
                   <a:alpha val="17254"/>
                 </a:srgbClr>
               </a:gs>
@@ -7065,12 +7839,12 @@
           <a:gradFill rotWithShape="0">
             <a:gsLst>
               <a:gs pos="0">
-                <a:srgbClr val="a47fba">
+                <a:srgbClr val="A47FBA">
                   <a:alpha val="0"/>
                 </a:srgbClr>
               </a:gs>
               <a:gs pos="100000">
-                <a:srgbClr val="7f8bba">
+                <a:srgbClr val="7F8BBA">
                   <a:alpha val="59215"/>
                 </a:srgbClr>
               </a:gs>
@@ -7120,9 +7894,10 @@
           </a:ln>
         </p:spPr>
         <p:txBody>
-          <a:bodyPr lIns="0" rIns="0" tIns="0" bIns="0" anchor="ctr">
+          <a:bodyPr lIns="0" tIns="0" rIns="0" bIns="0" anchor="ctr">
             <a:normAutofit/>
           </a:bodyPr>
+          <a:lstStyle/>
           <a:p>
             <a:pPr>
               <a:lnSpc>
@@ -7131,16 +7906,16 @@
               <a:buNone/>
             </a:pPr>
             <a:r>
-              <a:rPr b="1" lang="en-US" sz="2200" spc="741" strike="noStrike" cap="all">
+              <a:rPr lang="en-US" sz="2200" b="1" strike="noStrike" cap="all" spc="741">
                 <a:solidFill>
-                  <a:srgbClr val="ffffff"/>
+                  <a:srgbClr val="FFFFFF"/>
                 </a:solidFill>
                 <a:latin typeface="Gill Sans Nova"/>
                 <a:ea typeface="DejaVu Sans"/>
               </a:rPr>
               <a:t>Extension to multivariate linear regression</a:t>
             </a:r>
-            <a:endParaRPr b="0" lang="en-GB" sz="2200" spc="-1" strike="noStrike">
+            <a:endParaRPr lang="en-GB" sz="2200" b="0" strike="noStrike" spc="-1">
               <a:latin typeface="Arial"/>
             </a:endParaRPr>
           </a:p>
@@ -7166,15 +7941,22 @@
           </a:ln>
         </p:spPr>
         <p:style>
-          <a:lnRef idx="0"/>
-          <a:fillRef idx="0"/>
-          <a:effectRef idx="0"/>
+          <a:lnRef idx="0">
+            <a:scrgbClr r="0" g="0" b="0"/>
+          </a:lnRef>
+          <a:fillRef idx="0">
+            <a:scrgbClr r="0" g="0" b="0"/>
+          </a:fillRef>
+          <a:effectRef idx="0">
+            <a:scrgbClr r="0" g="0" b="0"/>
+          </a:effectRef>
           <a:fontRef idx="minor"/>
         </p:style>
         <p:txBody>
-          <a:bodyPr wrap="none" lIns="90000" rIns="90000" tIns="45000" bIns="45000" anchor="t">
+          <a:bodyPr wrap="none" lIns="90000" tIns="45000" rIns="90000" bIns="45000" anchor="t">
             <a:spAutoFit/>
           </a:bodyPr>
+          <a:lstStyle/>
           <a:p>
             <a:pPr>
               <a:lnSpc>
@@ -7183,16 +7965,16 @@
               <a:buNone/>
             </a:pPr>
             <a:r>
-              <a:rPr b="0" lang="en-US" sz="1800" spc="-1" strike="noStrike">
+              <a:rPr lang="en-US" sz="1800" b="0" strike="noStrike" spc="-1">
                 <a:solidFill>
-                  <a:srgbClr val="ffffff"/>
+                  <a:srgbClr val="FFFFFF"/>
                 </a:solidFill>
                 <a:latin typeface="Gill Sans Nova"/>
                 <a:ea typeface="DejaVu Sans"/>
               </a:rPr>
               <a:t>3 DIMENSIONS</a:t>
             </a:r>
-            <a:endParaRPr b="0" lang="en-GB" sz="1800" spc="-1" strike="noStrike">
+            <a:endParaRPr lang="en-GB" sz="1800" b="0" strike="noStrike" spc="-1">
               <a:latin typeface="Arial"/>
             </a:endParaRPr>
           </a:p>
@@ -7200,30 +7982,7 @@
       </p:sp>
       <p:pic>
         <p:nvPicPr>
-          <p:cNvPr id="120" name="" descr=""/>
-          <p:cNvPicPr/>
-          <p:nvPr/>
-        </p:nvPicPr>
-        <p:blipFill>
-          <a:blip r:embed="rId1"/>
-          <a:stretch/>
-        </p:blipFill>
-        <p:spPr>
-          <a:xfrm>
-            <a:off x="900000" y="2243160"/>
-            <a:ext cx="5002200" cy="3516480"/>
-          </a:xfrm>
-          <a:prstGeom prst="rect">
-            <a:avLst/>
-          </a:prstGeom>
-          <a:ln w="0">
-            <a:noFill/>
-          </a:ln>
-        </p:spPr>
-      </p:pic>
-      <p:pic>
-        <p:nvPicPr>
-          <p:cNvPr id="121" name="" descr=""/>
+          <p:cNvPr id="120" name="Picture 119"/>
           <p:cNvPicPr/>
           <p:nvPr/>
         </p:nvPicPr>
@@ -7233,8 +7992,8 @@
         </p:blipFill>
         <p:spPr>
           <a:xfrm>
-            <a:off x="6660000" y="2243160"/>
-            <a:ext cx="4837320" cy="3516480"/>
+            <a:off x="900000" y="2243160"/>
+            <a:ext cx="5002200" cy="3516480"/>
           </a:xfrm>
           <a:prstGeom prst="rect">
             <a:avLst/>
@@ -7246,7 +8005,7 @@
       </p:pic>
       <p:pic>
         <p:nvPicPr>
-          <p:cNvPr id="122" name="" descr=""/>
+          <p:cNvPr id="121" name="Picture 120"/>
           <p:cNvPicPr/>
           <p:nvPr/>
         </p:nvPicPr>
@@ -7256,6 +8015,29 @@
         </p:blipFill>
         <p:spPr>
           <a:xfrm>
+            <a:off x="6660000" y="2243160"/>
+            <a:ext cx="4837320" cy="3516480"/>
+          </a:xfrm>
+          <a:prstGeom prst="rect">
+            <a:avLst/>
+          </a:prstGeom>
+          <a:ln w="0">
+            <a:noFill/>
+          </a:ln>
+        </p:spPr>
+      </p:pic>
+      <p:pic>
+        <p:nvPicPr>
+          <p:cNvPr id="122" name="Picture 121"/>
+          <p:cNvPicPr/>
+          <p:nvPr/>
+        </p:nvPicPr>
+        <p:blipFill>
+          <a:blip r:embed="rId4"/>
+          <a:stretch/>
+        </p:blipFill>
+        <p:spPr>
+          <a:xfrm>
             <a:off x="4844880" y="5940000"/>
             <a:ext cx="2894760" cy="885240"/>
           </a:xfrm>
@@ -7269,25 +8051,21 @@
       </p:pic>
     </p:spTree>
   </p:cSld>
-  <mc:AlternateContent>
-    <mc:Choice Requires="p14">
-      <p:transition spd="slow" p14:dur="2000"/>
-    </mc:Choice>
-    <mc:Fallback>
-      <p:transition spd="slow"/>
-    </mc:Fallback>
-  </mc:AlternateContent>
+  <p:clrMapOvr>
+    <a:masterClrMapping/>
+  </p:clrMapOvr>
 </p:sld>
 </file>
 
 <file path=ppt/slides/slide5.xml><?xml version="1.0" encoding="utf-8"?>
-<p:sld xmlns:a="http://schemas.openxmlformats.org/drawingml/2006/main" xmlns:p="http://schemas.openxmlformats.org/presentationml/2006/main" xmlns:r="http://schemas.openxmlformats.org/officeDocument/2006/relationships" xmlns:p14="http://schemas.microsoft.com/office/powerpoint/2010/main" xmlns:p15="http://schemas.microsoft.com/office/powerpoint/2012/main" xmlns:mc="http://schemas.openxmlformats.org/markup-compatibility/2006">
+<p:sld xmlns:a="http://schemas.openxmlformats.org/drawingml/2006/main" xmlns:r="http://schemas.openxmlformats.org/officeDocument/2006/relationships" xmlns:p="http://schemas.openxmlformats.org/presentationml/2006/main">
   <p:cSld>
     <p:bg>
       <p:bgPr>
         <a:solidFill>
-          <a:srgbClr val="ffffff"/>
+          <a:srgbClr val="FFFFFF"/>
         </a:solidFill>
+        <a:effectLst/>
       </p:bgPr>
     </p:bg>
     <p:spTree>
@@ -7311,7 +8089,7 @@
           <p:nvPr/>
         </p:nvSpPr>
         <p:spPr>
-          <a:xfrm flipH="1" rot="10800000">
+          <a:xfrm rot="10800000" flipH="1">
             <a:off x="0" y="6402240"/>
             <a:ext cx="12190680" cy="455400"/>
           </a:xfrm>
@@ -7321,12 +8099,12 @@
           <a:gradFill rotWithShape="0">
             <a:gsLst>
               <a:gs pos="14000">
-                <a:srgbClr val="a47fba">
+                <a:srgbClr val="A47FBA">
                   <a:alpha val="28235"/>
                 </a:srgbClr>
               </a:gs>
               <a:gs pos="100000">
-                <a:srgbClr val="a096c6">
+                <a:srgbClr val="A096C6">
                   <a:alpha val="85098"/>
                 </a:srgbClr>
               </a:gs>
@@ -7369,12 +8147,12 @@
           <a:gradFill rotWithShape="0">
             <a:gsLst>
               <a:gs pos="0">
-                <a:srgbClr val="d6b2c5">
+                <a:srgbClr val="D6B2C5">
                   <a:alpha val="55294"/>
                 </a:srgbClr>
               </a:gs>
               <a:gs pos="100000">
-                <a:srgbClr val="ba7f9f"/>
+                <a:srgbClr val="BA7F9F"/>
               </a:gs>
             </a:gsLst>
             <a:lin ang="14400000"/>
@@ -7451,10 +8229,10 @@
           <a:gradFill rotWithShape="0">
             <a:gsLst>
               <a:gs pos="0">
-                <a:srgbClr val="a096c6"/>
+                <a:srgbClr val="A096C6"/>
               </a:gs>
               <a:gs pos="100000">
-                <a:srgbClr val="7f8bba"/>
+                <a:srgbClr val="7F8BBA"/>
               </a:gs>
             </a:gsLst>
             <a:lin ang="14400000"/>
@@ -7495,10 +8273,10 @@
           <a:gradFill rotWithShape="0">
             <a:gsLst>
               <a:gs pos="1000">
-                <a:srgbClr val="ba7f9f"/>
+                <a:srgbClr val="BA7F9F"/>
               </a:gs>
               <a:gs pos="100000">
-                <a:srgbClr val="a096c6">
+                <a:srgbClr val="A096C6">
                   <a:alpha val="17254"/>
                 </a:srgbClr>
               </a:gs>
@@ -7541,12 +8319,12 @@
           <a:gradFill rotWithShape="0">
             <a:gsLst>
               <a:gs pos="0">
-                <a:srgbClr val="a47fba">
+                <a:srgbClr val="A47FBA">
                   <a:alpha val="0"/>
                 </a:srgbClr>
               </a:gs>
               <a:gs pos="100000">
-                <a:srgbClr val="7f8bba">
+                <a:srgbClr val="7F8BBA">
                   <a:alpha val="59215"/>
                 </a:srgbClr>
               </a:gs>
@@ -7596,9 +8374,10 @@
           </a:ln>
         </p:spPr>
         <p:txBody>
-          <a:bodyPr lIns="0" rIns="0" tIns="0" bIns="0" anchor="ctr">
+          <a:bodyPr lIns="0" tIns="0" rIns="0" bIns="0" anchor="ctr">
             <a:normAutofit/>
           </a:bodyPr>
+          <a:lstStyle/>
           <a:p>
             <a:pPr>
               <a:lnSpc>
@@ -7607,16 +8386,16 @@
               <a:buNone/>
             </a:pPr>
             <a:r>
-              <a:rPr b="1" lang="en-US" sz="2200" spc="741" strike="noStrike" cap="all">
+              <a:rPr lang="en-US" sz="2200" b="1" strike="noStrike" cap="all" spc="741">
                 <a:solidFill>
-                  <a:srgbClr val="ffffff"/>
+                  <a:srgbClr val="FFFFFF"/>
                 </a:solidFill>
                 <a:latin typeface="Gill Sans Nova"/>
                 <a:ea typeface="DejaVu Sans"/>
               </a:rPr>
               <a:t>Extension to multivariate linear regression</a:t>
             </a:r>
-            <a:endParaRPr b="0" lang="en-GB" sz="2200" spc="-1" strike="noStrike">
+            <a:endParaRPr lang="en-GB" sz="2200" b="0" strike="noStrike" spc="-1">
               <a:latin typeface="Arial"/>
             </a:endParaRPr>
           </a:p>
@@ -7642,15 +8421,22 @@
           </a:ln>
         </p:spPr>
         <p:style>
-          <a:lnRef idx="0"/>
-          <a:fillRef idx="0"/>
-          <a:effectRef idx="0"/>
+          <a:lnRef idx="0">
+            <a:scrgbClr r="0" g="0" b="0"/>
+          </a:lnRef>
+          <a:fillRef idx="0">
+            <a:scrgbClr r="0" g="0" b="0"/>
+          </a:fillRef>
+          <a:effectRef idx="0">
+            <a:scrgbClr r="0" g="0" b="0"/>
+          </a:effectRef>
           <a:fontRef idx="minor"/>
         </p:style>
         <p:txBody>
-          <a:bodyPr wrap="none" lIns="90000" rIns="90000" tIns="45000" bIns="45000" anchor="t">
+          <a:bodyPr wrap="none" lIns="90000" tIns="45000" rIns="90000" bIns="45000" anchor="t">
             <a:spAutoFit/>
           </a:bodyPr>
+          <a:lstStyle/>
           <a:p>
             <a:pPr>
               <a:lnSpc>
@@ -7659,16 +8445,16 @@
               <a:buNone/>
             </a:pPr>
             <a:r>
-              <a:rPr b="0" lang="en-US" sz="1800" spc="-1" strike="noStrike">
+              <a:rPr lang="en-US" sz="1800" b="0" strike="noStrike" spc="-1">
                 <a:solidFill>
-                  <a:srgbClr val="ffffff"/>
+                  <a:srgbClr val="FFFFFF"/>
                 </a:solidFill>
                 <a:latin typeface="Gill Sans Nova"/>
                 <a:ea typeface="DejaVu Sans"/>
               </a:rPr>
               <a:t>6 DIMENSIONS</a:t>
             </a:r>
-            <a:endParaRPr b="0" lang="en-GB" sz="1800" spc="-1" strike="noStrike">
+            <a:endParaRPr lang="en-GB" sz="1800" b="0" strike="noStrike" spc="-1">
               <a:latin typeface="Arial"/>
             </a:endParaRPr>
           </a:p>
@@ -7676,30 +8462,7 @@
       </p:sp>
       <p:pic>
         <p:nvPicPr>
-          <p:cNvPr id="131" name="" descr=""/>
-          <p:cNvPicPr/>
-          <p:nvPr/>
-        </p:nvPicPr>
-        <p:blipFill>
-          <a:blip r:embed="rId1"/>
-          <a:stretch/>
-        </p:blipFill>
-        <p:spPr>
-          <a:xfrm>
-            <a:off x="1080000" y="2160000"/>
-            <a:ext cx="4595760" cy="3516480"/>
-          </a:xfrm>
-          <a:prstGeom prst="rect">
-            <a:avLst/>
-          </a:prstGeom>
-          <a:ln w="0">
-            <a:noFill/>
-          </a:ln>
-        </p:spPr>
-      </p:pic>
-      <p:pic>
-        <p:nvPicPr>
-          <p:cNvPr id="132" name="" descr=""/>
+          <p:cNvPr id="131" name="Picture 130"/>
           <p:cNvPicPr/>
           <p:nvPr/>
         </p:nvPicPr>
@@ -7709,8 +8472,8 @@
         </p:blipFill>
         <p:spPr>
           <a:xfrm>
-            <a:off x="6480000" y="2077920"/>
-            <a:ext cx="4913280" cy="3681720"/>
+            <a:off x="1080000" y="2160000"/>
+            <a:ext cx="4595760" cy="3516480"/>
           </a:xfrm>
           <a:prstGeom prst="rect">
             <a:avLst/>
@@ -7722,7 +8485,7 @@
       </p:pic>
       <p:pic>
         <p:nvPicPr>
-          <p:cNvPr id="133" name="" descr=""/>
+          <p:cNvPr id="132" name="Picture 131"/>
           <p:cNvPicPr/>
           <p:nvPr/>
         </p:nvPicPr>
@@ -7732,6 +8495,29 @@
         </p:blipFill>
         <p:spPr>
           <a:xfrm>
+            <a:off x="6480000" y="2077920"/>
+            <a:ext cx="4913280" cy="3681720"/>
+          </a:xfrm>
+          <a:prstGeom prst="rect">
+            <a:avLst/>
+          </a:prstGeom>
+          <a:ln w="0">
+            <a:noFill/>
+          </a:ln>
+        </p:spPr>
+      </p:pic>
+      <p:pic>
+        <p:nvPicPr>
+          <p:cNvPr id="133" name="Picture 132"/>
+          <p:cNvPicPr/>
+          <p:nvPr/>
+        </p:nvPicPr>
+        <p:blipFill>
+          <a:blip r:embed="rId4"/>
+          <a:stretch/>
+        </p:blipFill>
+        <p:spPr>
+          <a:xfrm>
             <a:off x="4244760" y="5940000"/>
             <a:ext cx="3494880" cy="885240"/>
           </a:xfrm>
@@ -7745,25 +8531,21 @@
       </p:pic>
     </p:spTree>
   </p:cSld>
-  <mc:AlternateContent>
-    <mc:Choice Requires="p14">
-      <p:transition spd="slow" p14:dur="2000"/>
-    </mc:Choice>
-    <mc:Fallback>
-      <p:transition spd="slow"/>
-    </mc:Fallback>
-  </mc:AlternateContent>
+  <p:clrMapOvr>
+    <a:masterClrMapping/>
+  </p:clrMapOvr>
 </p:sld>
 </file>
 
 <file path=ppt/slides/slide6.xml><?xml version="1.0" encoding="utf-8"?>
-<p:sld xmlns:a="http://schemas.openxmlformats.org/drawingml/2006/main" xmlns:p="http://schemas.openxmlformats.org/presentationml/2006/main" xmlns:r="http://schemas.openxmlformats.org/officeDocument/2006/relationships" xmlns:p14="http://schemas.microsoft.com/office/powerpoint/2010/main" xmlns:p15="http://schemas.microsoft.com/office/powerpoint/2012/main" xmlns:mc="http://schemas.openxmlformats.org/markup-compatibility/2006">
+<p:sld xmlns:a="http://schemas.openxmlformats.org/drawingml/2006/main" xmlns:r="http://schemas.openxmlformats.org/officeDocument/2006/relationships" xmlns:p="http://schemas.openxmlformats.org/presentationml/2006/main">
   <p:cSld>
     <p:bg>
       <p:bgPr>
         <a:solidFill>
-          <a:srgbClr val="ffffff"/>
+          <a:srgbClr val="FFFFFF"/>
         </a:solidFill>
+        <a:effectLst/>
       </p:bgPr>
     </p:bg>
     <p:spTree>
@@ -7787,7 +8569,7 @@
           <p:nvPr/>
         </p:nvSpPr>
         <p:spPr>
-          <a:xfrm flipH="1" rot="10800000">
+          <a:xfrm rot="10800000" flipH="1">
             <a:off x="0" y="6402240"/>
             <a:ext cx="12190680" cy="455400"/>
           </a:xfrm>
@@ -7797,12 +8579,12 @@
           <a:gradFill rotWithShape="0">
             <a:gsLst>
               <a:gs pos="14000">
-                <a:srgbClr val="a47fba">
+                <a:srgbClr val="A47FBA">
                   <a:alpha val="28235"/>
                 </a:srgbClr>
               </a:gs>
               <a:gs pos="100000">
-                <a:srgbClr val="a096c6">
+                <a:srgbClr val="A096C6">
                   <a:alpha val="85098"/>
                 </a:srgbClr>
               </a:gs>
@@ -7845,12 +8627,12 @@
           <a:gradFill rotWithShape="0">
             <a:gsLst>
               <a:gs pos="0">
-                <a:srgbClr val="d6b2c5">
+                <a:srgbClr val="D6B2C5">
                   <a:alpha val="55294"/>
                 </a:srgbClr>
               </a:gs>
               <a:gs pos="100000">
-                <a:srgbClr val="ba7f9f"/>
+                <a:srgbClr val="BA7F9F"/>
               </a:gs>
             </a:gsLst>
             <a:lin ang="14400000"/>
@@ -7927,10 +8709,10 @@
           <a:gradFill rotWithShape="0">
             <a:gsLst>
               <a:gs pos="0">
-                <a:srgbClr val="a096c6"/>
+                <a:srgbClr val="A096C6"/>
               </a:gs>
               <a:gs pos="100000">
-                <a:srgbClr val="7f8bba"/>
+                <a:srgbClr val="7F8BBA"/>
               </a:gs>
             </a:gsLst>
             <a:lin ang="14400000"/>
@@ -7971,10 +8753,10 @@
           <a:gradFill rotWithShape="0">
             <a:gsLst>
               <a:gs pos="1000">
-                <a:srgbClr val="ba7f9f"/>
+                <a:srgbClr val="BA7F9F"/>
               </a:gs>
               <a:gs pos="100000">
-                <a:srgbClr val="a096c6">
+                <a:srgbClr val="A096C6">
                   <a:alpha val="17254"/>
                 </a:srgbClr>
               </a:gs>
@@ -8017,12 +8799,12 @@
           <a:gradFill rotWithShape="0">
             <a:gsLst>
               <a:gs pos="0">
-                <a:srgbClr val="a47fba">
+                <a:srgbClr val="A47FBA">
                   <a:alpha val="0"/>
                 </a:srgbClr>
               </a:gs>
               <a:gs pos="100000">
-                <a:srgbClr val="7f8bba">
+                <a:srgbClr val="7F8BBA">
                   <a:alpha val="59215"/>
                 </a:srgbClr>
               </a:gs>
@@ -8072,9 +8854,10 @@
           </a:ln>
         </p:spPr>
         <p:txBody>
-          <a:bodyPr lIns="0" rIns="0" tIns="0" bIns="0" anchor="ctr">
+          <a:bodyPr lIns="0" tIns="0" rIns="0" bIns="0" anchor="ctr">
             <a:normAutofit/>
           </a:bodyPr>
+          <a:lstStyle/>
           <a:p>
             <a:pPr>
               <a:lnSpc>
@@ -8083,16 +8866,16 @@
               <a:buNone/>
             </a:pPr>
             <a:r>
-              <a:rPr b="1" lang="en-US" sz="2200" spc="741" strike="noStrike" cap="all">
+              <a:rPr lang="en-US" sz="2200" b="1" strike="noStrike" cap="all" spc="741">
                 <a:solidFill>
-                  <a:srgbClr val="ffffff"/>
+                  <a:srgbClr val="FFFFFF"/>
                 </a:solidFill>
                 <a:latin typeface="Gill Sans Nova"/>
                 <a:ea typeface="DejaVu Sans"/>
               </a:rPr>
               <a:t>LINear regression</a:t>
             </a:r>
-            <a:endParaRPr b="0" lang="en-GB" sz="2200" spc="-1" strike="noStrike">
+            <a:endParaRPr lang="en-GB" sz="2200" b="0" strike="noStrike" spc="-1">
               <a:latin typeface="Arial"/>
             </a:endParaRPr>
           </a:p>
@@ -8118,15 +8901,22 @@
           </a:ln>
         </p:spPr>
         <p:style>
-          <a:lnRef idx="0"/>
-          <a:fillRef idx="0"/>
-          <a:effectRef idx="0"/>
+          <a:lnRef idx="0">
+            <a:scrgbClr r="0" g="0" b="0"/>
+          </a:lnRef>
+          <a:fillRef idx="0">
+            <a:scrgbClr r="0" g="0" b="0"/>
+          </a:fillRef>
+          <a:effectRef idx="0">
+            <a:scrgbClr r="0" g="0" b="0"/>
+          </a:effectRef>
           <a:fontRef idx="minor"/>
         </p:style>
         <p:txBody>
-          <a:bodyPr wrap="none" lIns="90000" rIns="90000" tIns="45000" bIns="45000" anchor="t">
+          <a:bodyPr wrap="none" lIns="90000" tIns="45000" rIns="90000" bIns="45000" anchor="t">
             <a:spAutoFit/>
           </a:bodyPr>
+          <a:lstStyle/>
           <a:p>
             <a:pPr>
               <a:lnSpc>
@@ -8135,16 +8925,16 @@
               <a:buNone/>
             </a:pPr>
             <a:r>
-              <a:rPr b="0" lang="en-US" sz="1800" spc="-1" strike="noStrike">
+              <a:rPr lang="en-US" sz="1800" b="0" strike="noStrike" spc="-1">
                 <a:solidFill>
-                  <a:srgbClr val="ffffff"/>
+                  <a:srgbClr val="FFFFFF"/>
                 </a:solidFill>
                 <a:latin typeface="Gill Sans Nova"/>
                 <a:ea typeface="DejaVu Sans"/>
               </a:rPr>
               <a:t>VARIOUS PENALTIES</a:t>
             </a:r>
-            <a:endParaRPr b="0" lang="en-GB" sz="1800" spc="-1" strike="noStrike">
+            <a:endParaRPr lang="en-GB" sz="1800" b="0" strike="noStrike" spc="-1">
               <a:latin typeface="Arial"/>
             </a:endParaRPr>
           </a:p>
@@ -8152,30 +8942,7 @@
       </p:sp>
       <p:pic>
         <p:nvPicPr>
-          <p:cNvPr id="142" name="" descr=""/>
-          <p:cNvPicPr/>
-          <p:nvPr/>
-        </p:nvPicPr>
-        <p:blipFill>
-          <a:blip r:embed="rId1"/>
-          <a:stretch/>
-        </p:blipFill>
-        <p:spPr>
-          <a:xfrm>
-            <a:off x="1080000" y="1980000"/>
-            <a:ext cx="4901040" cy="4266000"/>
-          </a:xfrm>
-          <a:prstGeom prst="rect">
-            <a:avLst/>
-          </a:prstGeom>
-          <a:ln w="0">
-            <a:noFill/>
-          </a:ln>
-        </p:spPr>
-      </p:pic>
-      <p:pic>
-        <p:nvPicPr>
-          <p:cNvPr id="143" name="" descr=""/>
+          <p:cNvPr id="142" name="Picture 141"/>
           <p:cNvPicPr/>
           <p:nvPr/>
         </p:nvPicPr>
@@ -8185,6 +8952,29 @@
         </p:blipFill>
         <p:spPr>
           <a:xfrm>
+            <a:off x="1080000" y="1980000"/>
+            <a:ext cx="4901040" cy="4266000"/>
+          </a:xfrm>
+          <a:prstGeom prst="rect">
+            <a:avLst/>
+          </a:prstGeom>
+          <a:ln w="0">
+            <a:noFill/>
+          </a:ln>
+        </p:spPr>
+      </p:pic>
+      <p:pic>
+        <p:nvPicPr>
+          <p:cNvPr id="143" name="Picture 142"/>
+          <p:cNvPicPr/>
+          <p:nvPr/>
+        </p:nvPicPr>
+        <p:blipFill>
+          <a:blip r:embed="rId3"/>
+          <a:stretch/>
+        </p:blipFill>
+        <p:spPr>
+          <a:xfrm>
             <a:off x="6618960" y="1980000"/>
             <a:ext cx="4901040" cy="4266000"/>
           </a:xfrm>
@@ -8198,25 +8988,21 @@
       </p:pic>
     </p:spTree>
   </p:cSld>
-  <mc:AlternateContent>
-    <mc:Choice Requires="p14">
-      <p:transition spd="slow" p14:dur="2000"/>
-    </mc:Choice>
-    <mc:Fallback>
-      <p:transition spd="slow"/>
-    </mc:Fallback>
-  </mc:AlternateContent>
+  <p:clrMapOvr>
+    <a:masterClrMapping/>
+  </p:clrMapOvr>
 </p:sld>
 </file>
 
 <file path=ppt/slides/slide7.xml><?xml version="1.0" encoding="utf-8"?>
-<p:sld xmlns:a="http://schemas.openxmlformats.org/drawingml/2006/main" xmlns:p="http://schemas.openxmlformats.org/presentationml/2006/main" xmlns:r="http://schemas.openxmlformats.org/officeDocument/2006/relationships" xmlns:p14="http://schemas.microsoft.com/office/powerpoint/2010/main" xmlns:p15="http://schemas.microsoft.com/office/powerpoint/2012/main" xmlns:mc="http://schemas.openxmlformats.org/markup-compatibility/2006">
+<p:sld xmlns:a="http://schemas.openxmlformats.org/drawingml/2006/main" xmlns:r="http://schemas.openxmlformats.org/officeDocument/2006/relationships" xmlns:p="http://schemas.openxmlformats.org/presentationml/2006/main">
   <p:cSld>
     <p:bg>
       <p:bgPr>
         <a:solidFill>
-          <a:srgbClr val="ffffff"/>
+          <a:srgbClr val="FFFFFF"/>
         </a:solidFill>
+        <a:effectLst/>
       </p:bgPr>
     </p:bg>
     <p:spTree>
@@ -8240,7 +9026,7 @@
           <p:nvPr/>
         </p:nvSpPr>
         <p:spPr>
-          <a:xfrm flipH="1" rot="10800000">
+          <a:xfrm rot="10800000" flipH="1">
             <a:off x="0" y="6402240"/>
             <a:ext cx="12190680" cy="455400"/>
           </a:xfrm>
@@ -8250,12 +9036,12 @@
           <a:gradFill rotWithShape="0">
             <a:gsLst>
               <a:gs pos="14000">
-                <a:srgbClr val="a47fba">
+                <a:srgbClr val="A47FBA">
                   <a:alpha val="28235"/>
                 </a:srgbClr>
               </a:gs>
               <a:gs pos="100000">
-                <a:srgbClr val="a096c6">
+                <a:srgbClr val="A096C6">
                   <a:alpha val="85098"/>
                 </a:srgbClr>
               </a:gs>
@@ -8298,12 +9084,12 @@
           <a:gradFill rotWithShape="0">
             <a:gsLst>
               <a:gs pos="0">
-                <a:srgbClr val="d6b2c5">
+                <a:srgbClr val="D6B2C5">
                   <a:alpha val="55294"/>
                 </a:srgbClr>
               </a:gs>
               <a:gs pos="100000">
-                <a:srgbClr val="ba7f9f"/>
+                <a:srgbClr val="BA7F9F"/>
               </a:gs>
             </a:gsLst>
             <a:lin ang="14400000"/>
@@ -8380,10 +9166,10 @@
           <a:gradFill rotWithShape="0">
             <a:gsLst>
               <a:gs pos="0">
-                <a:srgbClr val="a096c6"/>
+                <a:srgbClr val="A096C6"/>
               </a:gs>
               <a:gs pos="100000">
-                <a:srgbClr val="7f8bba"/>
+                <a:srgbClr val="7F8BBA"/>
               </a:gs>
             </a:gsLst>
             <a:lin ang="14400000"/>
@@ -8424,10 +9210,10 @@
           <a:gradFill rotWithShape="0">
             <a:gsLst>
               <a:gs pos="1000">
-                <a:srgbClr val="ba7f9f"/>
+                <a:srgbClr val="BA7F9F"/>
               </a:gs>
               <a:gs pos="100000">
-                <a:srgbClr val="a096c6">
+                <a:srgbClr val="A096C6">
                   <a:alpha val="17254"/>
                 </a:srgbClr>
               </a:gs>
@@ -8470,12 +9256,12 @@
           <a:gradFill rotWithShape="0">
             <a:gsLst>
               <a:gs pos="0">
-                <a:srgbClr val="a47fba">
+                <a:srgbClr val="A47FBA">
                   <a:alpha val="0"/>
                 </a:srgbClr>
               </a:gs>
               <a:gs pos="100000">
-                <a:srgbClr val="7f8bba">
+                <a:srgbClr val="7F8BBA">
                   <a:alpha val="59215"/>
                 </a:srgbClr>
               </a:gs>
@@ -8525,9 +9311,10 @@
           </a:ln>
         </p:spPr>
         <p:txBody>
-          <a:bodyPr lIns="0" rIns="0" tIns="0" bIns="0" anchor="ctr">
+          <a:bodyPr lIns="0" tIns="0" rIns="0" bIns="0" anchor="ctr">
             <a:normAutofit/>
           </a:bodyPr>
+          <a:lstStyle/>
           <a:p>
             <a:pPr>
               <a:lnSpc>
@@ -8536,16 +9323,16 @@
               <a:buNone/>
             </a:pPr>
             <a:r>
-              <a:rPr b="1" lang="en-US" sz="2200" spc="741" strike="noStrike" cap="all">
+              <a:rPr lang="en-US" sz="2200" b="1" strike="noStrike" cap="all" spc="741">
                 <a:solidFill>
-                  <a:srgbClr val="ffffff"/>
+                  <a:srgbClr val="FFFFFF"/>
                 </a:solidFill>
                 <a:latin typeface="Gill Sans Nova"/>
                 <a:ea typeface="DejaVu Sans"/>
               </a:rPr>
               <a:t>CART</a:t>
             </a:r>
-            <a:endParaRPr b="0" lang="en-GB" sz="2200" spc="-1" strike="noStrike">
+            <a:endParaRPr lang="en-GB" sz="2200" b="0" strike="noStrike" spc="-1">
               <a:latin typeface="Arial"/>
             </a:endParaRPr>
           </a:p>
@@ -8553,12 +9340,12 @@
       </p:sp>
       <p:pic>
         <p:nvPicPr>
-          <p:cNvPr id="151" name="" descr=""/>
+          <p:cNvPr id="151" name="Picture 150"/>
           <p:cNvPicPr/>
           <p:nvPr/>
         </p:nvPicPr>
         <p:blipFill>
-          <a:blip r:embed="rId1"/>
+          <a:blip r:embed="rId2"/>
           <a:stretch/>
         </p:blipFill>
         <p:spPr>
@@ -8594,15 +9381,22 @@
           </a:ln>
         </p:spPr>
         <p:style>
-          <a:lnRef idx="0"/>
-          <a:fillRef idx="0"/>
-          <a:effectRef idx="0"/>
+          <a:lnRef idx="0">
+            <a:scrgbClr r="0" g="0" b="0"/>
+          </a:lnRef>
+          <a:fillRef idx="0">
+            <a:scrgbClr r="0" g="0" b="0"/>
+          </a:fillRef>
+          <a:effectRef idx="0">
+            <a:scrgbClr r="0" g="0" b="0"/>
+          </a:effectRef>
           <a:fontRef idx="minor"/>
         </p:style>
         <p:txBody>
-          <a:bodyPr wrap="none" lIns="90000" rIns="90000" tIns="45000" bIns="45000" anchor="t">
+          <a:bodyPr wrap="none" lIns="90000" tIns="45000" rIns="90000" bIns="45000" anchor="t">
             <a:spAutoFit/>
           </a:bodyPr>
+          <a:lstStyle/>
           <a:p>
             <a:pPr>
               <a:lnSpc>
@@ -8611,268 +9405,18 @@
               <a:buNone/>
             </a:pPr>
             <a:r>
-              <a:rPr b="0" lang="en-US" sz="1800" spc="-1" strike="noStrike">
+              <a:rPr lang="en-US" sz="1800" b="0" strike="noStrike" spc="-1">
                 <a:solidFill>
-                  <a:srgbClr val="2a6099"/>
+                  <a:srgbClr val="2A6099"/>
                 </a:solidFill>
                 <a:latin typeface="Gill Sans Nova"/>
                 <a:ea typeface="DejaVu Sans"/>
               </a:rPr>
-              <a:t>C</a:t>
+              <a:t>Criterion = Absolute_error</a:t>
             </a:r>
-            <a:r>
-              <a:rPr b="0" lang="en-US" sz="1800" spc="-1" strike="noStrike">
-                <a:solidFill>
-                  <a:srgbClr val="2a6099"/>
-                </a:solidFill>
-                <a:latin typeface="Gill Sans Nova"/>
-                <a:ea typeface="DejaVu Sans"/>
-              </a:rPr>
-              <a:t>r</a:t>
-            </a:r>
-            <a:r>
-              <a:rPr b="0" lang="en-US" sz="1800" spc="-1" strike="noStrike">
-                <a:solidFill>
-                  <a:srgbClr val="2a6099"/>
-                </a:solidFill>
-                <a:latin typeface="Gill Sans Nova"/>
-                <a:ea typeface="DejaVu Sans"/>
-              </a:rPr>
-              <a:t>i</a:t>
-            </a:r>
-            <a:r>
-              <a:rPr b="0" lang="en-US" sz="1800" spc="-1" strike="noStrike">
-                <a:solidFill>
-                  <a:srgbClr val="2a6099"/>
-                </a:solidFill>
-                <a:latin typeface="Gill Sans Nova"/>
-                <a:ea typeface="DejaVu Sans"/>
-              </a:rPr>
-              <a:t>t</a:t>
-            </a:r>
-            <a:r>
-              <a:rPr b="0" lang="en-US" sz="1800" spc="-1" strike="noStrike">
-                <a:solidFill>
-                  <a:srgbClr val="2a6099"/>
-                </a:solidFill>
-                <a:latin typeface="Gill Sans Nova"/>
-                <a:ea typeface="DejaVu Sans"/>
-              </a:rPr>
-              <a:t>e</a:t>
-            </a:r>
-            <a:r>
-              <a:rPr b="0" lang="en-US" sz="1800" spc="-1" strike="noStrike">
-                <a:solidFill>
-                  <a:srgbClr val="2a6099"/>
-                </a:solidFill>
-                <a:latin typeface="Gill Sans Nova"/>
-                <a:ea typeface="DejaVu Sans"/>
-              </a:rPr>
-              <a:t>r</a:t>
-            </a:r>
-            <a:r>
-              <a:rPr b="0" lang="en-US" sz="1800" spc="-1" strike="noStrike">
-                <a:solidFill>
-                  <a:srgbClr val="2a6099"/>
-                </a:solidFill>
-                <a:latin typeface="Gill Sans Nova"/>
-                <a:ea typeface="DejaVu Sans"/>
-              </a:rPr>
-              <a:t>i</a:t>
-            </a:r>
-            <a:r>
-              <a:rPr b="0" lang="en-US" sz="1800" spc="-1" strike="noStrike">
-                <a:solidFill>
-                  <a:srgbClr val="2a6099"/>
-                </a:solidFill>
-                <a:latin typeface="Gill Sans Nova"/>
-                <a:ea typeface="DejaVu Sans"/>
-              </a:rPr>
-              <a:t>o</a:t>
-            </a:r>
-            <a:r>
-              <a:rPr b="0" lang="en-US" sz="1800" spc="-1" strike="noStrike">
-                <a:solidFill>
-                  <a:srgbClr val="2a6099"/>
-                </a:solidFill>
-                <a:latin typeface="Gill Sans Nova"/>
-                <a:ea typeface="DejaVu Sans"/>
-              </a:rPr>
-              <a:t>n</a:t>
-            </a:r>
-            <a:r>
-              <a:rPr b="0" lang="en-US" sz="1800" spc="-1" strike="noStrike">
-                <a:solidFill>
-                  <a:srgbClr val="2a6099"/>
-                </a:solidFill>
-                <a:latin typeface="Gill Sans Nova"/>
-                <a:ea typeface="DejaVu Sans"/>
-              </a:rPr>
-              <a:t> </a:t>
-            </a:r>
-            <a:r>
-              <a:rPr b="0" lang="en-US" sz="1800" spc="-1" strike="noStrike">
-                <a:solidFill>
-                  <a:srgbClr val="2a6099"/>
-                </a:solidFill>
-                <a:latin typeface="Gill Sans Nova"/>
-                <a:ea typeface="DejaVu Sans"/>
-              </a:rPr>
-              <a:t>=</a:t>
-            </a:r>
-            <a:r>
-              <a:rPr b="0" lang="en-US" sz="1800" spc="-1" strike="noStrike">
-                <a:solidFill>
-                  <a:srgbClr val="2a6099"/>
-                </a:solidFill>
-                <a:latin typeface="Gill Sans Nova"/>
-                <a:ea typeface="DejaVu Sans"/>
-              </a:rPr>
-              <a:t> </a:t>
-            </a:r>
-            <a:r>
-              <a:rPr b="0" lang="en-US" sz="1800" spc="-1" strike="noStrike">
-                <a:solidFill>
-                  <a:srgbClr val="2a6099"/>
-                </a:solidFill>
-                <a:latin typeface="Gill Sans Nova"/>
-                <a:ea typeface="DejaVu Sans"/>
-              </a:rPr>
-              <a:t>A</a:t>
-            </a:r>
-            <a:r>
-              <a:rPr b="0" lang="en-US" sz="1800" spc="-1" strike="noStrike">
-                <a:solidFill>
-                  <a:srgbClr val="2a6099"/>
-                </a:solidFill>
-                <a:latin typeface="Gill Sans Nova"/>
-                <a:ea typeface="DejaVu Sans"/>
-              </a:rPr>
-              <a:t>b</a:t>
-            </a:r>
-            <a:r>
-              <a:rPr b="0" lang="en-US" sz="1800" spc="-1" strike="noStrike">
-                <a:solidFill>
-                  <a:srgbClr val="2a6099"/>
-                </a:solidFill>
-                <a:latin typeface="Gill Sans Nova"/>
-                <a:ea typeface="DejaVu Sans"/>
-              </a:rPr>
-              <a:t>s</a:t>
-            </a:r>
-            <a:r>
-              <a:rPr b="0" lang="en-US" sz="1800" spc="-1" strike="noStrike">
-                <a:solidFill>
-                  <a:srgbClr val="2a6099"/>
-                </a:solidFill>
-                <a:latin typeface="Gill Sans Nova"/>
-                <a:ea typeface="DejaVu Sans"/>
-              </a:rPr>
-              <a:t>o</a:t>
-            </a:r>
-            <a:r>
-              <a:rPr b="0" lang="en-US" sz="1800" spc="-1" strike="noStrike">
-                <a:solidFill>
-                  <a:srgbClr val="2a6099"/>
-                </a:solidFill>
-                <a:latin typeface="Gill Sans Nova"/>
-                <a:ea typeface="DejaVu Sans"/>
-              </a:rPr>
-              <a:t>l</a:t>
-            </a:r>
-            <a:r>
-              <a:rPr b="0" lang="en-US" sz="1800" spc="-1" strike="noStrike">
-                <a:solidFill>
-                  <a:srgbClr val="2a6099"/>
-                </a:solidFill>
-                <a:latin typeface="Gill Sans Nova"/>
-                <a:ea typeface="DejaVu Sans"/>
-              </a:rPr>
-              <a:t>u</a:t>
-            </a:r>
-            <a:r>
-              <a:rPr b="0" lang="en-US" sz="1800" spc="-1" strike="noStrike">
-                <a:solidFill>
-                  <a:srgbClr val="2a6099"/>
-                </a:solidFill>
-                <a:latin typeface="Gill Sans Nova"/>
-                <a:ea typeface="DejaVu Sans"/>
-              </a:rPr>
-              <a:t>t</a:t>
-            </a:r>
-            <a:r>
-              <a:rPr b="0" lang="en-US" sz="1800" spc="-1" strike="noStrike">
-                <a:solidFill>
-                  <a:srgbClr val="2a6099"/>
-                </a:solidFill>
-                <a:latin typeface="Gill Sans Nova"/>
-                <a:ea typeface="DejaVu Sans"/>
-              </a:rPr>
-              <a:t>e</a:t>
-            </a:r>
-            <a:r>
-              <a:rPr b="0" lang="en-US" sz="1800" spc="-1" strike="noStrike">
-                <a:solidFill>
-                  <a:srgbClr val="2a6099"/>
-                </a:solidFill>
-                <a:latin typeface="Gill Sans Nova"/>
-                <a:ea typeface="DejaVu Sans"/>
-              </a:rPr>
-              <a:t>_</a:t>
-            </a:r>
-            <a:r>
-              <a:rPr b="0" lang="en-US" sz="1800" spc="-1" strike="noStrike">
-                <a:solidFill>
-                  <a:srgbClr val="2a6099"/>
-                </a:solidFill>
-                <a:latin typeface="Gill Sans Nova"/>
-                <a:ea typeface="DejaVu Sans"/>
-              </a:rPr>
-              <a:t>e</a:t>
-            </a:r>
-            <a:r>
-              <a:rPr b="0" lang="en-US" sz="1800" spc="-1" strike="noStrike">
-                <a:solidFill>
-                  <a:srgbClr val="2a6099"/>
-                </a:solidFill>
-                <a:latin typeface="Gill Sans Nova"/>
-                <a:ea typeface="DejaVu Sans"/>
-              </a:rPr>
-              <a:t>r</a:t>
-            </a:r>
-            <a:r>
-              <a:rPr b="0" lang="en-US" sz="1800" spc="-1" strike="noStrike">
-                <a:solidFill>
-                  <a:srgbClr val="2a6099"/>
-                </a:solidFill>
-                <a:latin typeface="Gill Sans Nova"/>
-                <a:ea typeface="DejaVu Sans"/>
-              </a:rPr>
-              <a:t>r</a:t>
-            </a:r>
-            <a:r>
-              <a:rPr b="0" lang="en-US" sz="1800" spc="-1" strike="noStrike">
-                <a:solidFill>
-                  <a:srgbClr val="2a6099"/>
-                </a:solidFill>
-                <a:latin typeface="Gill Sans Nova"/>
-                <a:ea typeface="DejaVu Sans"/>
-              </a:rPr>
-              <a:t>o</a:t>
-            </a:r>
-            <a:r>
-              <a:rPr b="0" lang="en-US" sz="1800" spc="-1" strike="noStrike">
-                <a:solidFill>
-                  <a:srgbClr val="2a6099"/>
-                </a:solidFill>
-                <a:latin typeface="Gill Sans Nova"/>
-                <a:ea typeface="DejaVu Sans"/>
-              </a:rPr>
-              <a:t>r</a:t>
-            </a:r>
-            <a:endParaRPr b="0" lang="en-GB" sz="1800" spc="-1" strike="noStrike">
+            <a:endParaRPr lang="en-GB" sz="1800" b="0" strike="noStrike" spc="-1">
               <a:solidFill>
-                <a:srgbClr val="2a6099"/>
+                <a:srgbClr val="2A6099"/>
               </a:solidFill>
               <a:latin typeface="Arial"/>
             </a:endParaRPr>
@@ -8899,15 +9443,22 @@
           </a:ln>
         </p:spPr>
         <p:style>
-          <a:lnRef idx="0"/>
-          <a:fillRef idx="0"/>
-          <a:effectRef idx="0"/>
+          <a:lnRef idx="0">
+            <a:scrgbClr r="0" g="0" b="0"/>
+          </a:lnRef>
+          <a:fillRef idx="0">
+            <a:scrgbClr r="0" g="0" b="0"/>
+          </a:fillRef>
+          <a:effectRef idx="0">
+            <a:scrgbClr r="0" g="0" b="0"/>
+          </a:effectRef>
           <a:fontRef idx="minor"/>
         </p:style>
         <p:txBody>
-          <a:bodyPr wrap="none" lIns="90000" rIns="90000" tIns="45000" bIns="45000" anchor="t">
+          <a:bodyPr wrap="none" lIns="90000" tIns="45000" rIns="90000" bIns="45000" anchor="t">
             <a:spAutoFit/>
           </a:bodyPr>
+          <a:lstStyle/>
           <a:p>
             <a:pPr>
               <a:lnSpc>
@@ -8916,18 +9467,18 @@
               <a:buNone/>
             </a:pPr>
             <a:r>
-              <a:rPr b="0" lang="en-US" sz="1800" spc="-1" strike="noStrike">
+              <a:rPr lang="en-US" sz="1800" b="0" strike="noStrike" spc="-1">
                 <a:solidFill>
-                  <a:srgbClr val="2a6099"/>
+                  <a:srgbClr val="2A6099"/>
                 </a:solidFill>
                 <a:latin typeface="Gill Sans Nova"/>
                 <a:ea typeface="DejaVu Sans"/>
               </a:rPr>
               <a:t>Criterion = Squared_error</a:t>
             </a:r>
-            <a:endParaRPr b="0" lang="en-GB" sz="1800" spc="-1" strike="noStrike">
+            <a:endParaRPr lang="en-GB" sz="1800" b="0" strike="noStrike" spc="-1">
               <a:solidFill>
-                <a:srgbClr val="2a6099"/>
+                <a:srgbClr val="2A6099"/>
               </a:solidFill>
               <a:latin typeface="Arial"/>
             </a:endParaRPr>
@@ -8936,12 +9487,12 @@
       </p:sp>
       <p:pic>
         <p:nvPicPr>
-          <p:cNvPr id="154" name="" descr=""/>
+          <p:cNvPr id="154" name="Picture 153"/>
           <p:cNvPicPr/>
           <p:nvPr/>
         </p:nvPicPr>
         <p:blipFill>
-          <a:blip r:embed="rId2"/>
+          <a:blip r:embed="rId3"/>
           <a:stretch/>
         </p:blipFill>
         <p:spPr>
@@ -8959,14 +9510,9 @@
       </p:pic>
     </p:spTree>
   </p:cSld>
-  <mc:AlternateContent>
-    <mc:Choice Requires="p14">
-      <p:transition spd="slow" p14:dur="2000"/>
-    </mc:Choice>
-    <mc:Fallback>
-      <p:transition spd="slow"/>
-    </mc:Fallback>
-  </mc:AlternateContent>
+  <p:clrMapOvr>
+    <a:masterClrMapping/>
+  </p:clrMapOvr>
 </p:sld>
 </file>
 
@@ -8984,31 +9530,31 @@
         <a:srgbClr val="243541"/>
       </a:dk2>
       <a:lt2>
-        <a:srgbClr val="e2e8e7"/>
+        <a:srgbClr val="E2E8E7"/>
       </a:lt2>
       <a:accent1>
-        <a:srgbClr val="c6969c"/>
+        <a:srgbClr val="C6969C"/>
       </a:accent1>
       <a:accent2>
-        <a:srgbClr val="ba7f9f"/>
+        <a:srgbClr val="BA7F9F"/>
       </a:accent2>
       <a:accent3>
-        <a:srgbClr val="c492c2"/>
+        <a:srgbClr val="C492C2"/>
       </a:accent3>
       <a:accent4>
-        <a:srgbClr val="a47fba"/>
+        <a:srgbClr val="A47FBA"/>
       </a:accent4>
       <a:accent5>
-        <a:srgbClr val="a096c6"/>
+        <a:srgbClr val="A096C6"/>
       </a:accent5>
       <a:accent6>
-        <a:srgbClr val="7f8bba"/>
+        <a:srgbClr val="7F8BBA"/>
       </a:accent6>
       <a:hlink>
-        <a:srgbClr val="568e87"/>
+        <a:srgbClr val="568E87"/>
       </a:hlink>
       <a:folHlink>
-        <a:srgbClr val="7f7f7f"/>
+        <a:srgbClr val="7F7F7F"/>
       </a:folHlink>
     </a:clrScheme>
     <a:fontScheme name="Office">
@@ -9193,6 +9739,8 @@
       </a:bgFillStyleLst>
     </a:fmtScheme>
   </a:themeElements>
+  <a:objectDefaults/>
+  <a:extraClrSchemeLst/>
 </a:theme>
 </file>
 
@@ -9210,31 +9758,31 @@
         <a:srgbClr val="243541"/>
       </a:dk2>
       <a:lt2>
-        <a:srgbClr val="e2e8e7"/>
+        <a:srgbClr val="E2E8E7"/>
       </a:lt2>
       <a:accent1>
-        <a:srgbClr val="c6969c"/>
+        <a:srgbClr val="C6969C"/>
       </a:accent1>
       <a:accent2>
-        <a:srgbClr val="ba7f9f"/>
+        <a:srgbClr val="BA7F9F"/>
       </a:accent2>
       <a:accent3>
-        <a:srgbClr val="c492c2"/>
+        <a:srgbClr val="C492C2"/>
       </a:accent3>
       <a:accent4>
-        <a:srgbClr val="a47fba"/>
+        <a:srgbClr val="A47FBA"/>
       </a:accent4>
       <a:accent5>
-        <a:srgbClr val="a096c6"/>
+        <a:srgbClr val="A096C6"/>
       </a:accent5>
       <a:accent6>
-        <a:srgbClr val="7f8bba"/>
+        <a:srgbClr val="7F8BBA"/>
       </a:accent6>
       <a:hlink>
-        <a:srgbClr val="568e87"/>
+        <a:srgbClr val="568E87"/>
       </a:hlink>
       <a:folHlink>
-        <a:srgbClr val="7f7f7f"/>
+        <a:srgbClr val="7F7F7F"/>
       </a:folHlink>
     </a:clrScheme>
     <a:fontScheme name="Office">
@@ -9419,5 +9967,7 @@
       </a:bgFillStyleLst>
     </a:fmtScheme>
   </a:themeElements>
+  <a:objectDefaults/>
+  <a:extraClrSchemeLst/>
 </a:theme>
 </file>